--- a/Projekt Ikarus Mariella Zunker Robin Mayer Nils Nover.pptx
+++ b/Projekt Ikarus Mariella Zunker Robin Mayer Nils Nover.pptx
@@ -4182,7 +4182,7 @@
               <a:buChar char="•"/>
             </a:pPr>
             <a:r>
-              <a:rPr lang="de-DE" sz="1800" b="0" strike="noStrike" spc="-1">
+              <a:rPr lang="de-DE" sz="1800" b="0" strike="noStrike" spc="-1" dirty="0">
                 <a:solidFill>
                   <a:srgbClr val="000000"/>
                 </a:solidFill>
@@ -4190,7 +4190,7 @@
               </a:rPr>
               <a:t>Auswahl der Datensätze</a:t>
             </a:r>
-            <a:endParaRPr lang="de-DE" sz="1800" b="0" strike="noStrike" spc="-1">
+            <a:endParaRPr lang="de-DE" sz="1800" b="0" strike="noStrike" spc="-1" dirty="0">
               <a:solidFill>
                 <a:srgbClr val="000000"/>
               </a:solidFill>
@@ -4206,7 +4206,7 @@
                 <a:spcPts val="300"/>
               </a:spcBef>
             </a:pPr>
-            <a:endParaRPr lang="de-DE" sz="1800" b="0" strike="noStrike" spc="-1">
+            <a:endParaRPr lang="de-DE" sz="1800" b="0" strike="noStrike" spc="-1" dirty="0">
               <a:solidFill>
                 <a:srgbClr val="000000"/>
               </a:solidFill>
@@ -4228,15 +4228,24 @@
               <a:buChar char="•"/>
             </a:pPr>
             <a:r>
-              <a:rPr lang="de-DE" sz="1800" b="0" strike="noStrike" spc="-1">
+              <a:rPr lang="de-DE" sz="1800" b="0" strike="noStrike" spc="-1" dirty="0">
                 <a:solidFill>
                   <a:srgbClr val="000000"/>
                 </a:solidFill>
                 <a:latin typeface="Arial"/>
               </a:rPr>
-              <a:t>Data Cleaning</a:t>
+              <a:t>Data </a:t>
             </a:r>
-            <a:endParaRPr lang="de-DE" sz="1800" b="0" strike="noStrike" spc="-1">
+            <a:r>
+              <a:rPr lang="de-DE" sz="1800" b="0" strike="noStrike" spc="-1" dirty="0" err="1">
+                <a:solidFill>
+                  <a:srgbClr val="000000"/>
+                </a:solidFill>
+                <a:latin typeface="Arial"/>
+              </a:rPr>
+              <a:t>Cleaning</a:t>
+            </a:r>
+            <a:endParaRPr lang="de-DE" sz="1800" b="0" strike="noStrike" spc="-1" dirty="0">
               <a:solidFill>
                 <a:srgbClr val="000000"/>
               </a:solidFill>
@@ -4252,7 +4261,7 @@
                 <a:spcPts val="300"/>
               </a:spcBef>
             </a:pPr>
-            <a:endParaRPr lang="de-DE" sz="1800" b="0" strike="noStrike" spc="-1">
+            <a:endParaRPr lang="de-DE" sz="1800" b="0" strike="noStrike" spc="-1" dirty="0">
               <a:solidFill>
                 <a:srgbClr val="000000"/>
               </a:solidFill>
@@ -4274,15 +4283,24 @@
               <a:buChar char="•"/>
             </a:pPr>
             <a:r>
-              <a:rPr lang="de-DE" sz="1800" b="0" strike="noStrike" spc="-1">
+              <a:rPr lang="de-DE" sz="1800" b="0" strike="noStrike" spc="-1" dirty="0" err="1">
                 <a:solidFill>
                   <a:srgbClr val="000000"/>
                 </a:solidFill>
                 <a:latin typeface="Arial"/>
               </a:rPr>
-              <a:t>Merging der Daten</a:t>
+              <a:t>Merging</a:t>
             </a:r>
-            <a:endParaRPr lang="de-DE" sz="1800" b="0" strike="noStrike" spc="-1">
+            <a:r>
+              <a:rPr lang="de-DE" sz="1800" b="0" strike="noStrike" spc="-1" dirty="0">
+                <a:solidFill>
+                  <a:srgbClr val="000000"/>
+                </a:solidFill>
+                <a:latin typeface="Arial"/>
+              </a:rPr>
+              <a:t> der Daten</a:t>
+            </a:r>
+            <a:endParaRPr lang="de-DE" sz="1800" b="0" strike="noStrike" spc="-1" dirty="0">
               <a:solidFill>
                 <a:srgbClr val="000000"/>
               </a:solidFill>
@@ -4298,7 +4316,7 @@
                 <a:spcPts val="300"/>
               </a:spcBef>
             </a:pPr>
-            <a:endParaRPr lang="de-DE" sz="1800" b="0" strike="noStrike" spc="-1">
+            <a:endParaRPr lang="de-DE" sz="1800" b="0" strike="noStrike" spc="-1" dirty="0">
               <a:solidFill>
                 <a:srgbClr val="000000"/>
               </a:solidFill>
@@ -4320,7 +4338,7 @@
               <a:buChar char="•"/>
             </a:pPr>
             <a:r>
-              <a:rPr lang="de-DE" sz="1800" b="0" strike="noStrike" spc="-1">
+              <a:rPr lang="de-DE" sz="1800" b="0" strike="noStrike" spc="-1" dirty="0">
                 <a:solidFill>
                   <a:srgbClr val="000000"/>
                 </a:solidFill>
@@ -4328,7 +4346,7 @@
               </a:rPr>
               <a:t>Regression</a:t>
             </a:r>
-            <a:endParaRPr lang="de-DE" sz="1800" b="0" strike="noStrike" spc="-1">
+            <a:endParaRPr lang="de-DE" sz="1800" b="0" strike="noStrike" spc="-1" dirty="0">
               <a:solidFill>
                 <a:srgbClr val="000000"/>
               </a:solidFill>
@@ -4344,7 +4362,7 @@
                 <a:spcPts val="300"/>
               </a:spcBef>
             </a:pPr>
-            <a:endParaRPr lang="de-DE" sz="1800" b="0" strike="noStrike" spc="-1">
+            <a:endParaRPr lang="de-DE" sz="1800" b="0" strike="noStrike" spc="-1" dirty="0">
               <a:solidFill>
                 <a:srgbClr val="000000"/>
               </a:solidFill>
@@ -4360,7 +4378,7 @@
                 <a:spcPts val="300"/>
               </a:spcBef>
             </a:pPr>
-            <a:endParaRPr lang="de-DE" sz="1800" b="0" strike="noStrike" spc="-1">
+            <a:endParaRPr lang="de-DE" sz="1800" b="0" strike="noStrike" spc="-1" dirty="0">
               <a:solidFill>
                 <a:srgbClr val="000000"/>
               </a:solidFill>
@@ -5102,6 +5120,88 @@
           </a:prstGeom>
         </p:spPr>
       </p:pic>
+      <p:sp>
+        <p:nvSpPr>
+          <p:cNvPr id="4" name="Rechteck 3"/>
+          <p:cNvSpPr/>
+          <p:nvPr/>
+        </p:nvSpPr>
+        <p:spPr>
+          <a:xfrm>
+            <a:off x="2867020" y="1412775"/>
+            <a:ext cx="1332745" cy="658785"/>
+          </a:xfrm>
+          <a:prstGeom prst="rect">
+            <a:avLst/>
+          </a:prstGeom>
+          <a:noFill/>
+        </p:spPr>
+        <p:style>
+          <a:lnRef idx="2">
+            <a:schemeClr val="accent1">
+              <a:shade val="50000"/>
+            </a:schemeClr>
+          </a:lnRef>
+          <a:fillRef idx="1">
+            <a:schemeClr val="accent1"/>
+          </a:fillRef>
+          <a:effectRef idx="0">
+            <a:schemeClr val="accent1"/>
+          </a:effectRef>
+          <a:fontRef idx="minor">
+            <a:schemeClr val="lt1"/>
+          </a:fontRef>
+        </p:style>
+        <p:txBody>
+          <a:bodyPr rtlCol="0" anchor="ctr"/>
+          <a:lstStyle/>
+          <a:p>
+            <a:pPr algn="ctr"/>
+            <a:endParaRPr lang="en-GB"/>
+          </a:p>
+        </p:txBody>
+      </p:sp>
+      <p:sp>
+        <p:nvSpPr>
+          <p:cNvPr id="14" name="Rechteck 13"/>
+          <p:cNvSpPr/>
+          <p:nvPr/>
+        </p:nvSpPr>
+        <p:spPr>
+          <a:xfrm>
+            <a:off x="6393799" y="4154627"/>
+            <a:ext cx="808113" cy="344546"/>
+          </a:xfrm>
+          <a:prstGeom prst="rect">
+            <a:avLst/>
+          </a:prstGeom>
+          <a:noFill/>
+        </p:spPr>
+        <p:style>
+          <a:lnRef idx="2">
+            <a:schemeClr val="accent1">
+              <a:shade val="50000"/>
+            </a:schemeClr>
+          </a:lnRef>
+          <a:fillRef idx="1">
+            <a:schemeClr val="accent1"/>
+          </a:fillRef>
+          <a:effectRef idx="0">
+            <a:schemeClr val="accent1"/>
+          </a:effectRef>
+          <a:fontRef idx="minor">
+            <a:schemeClr val="lt1"/>
+          </a:fontRef>
+        </p:style>
+        <p:txBody>
+          <a:bodyPr rtlCol="0" anchor="ctr"/>
+          <a:lstStyle/>
+          <a:p>
+            <a:pPr algn="ctr"/>
+            <a:endParaRPr lang="en-GB"/>
+          </a:p>
+        </p:txBody>
+      </p:sp>
     </p:spTree>
   </p:cSld>
   <p:clrMapOvr>
@@ -5259,6 +5359,78 @@
                       </p:childTnLst>
                     </p:cTn>
                   </p:par>
+                  <p:par>
+                    <p:cTn id="15" fill="hold">
+                      <p:stCondLst>
+                        <p:cond delay="indefinite"/>
+                      </p:stCondLst>
+                      <p:childTnLst>
+                        <p:par>
+                          <p:cTn id="16" fill="hold">
+                            <p:stCondLst>
+                              <p:cond delay="0"/>
+                            </p:stCondLst>
+                            <p:childTnLst>
+                              <p:par>
+                                <p:cTn id="17" presetID="1" presetClass="entr" presetSubtype="0" fill="hold" grpId="0" nodeType="clickEffect">
+                                  <p:stCondLst>
+                                    <p:cond delay="0"/>
+                                  </p:stCondLst>
+                                  <p:childTnLst>
+                                    <p:set>
+                                      <p:cBhvr>
+                                        <p:cTn id="18" dur="1" fill="hold">
+                                          <p:stCondLst>
+                                            <p:cond delay="0"/>
+                                          </p:stCondLst>
+                                        </p:cTn>
+                                        <p:tgtEl>
+                                          <p:spTgt spid="14"/>
+                                        </p:tgtEl>
+                                        <p:attrNameLst>
+                                          <p:attrName>style.visibility</p:attrName>
+                                        </p:attrNameLst>
+                                      </p:cBhvr>
+                                      <p:to>
+                                        <p:strVal val="visible"/>
+                                      </p:to>
+                                    </p:set>
+                                  </p:childTnLst>
+                                </p:cTn>
+                              </p:par>
+                              <p:par>
+                                <p:cTn id="19" presetID="1" presetClass="entr" presetSubtype="0" fill="hold" grpId="0" nodeType="withEffect">
+                                  <p:stCondLst>
+                                    <p:cond delay="0"/>
+                                  </p:stCondLst>
+                                  <p:childTnLst>
+                                    <p:set>
+                                      <p:cBhvr>
+                                        <p:cTn id="20" dur="1" fill="hold">
+                                          <p:stCondLst>
+                                            <p:cond delay="0"/>
+                                          </p:stCondLst>
+                                        </p:cTn>
+                                        <p:tgtEl>
+                                          <p:spTgt spid="4"/>
+                                        </p:tgtEl>
+                                        <p:attrNameLst>
+                                          <p:attrName>style.visibility</p:attrName>
+                                        </p:attrNameLst>
+                                      </p:cBhvr>
+                                      <p:to>
+                                        <p:strVal val="visible"/>
+                                      </p:to>
+                                    </p:set>
+                                  </p:childTnLst>
+                                </p:cTn>
+                              </p:par>
+                            </p:childTnLst>
+                          </p:cTn>
+                        </p:par>
+                      </p:childTnLst>
+                    </p:cTn>
+                  </p:par>
                 </p:childTnLst>
               </p:cTn>
               <p:prevCondLst>
@@ -5280,6 +5452,10 @@
         </p:cTn>
       </p:par>
     </p:tnLst>
+    <p:bldLst>
+      <p:bldP spid="4" grpId="0" animBg="1"/>
+      <p:bldP spid="14" grpId="0" animBg="1"/>
+    </p:bldLst>
   </p:timing>
 </p:sld>
 </file>

--- a/Projekt Ikarus Mariella Zunker Robin Mayer Nils Nover.pptx
+++ b/Projekt Ikarus Mariella Zunker Robin Mayer Nils Nover.pptx
@@ -1,449 +1,29 @@
 
 <file path=ppt/presentation.xml><?xml version="1.0" encoding="utf-8"?>
-<p:presentation xmlns:a="http://schemas.openxmlformats.org/drawingml/2006/main" xmlns:r="http://schemas.openxmlformats.org/officeDocument/2006/relationships" xmlns:p="http://schemas.openxmlformats.org/presentationml/2006/main">
+<p:presentation xmlns:a="http://schemas.openxmlformats.org/drawingml/2006/main" xmlns:p="http://schemas.openxmlformats.org/presentationml/2006/main" xmlns:r="http://schemas.openxmlformats.org/officeDocument/2006/relationships" xmlns:p14="http://schemas.microsoft.com/office/powerpoint/2010/main" xmlns:p15="http://schemas.microsoft.com/office/powerpoint/2012/main" xmlns:mc="http://schemas.openxmlformats.org/markup-compatibility/2006">
   <p:sldMasterIdLst>
-    <p:sldMasterId id="2147483648" r:id="rId1"/>
+    <p:sldMasterId id="2147483648" r:id="rId2"/>
   </p:sldMasterIdLst>
   <p:notesMasterIdLst>
-    <p:notesMasterId r:id="rId10"/>
+    <p:notesMasterId r:id="rId3"/>
   </p:notesMasterIdLst>
   <p:sldIdLst>
-    <p:sldId id="256" r:id="rId2"/>
-    <p:sldId id="257" r:id="rId3"/>
-    <p:sldId id="258" r:id="rId4"/>
-    <p:sldId id="259" r:id="rId5"/>
-    <p:sldId id="260" r:id="rId6"/>
-    <p:sldId id="261" r:id="rId7"/>
-    <p:sldId id="263" r:id="rId8"/>
-    <p:sldId id="264" r:id="rId9"/>
+    <p:sldId id="256" r:id="rId4"/>
+    <p:sldId id="257" r:id="rId5"/>
+    <p:sldId id="258" r:id="rId6"/>
+    <p:sldId id="259" r:id="rId7"/>
+    <p:sldId id="260" r:id="rId8"/>
+    <p:sldId id="261" r:id="rId9"/>
+    <p:sldId id="262" r:id="rId10"/>
+    <p:sldId id="263" r:id="rId11"/>
   </p:sldIdLst>
-  <p:sldSz cx="9144000" cy="6858000" type="screen4x3"/>
+  <p:sldSz cx="9144000" cy="6858000"/>
   <p:notesSz cx="6858000" cy="9144000"/>
-  <p:defaultTextStyle>
-    <a:defPPr>
-      <a:defRPr lang="de-DE"/>
-    </a:defPPr>
-    <a:lvl1pPr marL="0" algn="l" defTabSz="914400" rtl="0" eaLnBrk="1" latinLnBrk="0" hangingPunct="1">
-      <a:defRPr sz="1800" kern="1200">
-        <a:solidFill>
-          <a:schemeClr val="tx1"/>
-        </a:solidFill>
-        <a:latin typeface="+mn-lt"/>
-        <a:ea typeface="+mn-ea"/>
-        <a:cs typeface="+mn-cs"/>
-      </a:defRPr>
-    </a:lvl1pPr>
-    <a:lvl2pPr marL="457200" algn="l" defTabSz="914400" rtl="0" eaLnBrk="1" latinLnBrk="0" hangingPunct="1">
-      <a:defRPr sz="1800" kern="1200">
-        <a:solidFill>
-          <a:schemeClr val="tx1"/>
-        </a:solidFill>
-        <a:latin typeface="+mn-lt"/>
-        <a:ea typeface="+mn-ea"/>
-        <a:cs typeface="+mn-cs"/>
-      </a:defRPr>
-    </a:lvl2pPr>
-    <a:lvl3pPr marL="914400" algn="l" defTabSz="914400" rtl="0" eaLnBrk="1" latinLnBrk="0" hangingPunct="1">
-      <a:defRPr sz="1800" kern="1200">
-        <a:solidFill>
-          <a:schemeClr val="tx1"/>
-        </a:solidFill>
-        <a:latin typeface="+mn-lt"/>
-        <a:ea typeface="+mn-ea"/>
-        <a:cs typeface="+mn-cs"/>
-      </a:defRPr>
-    </a:lvl3pPr>
-    <a:lvl4pPr marL="1371600" algn="l" defTabSz="914400" rtl="0" eaLnBrk="1" latinLnBrk="0" hangingPunct="1">
-      <a:defRPr sz="1800" kern="1200">
-        <a:solidFill>
-          <a:schemeClr val="tx1"/>
-        </a:solidFill>
-        <a:latin typeface="+mn-lt"/>
-        <a:ea typeface="+mn-ea"/>
-        <a:cs typeface="+mn-cs"/>
-      </a:defRPr>
-    </a:lvl4pPr>
-    <a:lvl5pPr marL="1828800" algn="l" defTabSz="914400" rtl="0" eaLnBrk="1" latinLnBrk="0" hangingPunct="1">
-      <a:defRPr sz="1800" kern="1200">
-        <a:solidFill>
-          <a:schemeClr val="tx1"/>
-        </a:solidFill>
-        <a:latin typeface="+mn-lt"/>
-        <a:ea typeface="+mn-ea"/>
-        <a:cs typeface="+mn-cs"/>
-      </a:defRPr>
-    </a:lvl5pPr>
-    <a:lvl6pPr marL="2286000" algn="l" defTabSz="914400" rtl="0" eaLnBrk="1" latinLnBrk="0" hangingPunct="1">
-      <a:defRPr sz="1800" kern="1200">
-        <a:solidFill>
-          <a:schemeClr val="tx1"/>
-        </a:solidFill>
-        <a:latin typeface="+mn-lt"/>
-        <a:ea typeface="+mn-ea"/>
-        <a:cs typeface="+mn-cs"/>
-      </a:defRPr>
-    </a:lvl6pPr>
-    <a:lvl7pPr marL="2743200" algn="l" defTabSz="914400" rtl="0" eaLnBrk="1" latinLnBrk="0" hangingPunct="1">
-      <a:defRPr sz="1800" kern="1200">
-        <a:solidFill>
-          <a:schemeClr val="tx1"/>
-        </a:solidFill>
-        <a:latin typeface="+mn-lt"/>
-        <a:ea typeface="+mn-ea"/>
-        <a:cs typeface="+mn-cs"/>
-      </a:defRPr>
-    </a:lvl7pPr>
-    <a:lvl8pPr marL="3200400" algn="l" defTabSz="914400" rtl="0" eaLnBrk="1" latinLnBrk="0" hangingPunct="1">
-      <a:defRPr sz="1800" kern="1200">
-        <a:solidFill>
-          <a:schemeClr val="tx1"/>
-        </a:solidFill>
-        <a:latin typeface="+mn-lt"/>
-        <a:ea typeface="+mn-ea"/>
-        <a:cs typeface="+mn-cs"/>
-      </a:defRPr>
-    </a:lvl8pPr>
-    <a:lvl9pPr marL="3657600" algn="l" defTabSz="914400" rtl="0" eaLnBrk="1" latinLnBrk="0" hangingPunct="1">
-      <a:defRPr sz="1800" kern="1200">
-        <a:solidFill>
-          <a:schemeClr val="tx1"/>
-        </a:solidFill>
-        <a:latin typeface="+mn-lt"/>
-        <a:ea typeface="+mn-ea"/>
-        <a:cs typeface="+mn-cs"/>
-      </a:defRPr>
-    </a:lvl9pPr>
-  </p:defaultTextStyle>
 </p:presentation>
 </file>
 
 <file path=ppt/notesMasters/notesMaster1.xml><?xml version="1.0" encoding="utf-8"?>
-<p:notesMaster xmlns:a="http://schemas.openxmlformats.org/drawingml/2006/main" xmlns:r="http://schemas.openxmlformats.org/officeDocument/2006/relationships" xmlns:p="http://schemas.openxmlformats.org/presentationml/2006/main">
-  <p:cSld>
-    <p:bg>
-      <p:bgRef idx="1001">
-        <a:schemeClr val="bg1"/>
-      </p:bgRef>
-    </p:bg>
-    <p:spTree>
-      <p:nvGrpSpPr>
-        <p:cNvPr id="1" name=""/>
-        <p:cNvGrpSpPr/>
-        <p:nvPr/>
-      </p:nvGrpSpPr>
-      <p:grpSpPr>
-        <a:xfrm>
-          <a:off x="0" y="0"/>
-          <a:ext cx="0" cy="0"/>
-          <a:chOff x="0" y="0"/>
-          <a:chExt cx="0" cy="0"/>
-        </a:xfrm>
-      </p:grpSpPr>
-      <p:sp>
-        <p:nvSpPr>
-          <p:cNvPr id="41" name="PlaceHolder 1"/>
-          <p:cNvSpPr>
-            <a:spLocks noGrp="1" noRot="1" noChangeAspect="1"/>
-          </p:cNvSpPr>
-          <p:nvPr>
-            <p:ph type="sldImg"/>
-          </p:nvPr>
-        </p:nvSpPr>
-        <p:spPr>
-          <a:xfrm>
-            <a:off x="216000" y="812520"/>
-            <a:ext cx="7127280" cy="4008960"/>
-          </a:xfrm>
-          <a:prstGeom prst="rect">
-            <a:avLst/>
-          </a:prstGeom>
-        </p:spPr>
-        <p:txBody>
-          <a:bodyPr lIns="0" tIns="0" rIns="0" bIns="0" anchor="ctr"/>
-          <a:lstStyle/>
-          <a:p>
-            <a:r>
-              <a:rPr lang="de-DE" sz="1400" b="0" strike="noStrike" spc="-1">
-                <a:solidFill>
-                  <a:srgbClr val="004F8F"/>
-                </a:solidFill>
-                <a:latin typeface="Georgia"/>
-              </a:rPr>
-              <a:t>Folie mittels Klicken verschieben</a:t>
-            </a:r>
-          </a:p>
-        </p:txBody>
-      </p:sp>
-      <p:sp>
-        <p:nvSpPr>
-          <p:cNvPr id="42" name="PlaceHolder 2"/>
-          <p:cNvSpPr>
-            <a:spLocks noGrp="1"/>
-          </p:cNvSpPr>
-          <p:nvPr>
-            <p:ph type="body"/>
-          </p:nvPr>
-        </p:nvSpPr>
-        <p:spPr>
-          <a:xfrm>
-            <a:off x="756000" y="5078520"/>
-            <a:ext cx="6047640" cy="4811040"/>
-          </a:xfrm>
-          <a:prstGeom prst="rect">
-            <a:avLst/>
-          </a:prstGeom>
-        </p:spPr>
-        <p:txBody>
-          <a:bodyPr lIns="0" tIns="0" rIns="0" bIns="0"/>
-          <a:lstStyle/>
-          <a:p>
-            <a:r>
-              <a:rPr lang="de-DE" sz="2000" b="0" strike="noStrike" spc="-1">
-                <a:latin typeface="Arial"/>
-              </a:rPr>
-              <a:t>Format der Notizen mittels Klicken bearbeiten</a:t>
-            </a:r>
-          </a:p>
-        </p:txBody>
-      </p:sp>
-      <p:sp>
-        <p:nvSpPr>
-          <p:cNvPr id="43" name="PlaceHolder 3"/>
-          <p:cNvSpPr>
-            <a:spLocks noGrp="1"/>
-          </p:cNvSpPr>
-          <p:nvPr>
-            <p:ph type="hdr"/>
-          </p:nvPr>
-        </p:nvSpPr>
-        <p:spPr>
-          <a:xfrm>
-            <a:off x="0" y="0"/>
-            <a:ext cx="3280680" cy="534240"/>
-          </a:xfrm>
-          <a:prstGeom prst="rect">
-            <a:avLst/>
-          </a:prstGeom>
-        </p:spPr>
-        <p:txBody>
-          <a:bodyPr lIns="0" tIns="0" rIns="0" bIns="0"/>
-          <a:lstStyle/>
-          <a:p>
-            <a:r>
-              <a:rPr lang="de-DE" sz="1400" b="0" strike="noStrike" spc="-1">
-                <a:latin typeface="Times New Roman"/>
-              </a:rPr>
-              <a:t>&lt;Kopfzeile&gt;</a:t>
-            </a:r>
-          </a:p>
-        </p:txBody>
-      </p:sp>
-      <p:sp>
-        <p:nvSpPr>
-          <p:cNvPr id="44" name="PlaceHolder 4"/>
-          <p:cNvSpPr>
-            <a:spLocks noGrp="1"/>
-          </p:cNvSpPr>
-          <p:nvPr>
-            <p:ph type="dt"/>
-          </p:nvPr>
-        </p:nvSpPr>
-        <p:spPr>
-          <a:xfrm>
-            <a:off x="4278960" y="0"/>
-            <a:ext cx="3280680" cy="534240"/>
-          </a:xfrm>
-          <a:prstGeom prst="rect">
-            <a:avLst/>
-          </a:prstGeom>
-        </p:spPr>
-        <p:txBody>
-          <a:bodyPr lIns="0" tIns="0" rIns="0" bIns="0"/>
-          <a:lstStyle/>
-          <a:p>
-            <a:pPr algn="r"/>
-            <a:r>
-              <a:rPr lang="de-DE" sz="1400" b="0" strike="noStrike" spc="-1">
-                <a:latin typeface="Times New Roman"/>
-              </a:rPr>
-              <a:t>&lt;Datum/Uhrzeit&gt;</a:t>
-            </a:r>
-          </a:p>
-        </p:txBody>
-      </p:sp>
-      <p:sp>
-        <p:nvSpPr>
-          <p:cNvPr id="45" name="PlaceHolder 5"/>
-          <p:cNvSpPr>
-            <a:spLocks noGrp="1"/>
-          </p:cNvSpPr>
-          <p:nvPr>
-            <p:ph type="ftr"/>
-          </p:nvPr>
-        </p:nvSpPr>
-        <p:spPr>
-          <a:xfrm>
-            <a:off x="0" y="10157400"/>
-            <a:ext cx="3280680" cy="534240"/>
-          </a:xfrm>
-          <a:prstGeom prst="rect">
-            <a:avLst/>
-          </a:prstGeom>
-        </p:spPr>
-        <p:txBody>
-          <a:bodyPr lIns="0" tIns="0" rIns="0" bIns="0" anchor="b"/>
-          <a:lstStyle/>
-          <a:p>
-            <a:r>
-              <a:rPr lang="de-DE" sz="1400" b="0" strike="noStrike" spc="-1">
-                <a:latin typeface="Times New Roman"/>
-              </a:rPr>
-              <a:t>&lt;Fußzeile&gt;</a:t>
-            </a:r>
-          </a:p>
-        </p:txBody>
-      </p:sp>
-      <p:sp>
-        <p:nvSpPr>
-          <p:cNvPr id="46" name="PlaceHolder 6"/>
-          <p:cNvSpPr>
-            <a:spLocks noGrp="1"/>
-          </p:cNvSpPr>
-          <p:nvPr>
-            <p:ph type="sldNum"/>
-          </p:nvPr>
-        </p:nvSpPr>
-        <p:spPr>
-          <a:xfrm>
-            <a:off x="4278960" y="10157400"/>
-            <a:ext cx="3280680" cy="534240"/>
-          </a:xfrm>
-          <a:prstGeom prst="rect">
-            <a:avLst/>
-          </a:prstGeom>
-        </p:spPr>
-        <p:txBody>
-          <a:bodyPr lIns="0" tIns="0" rIns="0" bIns="0" anchor="b"/>
-          <a:lstStyle/>
-          <a:p>
-            <a:pPr algn="r"/>
-            <a:fld id="{3671BF9D-1E6A-440A-AC3D-59199EB5D9D0}" type="slidenum">
-              <a:rPr lang="de-DE" sz="1400" b="0" strike="noStrike" spc="-1">
-                <a:latin typeface="Times New Roman"/>
-              </a:rPr>
-              <a:t>‹Nr.›</a:t>
-            </a:fld>
-            <a:endParaRPr lang="de-DE" sz="1400" b="0" strike="noStrike" spc="-1">
-              <a:latin typeface="Times New Roman"/>
-            </a:endParaRPr>
-          </a:p>
-        </p:txBody>
-      </p:sp>
-    </p:spTree>
-    <p:extLst>
-      <p:ext uri="{BB962C8B-B14F-4D97-AF65-F5344CB8AC3E}">
-        <p14:creationId xmlns:p14="http://schemas.microsoft.com/office/powerpoint/2010/main" val="785751091"/>
-      </p:ext>
-    </p:extLst>
-  </p:cSld>
-  <p:clrMap bg1="lt1" tx1="dk1" bg2="lt2" tx2="dk2" accent1="accent1" accent2="accent2" accent3="accent3" accent4="accent4" accent5="accent5" accent6="accent6" hlink="hlink" folHlink="folHlink"/>
-  <p:notesStyle>
-    <a:lvl1pPr marL="0" algn="l" defTabSz="914400" rtl="0" eaLnBrk="1" latinLnBrk="0" hangingPunct="1">
-      <a:defRPr sz="1200" kern="1200">
-        <a:solidFill>
-          <a:schemeClr val="tx1"/>
-        </a:solidFill>
-        <a:latin typeface="+mn-lt"/>
-        <a:ea typeface="+mn-ea"/>
-        <a:cs typeface="+mn-cs"/>
-      </a:defRPr>
-    </a:lvl1pPr>
-    <a:lvl2pPr marL="457200" algn="l" defTabSz="914400" rtl="0" eaLnBrk="1" latinLnBrk="0" hangingPunct="1">
-      <a:defRPr sz="1200" kern="1200">
-        <a:solidFill>
-          <a:schemeClr val="tx1"/>
-        </a:solidFill>
-        <a:latin typeface="+mn-lt"/>
-        <a:ea typeface="+mn-ea"/>
-        <a:cs typeface="+mn-cs"/>
-      </a:defRPr>
-    </a:lvl2pPr>
-    <a:lvl3pPr marL="914400" algn="l" defTabSz="914400" rtl="0" eaLnBrk="1" latinLnBrk="0" hangingPunct="1">
-      <a:defRPr sz="1200" kern="1200">
-        <a:solidFill>
-          <a:schemeClr val="tx1"/>
-        </a:solidFill>
-        <a:latin typeface="+mn-lt"/>
-        <a:ea typeface="+mn-ea"/>
-        <a:cs typeface="+mn-cs"/>
-      </a:defRPr>
-    </a:lvl3pPr>
-    <a:lvl4pPr marL="1371600" algn="l" defTabSz="914400" rtl="0" eaLnBrk="1" latinLnBrk="0" hangingPunct="1">
-      <a:defRPr sz="1200" kern="1200">
-        <a:solidFill>
-          <a:schemeClr val="tx1"/>
-        </a:solidFill>
-        <a:latin typeface="+mn-lt"/>
-        <a:ea typeface="+mn-ea"/>
-        <a:cs typeface="+mn-cs"/>
-      </a:defRPr>
-    </a:lvl4pPr>
-    <a:lvl5pPr marL="1828800" algn="l" defTabSz="914400" rtl="0" eaLnBrk="1" latinLnBrk="0" hangingPunct="1">
-      <a:defRPr sz="1200" kern="1200">
-        <a:solidFill>
-          <a:schemeClr val="tx1"/>
-        </a:solidFill>
-        <a:latin typeface="+mn-lt"/>
-        <a:ea typeface="+mn-ea"/>
-        <a:cs typeface="+mn-cs"/>
-      </a:defRPr>
-    </a:lvl5pPr>
-    <a:lvl6pPr marL="2286000" algn="l" defTabSz="914400" rtl="0" eaLnBrk="1" latinLnBrk="0" hangingPunct="1">
-      <a:defRPr sz="1200" kern="1200">
-        <a:solidFill>
-          <a:schemeClr val="tx1"/>
-        </a:solidFill>
-        <a:latin typeface="+mn-lt"/>
-        <a:ea typeface="+mn-ea"/>
-        <a:cs typeface="+mn-cs"/>
-      </a:defRPr>
-    </a:lvl6pPr>
-    <a:lvl7pPr marL="2743200" algn="l" defTabSz="914400" rtl="0" eaLnBrk="1" latinLnBrk="0" hangingPunct="1">
-      <a:defRPr sz="1200" kern="1200">
-        <a:solidFill>
-          <a:schemeClr val="tx1"/>
-        </a:solidFill>
-        <a:latin typeface="+mn-lt"/>
-        <a:ea typeface="+mn-ea"/>
-        <a:cs typeface="+mn-cs"/>
-      </a:defRPr>
-    </a:lvl7pPr>
-    <a:lvl8pPr marL="3200400" algn="l" defTabSz="914400" rtl="0" eaLnBrk="1" latinLnBrk="0" hangingPunct="1">
-      <a:defRPr sz="1200" kern="1200">
-        <a:solidFill>
-          <a:schemeClr val="tx1"/>
-        </a:solidFill>
-        <a:latin typeface="+mn-lt"/>
-        <a:ea typeface="+mn-ea"/>
-        <a:cs typeface="+mn-cs"/>
-      </a:defRPr>
-    </a:lvl8pPr>
-    <a:lvl9pPr marL="3657600" algn="l" defTabSz="914400" rtl="0" eaLnBrk="1" latinLnBrk="0" hangingPunct="1">
-      <a:defRPr sz="1200" kern="1200">
-        <a:solidFill>
-          <a:schemeClr val="tx1"/>
-        </a:solidFill>
-        <a:latin typeface="+mn-lt"/>
-        <a:ea typeface="+mn-ea"/>
-        <a:cs typeface="+mn-cs"/>
-      </a:defRPr>
-    </a:lvl9pPr>
-  </p:notesStyle>
-</p:notesMaster>
-</file>
-
-<file path=ppt/notesSlides/notesSlide1.xml><?xml version="1.0" encoding="utf-8"?>
-<p:notes xmlns:a="http://schemas.openxmlformats.org/drawingml/2006/main" xmlns:r="http://schemas.openxmlformats.org/officeDocument/2006/relationships" xmlns:p="http://schemas.openxmlformats.org/presentationml/2006/main">
+<p:notesMaster xmlns:a="http://schemas.openxmlformats.org/drawingml/2006/main" xmlns:p="http://schemas.openxmlformats.org/presentationml/2006/main" xmlns:r="http://schemas.openxmlformats.org/officeDocument/2006/relationships" xmlns:p14="http://schemas.microsoft.com/office/powerpoint/2010/main" xmlns:p15="http://schemas.microsoft.com/office/powerpoint/2012/main" xmlns:mc="http://schemas.openxmlformats.org/markup-compatibility/2006">
   <p:cSld>
     <p:spTree>
       <p:nvGrpSpPr>
@@ -461,9 +41,9 @@
       </p:grpSpPr>
       <p:sp>
         <p:nvSpPr>
-          <p:cNvPr id="102" name="PlaceHolder 1"/>
+          <p:cNvPr id="39" name="PlaceHolder 1"/>
           <p:cNvSpPr>
-            <a:spLocks noGrp="1" noRot="1" noChangeAspect="1"/>
+            <a:spLocks noGrp="1"/>
           </p:cNvSpPr>
           <p:nvPr>
             <p:ph type="sldImg"/>
@@ -471,17 +51,37 @@
         </p:nvSpPr>
         <p:spPr>
           <a:xfrm>
-            <a:off x="1143000" y="685800"/>
-            <a:ext cx="4572000" cy="3429000"/>
-          </a:xfrm>
-          <a:prstGeom prst="rect">
-            <a:avLst/>
-          </a:prstGeom>
-        </p:spPr>
-      </p:sp>
-      <p:sp>
-        <p:nvSpPr>
-          <p:cNvPr id="103" name="PlaceHolder 2"/>
+            <a:off x="216000" y="812520"/>
+            <a:ext cx="7127280" cy="4008960"/>
+          </a:xfrm>
+          <a:prstGeom prst="rect">
+            <a:avLst/>
+          </a:prstGeom>
+        </p:spPr>
+        <p:txBody>
+          <a:bodyPr lIns="0" rIns="0" tIns="0" bIns="0" anchor="ctr"/>
+          <a:p>
+            <a:r>
+              <a:rPr b="0" lang="de-DE" sz="1800" spc="-1" strike="noStrike">
+                <a:solidFill>
+                  <a:srgbClr val="000000"/>
+                </a:solidFill>
+                <a:latin typeface="Arial"/>
+              </a:rPr>
+              <a:t>Folie mittels Klicken verschieben</a:t>
+            </a:r>
+            <a:endParaRPr b="0" lang="de-DE" sz="1800" spc="-1" strike="noStrike">
+              <a:solidFill>
+                <a:srgbClr val="000000"/>
+              </a:solidFill>
+              <a:latin typeface="Arial"/>
+            </a:endParaRPr>
+          </a:p>
+        </p:txBody>
+      </p:sp>
+      <p:sp>
+        <p:nvSpPr>
+          <p:cNvPr id="40" name="PlaceHolder 2"/>
           <p:cNvSpPr>
             <a:spLocks noGrp="1"/>
           </p:cNvSpPr>
@@ -491,224 +91,174 @@
         </p:nvSpPr>
         <p:spPr>
           <a:xfrm>
-            <a:off x="914400" y="4343400"/>
-            <a:ext cx="5028840" cy="4114440"/>
-          </a:xfrm>
-          <a:prstGeom prst="rect">
-            <a:avLst/>
-          </a:prstGeom>
-        </p:spPr>
-        <p:txBody>
-          <a:bodyPr/>
-          <a:lstStyle/>
-          <a:p>
-            <a:pPr marL="216000" indent="-216000">
-              <a:lnSpc>
-                <a:spcPct val="100000"/>
-              </a:lnSpc>
-            </a:pPr>
+            <a:off x="756000" y="5078520"/>
+            <a:ext cx="6047640" cy="4811040"/>
+          </a:xfrm>
+          <a:prstGeom prst="rect">
+            <a:avLst/>
+          </a:prstGeom>
+        </p:spPr>
+        <p:txBody>
+          <a:bodyPr lIns="0" rIns="0" tIns="0" bIns="0"/>
+          <a:p>
             <a:r>
-              <a:rPr lang="de-DE" sz="2000" b="0" u="sng" strike="noStrike" spc="-1">
-                <a:solidFill>
-                  <a:srgbClr val="000000"/>
-                </a:solidFill>
-                <a:uFillTx/>
+              <a:rPr b="0" lang="de-DE" sz="2000" spc="-1" strike="noStrike">
                 <a:latin typeface="Arial"/>
-                <a:hlinkClick r:id="rId3"/>
               </a:rPr>
-              <a:t>https://www.spiegel.de/wissenschaft/mensch/deutschland-stickoxid-wert-war-2018-in-57-staedten-zu-hoch-umweltbundesamt-a-1272732.html</a:t>
+              <a:t>Format der Notizen mittels Klicken bearbeiten</a:t>
             </a:r>
-            <a:endParaRPr lang="de-DE" sz="2000" b="0" strike="noStrike" spc="-1">
-              <a:latin typeface="Arial"/>
-            </a:endParaRPr>
-          </a:p>
-          <a:p>
-            <a:pPr marL="216000" indent="-216000">
-              <a:lnSpc>
-                <a:spcPct val="100000"/>
-              </a:lnSpc>
-            </a:pPr>
-            <a:endParaRPr lang="de-DE" sz="2000" b="0" strike="noStrike" spc="-1">
-              <a:latin typeface="Arial"/>
-            </a:endParaRPr>
-          </a:p>
-          <a:p>
-            <a:pPr marL="216000" indent="-216000">
-              <a:lnSpc>
-                <a:spcPct val="100000"/>
-              </a:lnSpc>
-            </a:pPr>
+            <a:endParaRPr b="0" lang="de-DE" sz="2000" spc="-1" strike="noStrike">
+              <a:latin typeface="Arial"/>
+            </a:endParaRPr>
+          </a:p>
+        </p:txBody>
+      </p:sp>
+      <p:sp>
+        <p:nvSpPr>
+          <p:cNvPr id="41" name="PlaceHolder 3"/>
+          <p:cNvSpPr>
+            <a:spLocks noGrp="1"/>
+          </p:cNvSpPr>
+          <p:nvPr>
+            <p:ph type="hdr"/>
+          </p:nvPr>
+        </p:nvSpPr>
+        <p:spPr>
+          <a:xfrm>
+            <a:off x="0" y="0"/>
+            <a:ext cx="3280680" cy="534240"/>
+          </a:xfrm>
+          <a:prstGeom prst="rect">
+            <a:avLst/>
+          </a:prstGeom>
+        </p:spPr>
+        <p:txBody>
+          <a:bodyPr lIns="0" rIns="0" tIns="0" bIns="0"/>
+          <a:p>
             <a:r>
-              <a:rPr lang="de-DE" sz="2000" b="0" u="sng" strike="noStrike" spc="-1">
-                <a:solidFill>
-                  <a:srgbClr val="000000"/>
-                </a:solidFill>
-                <a:uFillTx/>
-                <a:latin typeface="Arial"/>
-                <a:hlinkClick r:id="rId4"/>
+              <a:rPr b="0" lang="de-DE" sz="1400" spc="-1" strike="noStrike">
+                <a:latin typeface="Times New Roman"/>
               </a:rPr>
-              <a:t>https://www.spiegel.de/wissenschaft/mensch/stickstoffdioxid-belastung-grenzwerte-in-65-staedten-ueberschritten-a-1210551.html</a:t>
+              <a:t> </a:t>
             </a:r>
-            <a:endParaRPr lang="de-DE" sz="2000" b="0" strike="noStrike" spc="-1">
-              <a:latin typeface="Arial"/>
-            </a:endParaRPr>
-          </a:p>
-          <a:p>
-            <a:pPr marL="216000" indent="-216000">
-              <a:lnSpc>
-                <a:spcPct val="100000"/>
-              </a:lnSpc>
-            </a:pPr>
-            <a:endParaRPr lang="de-DE" sz="2000" b="0" strike="noStrike" spc="-1">
-              <a:latin typeface="Arial"/>
-            </a:endParaRPr>
-          </a:p>
-          <a:p>
-            <a:pPr marL="216000" indent="-216000">
-              <a:lnSpc>
-                <a:spcPct val="100000"/>
-              </a:lnSpc>
-            </a:pPr>
+            <a:endParaRPr b="0" lang="de-DE" sz="1400" spc="-1" strike="noStrike">
+              <a:latin typeface="Times New Roman"/>
+            </a:endParaRPr>
+          </a:p>
+        </p:txBody>
+      </p:sp>
+      <p:sp>
+        <p:nvSpPr>
+          <p:cNvPr id="42" name="PlaceHolder 4"/>
+          <p:cNvSpPr>
+            <a:spLocks noGrp="1"/>
+          </p:cNvSpPr>
+          <p:nvPr>
+            <p:ph type="dt"/>
+          </p:nvPr>
+        </p:nvSpPr>
+        <p:spPr>
+          <a:xfrm>
+            <a:off x="4278960" y="0"/>
+            <a:ext cx="3280680" cy="534240"/>
+          </a:xfrm>
+          <a:prstGeom prst="rect">
+            <a:avLst/>
+          </a:prstGeom>
+        </p:spPr>
+        <p:txBody>
+          <a:bodyPr lIns="0" rIns="0" tIns="0" bIns="0"/>
+          <a:p>
+            <a:pPr algn="r"/>
             <a:r>
-              <a:rPr lang="de-DE" sz="2000" b="0" u="sng" strike="noStrike" spc="-1">
-                <a:solidFill>
-                  <a:srgbClr val="000000"/>
-                </a:solidFill>
-                <a:uFillTx/>
-                <a:latin typeface="Arial"/>
-                <a:hlinkClick r:id="rId5"/>
+              <a:rPr b="0" lang="de-DE" sz="1400" spc="-1" strike="noStrike">
+                <a:latin typeface="Times New Roman"/>
               </a:rPr>
-              <a:t>https://www.sueddeutsche.de/politik/kommunen-wiesbaden-stickoxid-belastung-in-sechs-hessischen-staedten-zu-hoch-dpa.urn-newsml-dpa-com-20090101-200211-99-867168</a:t>
+              <a:t> </a:t>
             </a:r>
-            <a:endParaRPr lang="de-DE" sz="2000" b="0" strike="noStrike" spc="-1">
-              <a:latin typeface="Arial"/>
-            </a:endParaRPr>
-          </a:p>
-          <a:p>
-            <a:pPr marL="216000" indent="-216000">
-              <a:lnSpc>
-                <a:spcPct val="100000"/>
-              </a:lnSpc>
-            </a:pPr>
-            <a:endParaRPr lang="de-DE" sz="2000" b="0" strike="noStrike" spc="-1">
-              <a:latin typeface="Arial"/>
-            </a:endParaRPr>
-          </a:p>
-          <a:p>
-            <a:pPr marL="216000" indent="-216000">
-              <a:lnSpc>
-                <a:spcPct val="100000"/>
-              </a:lnSpc>
-            </a:pPr>
+            <a:endParaRPr b="0" lang="de-DE" sz="1400" spc="-1" strike="noStrike">
+              <a:latin typeface="Times New Roman"/>
+            </a:endParaRPr>
+          </a:p>
+        </p:txBody>
+      </p:sp>
+      <p:sp>
+        <p:nvSpPr>
+          <p:cNvPr id="43" name="PlaceHolder 5"/>
+          <p:cNvSpPr>
+            <a:spLocks noGrp="1"/>
+          </p:cNvSpPr>
+          <p:nvPr>
+            <p:ph type="ftr"/>
+          </p:nvPr>
+        </p:nvSpPr>
+        <p:spPr>
+          <a:xfrm>
+            <a:off x="0" y="10157400"/>
+            <a:ext cx="3280680" cy="534240"/>
+          </a:xfrm>
+          <a:prstGeom prst="rect">
+            <a:avLst/>
+          </a:prstGeom>
+        </p:spPr>
+        <p:txBody>
+          <a:bodyPr lIns="0" rIns="0" tIns="0" bIns="0" anchor="b"/>
+          <a:p>
             <a:r>
-              <a:rPr lang="de-DE" sz="2000" b="0" u="sng" strike="noStrike" spc="-1">
-                <a:solidFill>
-                  <a:srgbClr val="000000"/>
-                </a:solidFill>
-                <a:uFillTx/>
-                <a:latin typeface="Arial"/>
-                <a:hlinkClick r:id="rId6"/>
+              <a:rPr b="0" lang="de-DE" sz="1400" spc="-1" strike="noStrike">
+                <a:latin typeface="Times New Roman"/>
               </a:rPr>
-              <a:t>https://www.zeit.de/wissen/umwelt/2018-11/stickoxid-grenzwerte-umweltmedizin-barbara-hoffmann-eu-grenzwerte-feinstaub-verkehrsabgase</a:t>
+              <a:t> </a:t>
             </a:r>
-            <a:endParaRPr lang="de-DE" sz="2000" b="0" strike="noStrike" spc="-1">
-              <a:latin typeface="Arial"/>
-            </a:endParaRPr>
-          </a:p>
-          <a:p>
-            <a:pPr marL="216000" indent="-216000">
-              <a:lnSpc>
-                <a:spcPct val="100000"/>
-              </a:lnSpc>
-            </a:pPr>
-            <a:endParaRPr lang="de-DE" sz="2000" b="0" strike="noStrike" spc="-1">
-              <a:latin typeface="Arial"/>
-            </a:endParaRPr>
-          </a:p>
-          <a:p>
-            <a:pPr marL="216000" indent="-216000">
-              <a:lnSpc>
-                <a:spcPct val="100000"/>
-              </a:lnSpc>
-            </a:pPr>
-            <a:r>
-              <a:rPr lang="de-DE" sz="2000" b="0" u="sng" strike="noStrike" spc="-1">
-                <a:solidFill>
-                  <a:srgbClr val="000000"/>
-                </a:solidFill>
-                <a:uFillTx/>
-                <a:latin typeface="Arial"/>
-                <a:hlinkClick r:id="rId7"/>
+            <a:endParaRPr b="0" lang="de-DE" sz="1400" spc="-1" strike="noStrike">
+              <a:latin typeface="Times New Roman"/>
+            </a:endParaRPr>
+          </a:p>
+        </p:txBody>
+      </p:sp>
+      <p:sp>
+        <p:nvSpPr>
+          <p:cNvPr id="44" name="PlaceHolder 6"/>
+          <p:cNvSpPr>
+            <a:spLocks noGrp="1"/>
+          </p:cNvSpPr>
+          <p:nvPr>
+            <p:ph type="sldNum"/>
+          </p:nvPr>
+        </p:nvSpPr>
+        <p:spPr>
+          <a:xfrm>
+            <a:off x="4278960" y="10157400"/>
+            <a:ext cx="3280680" cy="534240"/>
+          </a:xfrm>
+          <a:prstGeom prst="rect">
+            <a:avLst/>
+          </a:prstGeom>
+        </p:spPr>
+        <p:txBody>
+          <a:bodyPr lIns="0" rIns="0" tIns="0" bIns="0" anchor="b"/>
+          <a:p>
+            <a:pPr algn="r"/>
+            <a:fld id="{6505EFDC-5084-4665-9683-6D42DE65DD50}" type="slidenum">
+              <a:rPr b="0" lang="de-DE" sz="1400" spc="-1" strike="noStrike">
+                <a:latin typeface="Times New Roman"/>
               </a:rPr>
-              <a:t>https://www.welt.de/politik/deutschland/article195524203/NO2-Belastung-Warum-ist-die-Luftqualitaet-in-zwei-Gruenen-regierten-Kommunen-schlechter.html</a:t>
-            </a:r>
-            <a:endParaRPr lang="de-DE" sz="2000" b="0" strike="noStrike" spc="-1">
-              <a:latin typeface="Arial"/>
-            </a:endParaRPr>
-          </a:p>
-          <a:p>
-            <a:pPr marL="216000" indent="-216000">
-              <a:lnSpc>
-                <a:spcPct val="100000"/>
-              </a:lnSpc>
-            </a:pPr>
-            <a:endParaRPr lang="de-DE" sz="2000" b="0" strike="noStrike" spc="-1">
-              <a:latin typeface="Arial"/>
-            </a:endParaRPr>
-          </a:p>
-          <a:p>
-            <a:pPr marL="216000" indent="-216000">
-              <a:lnSpc>
-                <a:spcPct val="100000"/>
-              </a:lnSpc>
-            </a:pPr>
-            <a:r>
-              <a:rPr lang="de-DE" sz="2000" b="0" u="sng" strike="noStrike" spc="-1">
-                <a:solidFill>
-                  <a:srgbClr val="000000"/>
-                </a:solidFill>
-                <a:uFillTx/>
-                <a:latin typeface="Arial"/>
-                <a:hlinkClick r:id="rId8"/>
-              </a:rPr>
-              <a:t>https://www.focus.de/auto/news/abgas-skandal/fahrverbote-und-ihr-wahrer-zweck-die-legende-vom-boesen-diesel-geraet-ins-wanken_id_11069398.html</a:t>
-            </a:r>
-            <a:endParaRPr lang="de-DE" sz="2000" b="0" strike="noStrike" spc="-1">
-              <a:latin typeface="Arial"/>
-            </a:endParaRPr>
-          </a:p>
-          <a:p>
-            <a:pPr marL="216000" indent="-216000">
-              <a:lnSpc>
-                <a:spcPct val="100000"/>
-              </a:lnSpc>
-            </a:pPr>
-            <a:endParaRPr lang="de-DE" sz="2000" b="0" strike="noStrike" spc="-1">
-              <a:latin typeface="Arial"/>
-            </a:endParaRPr>
-          </a:p>
-          <a:p>
-            <a:pPr marL="216000" indent="-216000">
-              <a:lnSpc>
-                <a:spcPct val="100000"/>
-              </a:lnSpc>
-            </a:pPr>
-            <a:endParaRPr lang="de-DE" sz="2000" b="0" strike="noStrike" spc="-1">
-              <a:latin typeface="Arial"/>
+              <a:t>1</a:t>
+            </a:fld>
+            <a:endParaRPr b="0" lang="de-DE" sz="1400" spc="-1" strike="noStrike">
+              <a:latin typeface="Times New Roman"/>
             </a:endParaRPr>
           </a:p>
         </p:txBody>
       </p:sp>
     </p:spTree>
   </p:cSld>
-  <p:clrMapOvr>
-    <a:masterClrMapping/>
-  </p:clrMapOvr>
-</p:notes>
+  <p:clrMap bg1="lt1" bg2="lt2" tx1="dk1" tx2="dk2" accent1="accent1" accent2="accent2" accent3="accent3" accent4="accent4" accent5="accent5" accent6="accent6" hlink="hlink" folHlink="folHlink"/>
+</p:notesMaster>
 </file>
 
 <file path=ppt/notesSlides/notesSlide2.xml><?xml version="1.0" encoding="utf-8"?>
-<p:notes xmlns:a="http://schemas.openxmlformats.org/drawingml/2006/main" xmlns:r="http://schemas.openxmlformats.org/officeDocument/2006/relationships" xmlns:p="http://schemas.openxmlformats.org/presentationml/2006/main">
+<p:notes xmlns:a="http://schemas.openxmlformats.org/drawingml/2006/main" xmlns:p="http://schemas.openxmlformats.org/presentationml/2006/main" xmlns:r="http://schemas.openxmlformats.org/officeDocument/2006/relationships" xmlns:p14="http://schemas.microsoft.com/office/powerpoint/2010/main" xmlns:p15="http://schemas.microsoft.com/office/powerpoint/2012/main" xmlns:mc="http://schemas.openxmlformats.org/markup-compatibility/2006">
   <p:cSld>
     <p:spTree>
       <p:nvGrpSpPr>
@@ -726,9 +276,9 @@
       </p:grpSpPr>
       <p:sp>
         <p:nvSpPr>
-          <p:cNvPr id="104" name="PlaceHolder 1"/>
+          <p:cNvPr id="105" name="PlaceHolder 1"/>
           <p:cNvSpPr>
-            <a:spLocks noGrp="1" noRot="1" noChangeAspect="1"/>
+            <a:spLocks noGrp="1"/>
           </p:cNvSpPr>
           <p:nvPr>
             <p:ph type="sldImg"/>
@@ -737,16 +287,16 @@
         <p:spPr>
           <a:xfrm>
             <a:off x="1143000" y="685800"/>
-            <a:ext cx="4572000" cy="3429000"/>
-          </a:xfrm>
-          <a:prstGeom prst="rect">
-            <a:avLst/>
-          </a:prstGeom>
-        </p:spPr>
-      </p:sp>
-      <p:sp>
-        <p:nvSpPr>
-          <p:cNvPr id="105" name="PlaceHolder 2"/>
+            <a:ext cx="4571640" cy="3428640"/>
+          </a:xfrm>
+          <a:prstGeom prst="rect">
+            <a:avLst/>
+          </a:prstGeom>
+        </p:spPr>
+      </p:sp>
+      <p:sp>
+        <p:nvSpPr>
+          <p:cNvPr id="106" name="PlaceHolder 2"/>
           <p:cNvSpPr>
             <a:spLocks noGrp="1"/>
           </p:cNvSpPr>
@@ -757,23 +307,84 @@
         <p:spPr>
           <a:xfrm>
             <a:off x="914400" y="4343400"/>
-            <a:ext cx="5028840" cy="4114440"/>
-          </a:xfrm>
-          <a:prstGeom prst="rect">
-            <a:avLst/>
-          </a:prstGeom>
-        </p:spPr>
-        <p:txBody>
-          <a:bodyPr/>
-          <a:lstStyle/>
-          <a:p>
-            <a:pPr marL="216000" indent="-216000">
+            <a:ext cx="5028480" cy="4114080"/>
+          </a:xfrm>
+          <a:prstGeom prst="rect">
+            <a:avLst/>
+          </a:prstGeom>
+        </p:spPr>
+        <p:txBody>
+          <a:bodyPr lIns="0" rIns="0" tIns="0" bIns="0"/>
+          <a:p>
+            <a:pPr marL="216000" indent="-215640">
               <a:lnSpc>
                 <a:spcPct val="100000"/>
               </a:lnSpc>
             </a:pPr>
             <a:r>
-              <a:rPr lang="de-DE" sz="2000" b="0" u="sng" strike="noStrike" spc="-1">
+              <a:rPr b="0" lang="de-DE" sz="2000" spc="-1" strike="noStrike" u="sng">
+                <a:solidFill>
+                  <a:srgbClr val="000000"/>
+                </a:solidFill>
+                <a:uFillTx/>
+                <a:latin typeface="Arial"/>
+                <a:hlinkClick r:id="rId1"/>
+              </a:rPr>
+              <a:t>https://www.spiegel.de/wissenschaft/mensch/deutschland-stickoxid-wert-war-2018-in-57-staedten-zu-hoch-umweltbundesamt-a-1272732.html</a:t>
+            </a:r>
+            <a:endParaRPr b="0" lang="de-DE" sz="2000" spc="-1" strike="noStrike">
+              <a:latin typeface="Arial"/>
+            </a:endParaRPr>
+          </a:p>
+          <a:p>
+            <a:pPr marL="216000" indent="-215640">
+              <a:lnSpc>
+                <a:spcPct val="100000"/>
+              </a:lnSpc>
+            </a:pPr>
+            <a:endParaRPr b="0" lang="de-DE" sz="2000" spc="-1" strike="noStrike">
+              <a:latin typeface="Arial"/>
+            </a:endParaRPr>
+          </a:p>
+          <a:p>
+            <a:pPr marL="216000" indent="-215640">
+              <a:lnSpc>
+                <a:spcPct val="100000"/>
+              </a:lnSpc>
+            </a:pPr>
+            <a:r>
+              <a:rPr b="0" lang="de-DE" sz="2000" spc="-1" strike="noStrike" u="sng">
+                <a:solidFill>
+                  <a:srgbClr val="000000"/>
+                </a:solidFill>
+                <a:uFillTx/>
+                <a:latin typeface="Arial"/>
+                <a:hlinkClick r:id="rId2"/>
+              </a:rPr>
+              <a:t>https://www.spiegel.de/wissenschaft/mensch/stickstoffdioxid-belastung-grenzwerte-in-65-staedten-ueberschritten-a-1210551.html</a:t>
+            </a:r>
+            <a:endParaRPr b="0" lang="de-DE" sz="2000" spc="-1" strike="noStrike">
+              <a:latin typeface="Arial"/>
+            </a:endParaRPr>
+          </a:p>
+          <a:p>
+            <a:pPr marL="216000" indent="-215640">
+              <a:lnSpc>
+                <a:spcPct val="100000"/>
+              </a:lnSpc>
+            </a:pPr>
+            <a:endParaRPr b="0" lang="de-DE" sz="2000" spc="-1" strike="noStrike">
+              <a:latin typeface="Arial"/>
+            </a:endParaRPr>
+          </a:p>
+          <a:p>
+            <a:pPr marL="216000" indent="-215640">
+              <a:lnSpc>
+                <a:spcPct val="100000"/>
+              </a:lnSpc>
+            </a:pPr>
+            <a:r>
+              <a:rPr b="0" lang="de-DE" sz="2000" spc="-1" strike="noStrike" u="sng">
                 <a:solidFill>
                   <a:srgbClr val="000000"/>
                 </a:solidFill>
@@ -781,30 +392,30 @@
                 <a:latin typeface="Arial"/>
                 <a:hlinkClick r:id="rId3"/>
               </a:rPr>
-              <a:t>https://truckermediastorage.azureedge.net/sfm-trucker/thumb_750x422/media/5172/umwelt.jpg</a:t>
+              <a:t>https://www.sueddeutsche.de/politik/kommunen-wiesbaden-stickoxid-belastung-in-sechs-hessischen-staedten-zu-hoch-dpa.urn-newsml-dpa-com-20090101-200211-99-867168</a:t>
             </a:r>
-            <a:endParaRPr lang="de-DE" sz="2000" b="0" strike="noStrike" spc="-1">
-              <a:latin typeface="Arial"/>
-            </a:endParaRPr>
-          </a:p>
-          <a:p>
-            <a:pPr marL="216000" indent="-216000">
+            <a:endParaRPr b="0" lang="de-DE" sz="2000" spc="-1" strike="noStrike">
+              <a:latin typeface="Arial"/>
+            </a:endParaRPr>
+          </a:p>
+          <a:p>
+            <a:pPr marL="216000" indent="-215640">
               <a:lnSpc>
                 <a:spcPct val="100000"/>
               </a:lnSpc>
             </a:pPr>
-            <a:endParaRPr lang="de-DE" sz="2000" b="0" strike="noStrike" spc="-1">
-              <a:latin typeface="Arial"/>
-            </a:endParaRPr>
-          </a:p>
-          <a:p>
-            <a:pPr marL="216000" indent="-216000">
+            <a:endParaRPr b="0" lang="de-DE" sz="2000" spc="-1" strike="noStrike">
+              <a:latin typeface="Arial"/>
+            </a:endParaRPr>
+          </a:p>
+          <a:p>
+            <a:pPr marL="216000" indent="-215640">
               <a:lnSpc>
                 <a:spcPct val="100000"/>
               </a:lnSpc>
             </a:pPr>
             <a:r>
-              <a:rPr lang="de-DE" sz="2000" b="0" u="sng" strike="noStrike" spc="-1">
+              <a:rPr b="0" lang="de-DE" sz="2000" spc="-1" strike="noStrike" u="sng">
                 <a:solidFill>
                   <a:srgbClr val="000000"/>
                 </a:solidFill>
@@ -812,30 +423,30 @@
                 <a:latin typeface="Arial"/>
                 <a:hlinkClick r:id="rId4"/>
               </a:rPr>
-              <a:t>https://cdn.prod.www.spiegel.de/images/6099484d-0001-0004-0000-000001219101_w948_r1.77_fpx37.35_fpy49.97.jpg</a:t>
+              <a:t>https://www.zeit.de/wissen/umwelt/2018-11/stickoxid-grenzwerte-umweltmedizin-barbara-hoffmann-eu-grenzwerte-feinstaub-verkehrsabgase</a:t>
             </a:r>
-            <a:endParaRPr lang="de-DE" sz="2000" b="0" strike="noStrike" spc="-1">
-              <a:latin typeface="Arial"/>
-            </a:endParaRPr>
-          </a:p>
-          <a:p>
-            <a:pPr marL="216000" indent="-216000">
+            <a:endParaRPr b="0" lang="de-DE" sz="2000" spc="-1" strike="noStrike">
+              <a:latin typeface="Arial"/>
+            </a:endParaRPr>
+          </a:p>
+          <a:p>
+            <a:pPr marL="216000" indent="-215640">
               <a:lnSpc>
                 <a:spcPct val="100000"/>
               </a:lnSpc>
             </a:pPr>
-            <a:endParaRPr lang="de-DE" sz="2000" b="0" strike="noStrike" spc="-1">
-              <a:latin typeface="Arial"/>
-            </a:endParaRPr>
-          </a:p>
-          <a:p>
-            <a:pPr marL="216000" indent="-216000">
+            <a:endParaRPr b="0" lang="de-DE" sz="2000" spc="-1" strike="noStrike">
+              <a:latin typeface="Arial"/>
+            </a:endParaRPr>
+          </a:p>
+          <a:p>
+            <a:pPr marL="216000" indent="-215640">
               <a:lnSpc>
                 <a:spcPct val="100000"/>
               </a:lnSpc>
             </a:pPr>
             <a:r>
-              <a:rPr lang="de-DE" sz="2000" b="0" u="sng" strike="noStrike" spc="-1">
+              <a:rPr b="0" lang="de-DE" sz="2000" spc="-1" strike="noStrike" u="sng">
                 <a:solidFill>
                   <a:srgbClr val="000000"/>
                 </a:solidFill>
@@ -843,30 +454,30 @@
                 <a:latin typeface="Arial"/>
                 <a:hlinkClick r:id="rId5"/>
               </a:rPr>
-              <a:t>https://media.boersennews.de/images/news/traffic-jam-688566_1280-1.690.jpg</a:t>
+              <a:t>https://www.welt.de/politik/deutschland/article195524203/NO2-Belastung-Warum-ist-die-Luftqualitaet-in-zwei-Gruenen-regierten-Kommunen-schlechter.html</a:t>
             </a:r>
-            <a:endParaRPr lang="de-DE" sz="2000" b="0" strike="noStrike" spc="-1">
-              <a:latin typeface="Arial"/>
-            </a:endParaRPr>
-          </a:p>
-          <a:p>
-            <a:pPr marL="216000" indent="-216000">
+            <a:endParaRPr b="0" lang="de-DE" sz="2000" spc="-1" strike="noStrike">
+              <a:latin typeface="Arial"/>
+            </a:endParaRPr>
+          </a:p>
+          <a:p>
+            <a:pPr marL="216000" indent="-215640">
               <a:lnSpc>
                 <a:spcPct val="100000"/>
               </a:lnSpc>
             </a:pPr>
-            <a:endParaRPr lang="de-DE" sz="2000" b="0" strike="noStrike" spc="-1">
-              <a:latin typeface="Arial"/>
-            </a:endParaRPr>
-          </a:p>
-          <a:p>
-            <a:pPr marL="216000" indent="-216000">
+            <a:endParaRPr b="0" lang="de-DE" sz="2000" spc="-1" strike="noStrike">
+              <a:latin typeface="Arial"/>
+            </a:endParaRPr>
+          </a:p>
+          <a:p>
+            <a:pPr marL="216000" indent="-215640">
               <a:lnSpc>
                 <a:spcPct val="100000"/>
               </a:lnSpc>
             </a:pPr>
             <a:r>
-              <a:rPr lang="de-DE" sz="2000" b="0" u="sng" strike="noStrike" spc="-1">
+              <a:rPr b="0" lang="de-DE" sz="2000" spc="-1" strike="noStrike" u="sng">
                 <a:solidFill>
                   <a:srgbClr val="000000"/>
                 </a:solidFill>
@@ -874,9 +485,29 @@
                 <a:latin typeface="Arial"/>
                 <a:hlinkClick r:id="rId6"/>
               </a:rPr>
-              <a:t>https://banner2.cleanpng.com/20180714/ajr/kisspng-question-mark-computer-icons-clip-art-question-mark-white-5b49d192685b72.3362118815315644344275.jpg</a:t>
+              <a:t>https://www.focus.de/auto/news/abgas-skandal/fahrverbote-und-ihr-wahrer-zweck-die-legende-vom-boesen-diesel-geraet-ins-wanken_id_11069398.html</a:t>
             </a:r>
-            <a:endParaRPr lang="de-DE" sz="2000" b="0" strike="noStrike" spc="-1">
+            <a:endParaRPr b="0" lang="de-DE" sz="2000" spc="-1" strike="noStrike">
+              <a:latin typeface="Arial"/>
+            </a:endParaRPr>
+          </a:p>
+          <a:p>
+            <a:pPr marL="216000" indent="-215640">
+              <a:lnSpc>
+                <a:spcPct val="100000"/>
+              </a:lnSpc>
+            </a:pPr>
+            <a:endParaRPr b="0" lang="de-DE" sz="2000" spc="-1" strike="noStrike">
+              <a:latin typeface="Arial"/>
+            </a:endParaRPr>
+          </a:p>
+          <a:p>
+            <a:pPr marL="216000" indent="-215640">
+              <a:lnSpc>
+                <a:spcPct val="100000"/>
+              </a:lnSpc>
+            </a:pPr>
+            <a:endParaRPr b="0" lang="de-DE" sz="2000" spc="-1" strike="noStrike">
               <a:latin typeface="Arial"/>
             </a:endParaRPr>
           </a:p>
@@ -884,14 +515,11 @@
       </p:sp>
     </p:spTree>
   </p:cSld>
-  <p:clrMapOvr>
-    <a:masterClrMapping/>
-  </p:clrMapOvr>
 </p:notes>
 </file>
 
 <file path=ppt/notesSlides/notesSlide3.xml><?xml version="1.0" encoding="utf-8"?>
-<p:notes xmlns:a="http://schemas.openxmlformats.org/drawingml/2006/main" xmlns:r="http://schemas.openxmlformats.org/officeDocument/2006/relationships" xmlns:p="http://schemas.openxmlformats.org/presentationml/2006/main">
+<p:notes xmlns:a="http://schemas.openxmlformats.org/drawingml/2006/main" xmlns:p="http://schemas.openxmlformats.org/presentationml/2006/main" xmlns:r="http://schemas.openxmlformats.org/officeDocument/2006/relationships" xmlns:p14="http://schemas.microsoft.com/office/powerpoint/2010/main" xmlns:p15="http://schemas.microsoft.com/office/powerpoint/2012/main" xmlns:mc="http://schemas.openxmlformats.org/markup-compatibility/2006">
   <p:cSld>
     <p:spTree>
       <p:nvGrpSpPr>
@@ -909,9 +537,9 @@
       </p:grpSpPr>
       <p:sp>
         <p:nvSpPr>
-          <p:cNvPr id="106" name="PlaceHolder 1"/>
+          <p:cNvPr id="107" name="PlaceHolder 1"/>
           <p:cNvSpPr>
-            <a:spLocks noGrp="1" noRot="1" noChangeAspect="1"/>
+            <a:spLocks noGrp="1"/>
           </p:cNvSpPr>
           <p:nvPr>
             <p:ph type="sldImg"/>
@@ -920,16 +548,16 @@
         <p:spPr>
           <a:xfrm>
             <a:off x="1143000" y="685800"/>
-            <a:ext cx="4572000" cy="3429000"/>
-          </a:xfrm>
-          <a:prstGeom prst="rect">
-            <a:avLst/>
-          </a:prstGeom>
-        </p:spPr>
-      </p:sp>
-      <p:sp>
-        <p:nvSpPr>
-          <p:cNvPr id="107" name="PlaceHolder 2"/>
+            <a:ext cx="4571640" cy="3428640"/>
+          </a:xfrm>
+          <a:prstGeom prst="rect">
+            <a:avLst/>
+          </a:prstGeom>
+        </p:spPr>
+      </p:sp>
+      <p:sp>
+        <p:nvSpPr>
+          <p:cNvPr id="108" name="PlaceHolder 2"/>
           <p:cNvSpPr>
             <a:spLocks noGrp="1"/>
           </p:cNvSpPr>
@@ -940,104 +568,125 @@
         <p:spPr>
           <a:xfrm>
             <a:off x="914400" y="4343400"/>
-            <a:ext cx="5028840" cy="4114440"/>
-          </a:xfrm>
-          <a:prstGeom prst="rect">
-            <a:avLst/>
-          </a:prstGeom>
-        </p:spPr>
-        <p:txBody>
-          <a:bodyPr/>
-          <a:lstStyle/>
-          <a:p>
-            <a:pPr marL="216000" indent="-216000">
+            <a:ext cx="5028480" cy="4114080"/>
+          </a:xfrm>
+          <a:prstGeom prst="rect">
+            <a:avLst/>
+          </a:prstGeom>
+        </p:spPr>
+        <p:txBody>
+          <a:bodyPr lIns="0" rIns="0" tIns="0" bIns="0"/>
+          <a:p>
+            <a:pPr marL="216000" indent="-215640">
               <a:lnSpc>
                 <a:spcPct val="100000"/>
               </a:lnSpc>
             </a:pPr>
             <a:r>
-              <a:rPr lang="en-US" sz="2400" b="0" strike="noStrike" spc="-1" dirty="0" smtClean="0">
-                <a:latin typeface="+mn-lt"/>
+              <a:rPr b="0" lang="de-DE" sz="2000" spc="-1" strike="noStrike" u="sng">
+                <a:solidFill>
+                  <a:srgbClr val="000000"/>
+                </a:solidFill>
+                <a:uFillTx/>
+                <a:latin typeface="Arial"/>
+                <a:hlinkClick r:id="rId1"/>
               </a:rPr>
-              <a:t>Icons made by &lt;a </a:t>
+              <a:t>https://truckermediastorage.azureedge.net/sfm-trucker/thumb_750x422/media/5172/umwelt.jpg</a:t>
             </a:r>
-            <a:r>
-              <a:rPr lang="en-US" sz="2400" b="0" strike="noStrike" spc="-1" dirty="0" err="1" smtClean="0">
-                <a:latin typeface="+mn-lt"/>
-              </a:rPr>
-              <a:t>href</a:t>
-            </a:r>
-            <a:r>
-              <a:rPr lang="en-US" sz="2400" b="0" strike="noStrike" spc="-1" dirty="0" smtClean="0">
-                <a:latin typeface="+mn-lt"/>
-              </a:rPr>
-              <a:t>="https://www.flaticon.com/authors/freepik" title="</a:t>
-            </a:r>
-            <a:r>
-              <a:rPr lang="en-US" sz="2400" b="0" strike="noStrike" spc="-1" dirty="0" err="1" smtClean="0">
-                <a:latin typeface="+mn-lt"/>
-              </a:rPr>
-              <a:t>Freepik</a:t>
-            </a:r>
-            <a:r>
-              <a:rPr lang="en-US" sz="2400" b="0" strike="noStrike" spc="-1" dirty="0" smtClean="0">
-                <a:latin typeface="+mn-lt"/>
-              </a:rPr>
-              <a:t>"&gt;</a:t>
-            </a:r>
-            <a:r>
-              <a:rPr lang="en-US" sz="2400" b="0" strike="noStrike" spc="-1" dirty="0" err="1" smtClean="0">
-                <a:latin typeface="+mn-lt"/>
-              </a:rPr>
-              <a:t>Freepik</a:t>
-            </a:r>
-            <a:r>
-              <a:rPr lang="en-US" sz="2400" b="0" strike="noStrike" spc="-1" dirty="0" smtClean="0">
-                <a:latin typeface="+mn-lt"/>
-              </a:rPr>
-              <a:t>&lt;/a&gt; from &lt;a </a:t>
-            </a:r>
-            <a:r>
-              <a:rPr lang="en-US" sz="2400" b="0" strike="noStrike" spc="-1" dirty="0" err="1" smtClean="0">
-                <a:latin typeface="+mn-lt"/>
-              </a:rPr>
-              <a:t>href</a:t>
-            </a:r>
-            <a:r>
-              <a:rPr lang="en-US" sz="2400" b="0" strike="noStrike" spc="-1" dirty="0" smtClean="0">
-                <a:latin typeface="+mn-lt"/>
-              </a:rPr>
-              <a:t>="https://www.flaticon.com/" title="</a:t>
-            </a:r>
-            <a:r>
-              <a:rPr lang="en-US" sz="2400" b="0" strike="noStrike" spc="-1" dirty="0" err="1" smtClean="0">
-                <a:latin typeface="+mn-lt"/>
-              </a:rPr>
-              <a:t>Flaticon</a:t>
-            </a:r>
-            <a:r>
-              <a:rPr lang="en-US" sz="2400" b="0" strike="noStrike" spc="-1" dirty="0" smtClean="0">
-                <a:latin typeface="+mn-lt"/>
-              </a:rPr>
-              <a:t>"&gt; www.flaticon.com&lt;/a&gt;</a:t>
-            </a:r>
-            <a:endParaRPr lang="de-DE" sz="2400" b="0" strike="noStrike" spc="-1" dirty="0" smtClean="0">
-              <a:latin typeface="+mn-lt"/>
-            </a:endParaRPr>
-          </a:p>
-          <a:p>
-            <a:pPr marL="216000" indent="-216000">
+            <a:endParaRPr b="0" lang="de-DE" sz="2000" spc="-1" strike="noStrike">
+              <a:latin typeface="Arial"/>
+            </a:endParaRPr>
+          </a:p>
+          <a:p>
+            <a:pPr marL="216000" indent="-215640">
               <a:lnSpc>
                 <a:spcPct val="100000"/>
               </a:lnSpc>
             </a:pPr>
+            <a:endParaRPr b="0" lang="de-DE" sz="2000" spc="-1" strike="noStrike">
+              <a:latin typeface="Arial"/>
+            </a:endParaRPr>
+          </a:p>
+          <a:p>
+            <a:pPr marL="216000" indent="-215640">
+              <a:lnSpc>
+                <a:spcPct val="100000"/>
+              </a:lnSpc>
+            </a:pPr>
             <a:r>
-              <a:rPr lang="de-DE" sz="2400" dirty="0" smtClean="0">
+              <a:rPr b="0" lang="de-DE" sz="2000" spc="-1" strike="noStrike" u="sng">
+                <a:solidFill>
+                  <a:srgbClr val="000000"/>
+                </a:solidFill>
+                <a:uFillTx/>
+                <a:latin typeface="Arial"/>
+                <a:hlinkClick r:id="rId2"/>
+              </a:rPr>
+              <a:t>https://cdn.prod.www.spiegel.de/images/6099484d-0001-0004-0000-000001219101_w948_r1.77_fpx37.35_fpy49.97.jpg</a:t>
+            </a:r>
+            <a:endParaRPr b="0" lang="de-DE" sz="2000" spc="-1" strike="noStrike">
+              <a:latin typeface="Arial"/>
+            </a:endParaRPr>
+          </a:p>
+          <a:p>
+            <a:pPr marL="216000" indent="-215640">
+              <a:lnSpc>
+                <a:spcPct val="100000"/>
+              </a:lnSpc>
+            </a:pPr>
+            <a:endParaRPr b="0" lang="de-DE" sz="2000" spc="-1" strike="noStrike">
+              <a:latin typeface="Arial"/>
+            </a:endParaRPr>
+          </a:p>
+          <a:p>
+            <a:pPr marL="216000" indent="-215640">
+              <a:lnSpc>
+                <a:spcPct val="100000"/>
+              </a:lnSpc>
+            </a:pPr>
+            <a:r>
+              <a:rPr b="0" lang="de-DE" sz="2000" spc="-1" strike="noStrike" u="sng">
+                <a:solidFill>
+                  <a:srgbClr val="000000"/>
+                </a:solidFill>
+                <a:uFillTx/>
+                <a:latin typeface="Arial"/>
                 <a:hlinkClick r:id="rId3"/>
               </a:rPr>
-              <a:t>https://de.depositphotos.com/vector-images/no2.html?qview=330678812</a:t>
+              <a:t>https://media.boersennews.de/images/news/traffic-jam-688566_1280-1.690.jpg</a:t>
             </a:r>
-            <a:endParaRPr lang="de-DE" sz="2400" b="0" strike="noStrike" spc="-1" dirty="0">
+            <a:endParaRPr b="0" lang="de-DE" sz="2000" spc="-1" strike="noStrike">
+              <a:latin typeface="Arial"/>
+            </a:endParaRPr>
+          </a:p>
+          <a:p>
+            <a:pPr marL="216000" indent="-215640">
+              <a:lnSpc>
+                <a:spcPct val="100000"/>
+              </a:lnSpc>
+            </a:pPr>
+            <a:endParaRPr b="0" lang="de-DE" sz="2000" spc="-1" strike="noStrike">
+              <a:latin typeface="Arial"/>
+            </a:endParaRPr>
+          </a:p>
+          <a:p>
+            <a:pPr marL="216000" indent="-215640">
+              <a:lnSpc>
+                <a:spcPct val="100000"/>
+              </a:lnSpc>
+            </a:pPr>
+            <a:r>
+              <a:rPr b="0" lang="de-DE" sz="2000" spc="-1" strike="noStrike" u="sng">
+                <a:solidFill>
+                  <a:srgbClr val="000000"/>
+                </a:solidFill>
+                <a:uFillTx/>
+                <a:latin typeface="Arial"/>
+                <a:hlinkClick r:id="rId4"/>
+              </a:rPr>
+              <a:t>https://banner2.cleanpng.com/20180714/ajr/kisspng-question-mark-computer-icons-clip-art-question-mark-white-5b49d192685b72.3362118815315644344275.jpg</a:t>
+            </a:r>
+            <a:endParaRPr b="0" lang="de-DE" sz="2000" spc="-1" strike="noStrike">
               <a:latin typeface="Arial"/>
             </a:endParaRPr>
           </a:p>
@@ -1045,14 +694,11 @@
       </p:sp>
     </p:spTree>
   </p:cSld>
-  <p:clrMapOvr>
-    <a:masterClrMapping/>
-  </p:clrMapOvr>
 </p:notes>
 </file>
 
-<file path=ppt/notesSlides/notesSlide4.xml><?xml version="1.0" encoding="utf-8"?>
-<p:notes xmlns:a="http://schemas.openxmlformats.org/drawingml/2006/main" xmlns:r="http://schemas.openxmlformats.org/officeDocument/2006/relationships" xmlns:p="http://schemas.openxmlformats.org/presentationml/2006/main">
+<file path=ppt/notesSlides/notesSlide5.xml><?xml version="1.0" encoding="utf-8"?>
+<p:notes xmlns:a="http://schemas.openxmlformats.org/drawingml/2006/main" xmlns:p="http://schemas.openxmlformats.org/presentationml/2006/main" xmlns:r="http://schemas.openxmlformats.org/officeDocument/2006/relationships" xmlns:p14="http://schemas.microsoft.com/office/powerpoint/2010/main" xmlns:p15="http://schemas.microsoft.com/office/powerpoint/2012/main" xmlns:mc="http://schemas.openxmlformats.org/markup-compatibility/2006">
   <p:cSld>
     <p:spTree>
       <p:nvGrpSpPr>
@@ -1070,9 +716,9 @@
       </p:grpSpPr>
       <p:sp>
         <p:nvSpPr>
-          <p:cNvPr id="108" name="PlaceHolder 1"/>
+          <p:cNvPr id="109" name="PlaceHolder 1"/>
           <p:cNvSpPr>
-            <a:spLocks noGrp="1" noRot="1" noChangeAspect="1"/>
+            <a:spLocks noGrp="1"/>
           </p:cNvSpPr>
           <p:nvPr>
             <p:ph type="sldImg"/>
@@ -1081,16 +727,16 @@
         <p:spPr>
           <a:xfrm>
             <a:off x="1143000" y="685800"/>
-            <a:ext cx="4572000" cy="3429000"/>
-          </a:xfrm>
-          <a:prstGeom prst="rect">
-            <a:avLst/>
-          </a:prstGeom>
-        </p:spPr>
-      </p:sp>
-      <p:sp>
-        <p:nvSpPr>
-          <p:cNvPr id="109" name="PlaceHolder 2"/>
+            <a:ext cx="4571640" cy="3428640"/>
+          </a:xfrm>
+          <a:prstGeom prst="rect">
+            <a:avLst/>
+          </a:prstGeom>
+        </p:spPr>
+      </p:sp>
+      <p:sp>
+        <p:nvSpPr>
+          <p:cNvPr id="110" name="PlaceHolder 2"/>
           <p:cNvSpPr>
             <a:spLocks noGrp="1"/>
           </p:cNvSpPr>
@@ -1101,101 +747,48 @@
         <p:spPr>
           <a:xfrm>
             <a:off x="914400" y="4343400"/>
-            <a:ext cx="5028840" cy="4114440"/>
-          </a:xfrm>
-          <a:prstGeom prst="rect">
-            <a:avLst/>
-          </a:prstGeom>
-        </p:spPr>
-        <p:txBody>
-          <a:bodyPr/>
-          <a:lstStyle/>
-          <a:p>
-            <a:pPr marL="216000" indent="-216000">
+            <a:ext cx="5028480" cy="4114080"/>
+          </a:xfrm>
+          <a:prstGeom prst="rect">
+            <a:avLst/>
+          </a:prstGeom>
+        </p:spPr>
+        <p:txBody>
+          <a:bodyPr lIns="0" rIns="0" tIns="0" bIns="0"/>
+          <a:p>
+            <a:pPr marL="216000" indent="-215640">
               <a:lnSpc>
                 <a:spcPct val="100000"/>
               </a:lnSpc>
             </a:pPr>
-            <a:endParaRPr lang="de-DE" sz="2400" b="0" strike="noStrike" spc="-1" dirty="0">
-              <a:latin typeface="Arial"/>
-            </a:endParaRPr>
-          </a:p>
-        </p:txBody>
-      </p:sp>
-    </p:spTree>
-  </p:cSld>
-  <p:clrMapOvr>
-    <a:masterClrMapping/>
-  </p:clrMapOvr>
-</p:notes>
-</file>
-
-<file path=ppt/notesSlides/notesSlide5.xml><?xml version="1.0" encoding="utf-8"?>
-<p:notes xmlns:a="http://schemas.openxmlformats.org/drawingml/2006/main" xmlns:r="http://schemas.openxmlformats.org/officeDocument/2006/relationships" xmlns:p="http://schemas.openxmlformats.org/presentationml/2006/main">
-  <p:cSld>
-    <p:spTree>
-      <p:nvGrpSpPr>
-        <p:cNvPr id="1" name=""/>
-        <p:cNvGrpSpPr/>
-        <p:nvPr/>
-      </p:nvGrpSpPr>
-      <p:grpSpPr>
-        <a:xfrm>
-          <a:off x="0" y="0"/>
-          <a:ext cx="0" cy="0"/>
-          <a:chOff x="0" y="0"/>
-          <a:chExt cx="0" cy="0"/>
-        </a:xfrm>
-      </p:grpSpPr>
-      <p:sp>
-        <p:nvSpPr>
-          <p:cNvPr id="112" name="PlaceHolder 1"/>
-          <p:cNvSpPr>
-            <a:spLocks noGrp="1" noRot="1" noChangeAspect="1"/>
-          </p:cNvSpPr>
-          <p:nvPr>
-            <p:ph type="sldImg"/>
-          </p:nvPr>
-        </p:nvSpPr>
-        <p:spPr>
-          <a:xfrm>
-            <a:off x="1143000" y="685800"/>
-            <a:ext cx="4572000" cy="3429000"/>
-          </a:xfrm>
-          <a:prstGeom prst="rect">
-            <a:avLst/>
-          </a:prstGeom>
-        </p:spPr>
-      </p:sp>
-      <p:sp>
-        <p:nvSpPr>
-          <p:cNvPr id="113" name="PlaceHolder 2"/>
-          <p:cNvSpPr>
-            <a:spLocks noGrp="1"/>
-          </p:cNvSpPr>
-          <p:nvPr>
-            <p:ph type="body"/>
-          </p:nvPr>
-        </p:nvSpPr>
-        <p:spPr>
-          <a:xfrm>
-            <a:off x="914400" y="4343400"/>
-            <a:ext cx="5028840" cy="4114440"/>
-          </a:xfrm>
-          <a:prstGeom prst="rect">
-            <a:avLst/>
-          </a:prstGeom>
-        </p:spPr>
-        <p:txBody>
-          <a:bodyPr/>
-          <a:lstStyle/>
-          <a:p>
-            <a:pPr marL="216000" indent="-216000">
+            <a:r>
+              <a:rPr b="0" lang="de-DE" sz="2400" spc="-1" strike="noStrike">
+                <a:latin typeface="+mn-lt"/>
+              </a:rPr>
+              <a:t>Icons made by &lt;a href="https://www.flaticon.com/authors/freepik" title="Freepik"&gt;Freepik&lt;/a&gt; from &lt;a href="https://www.flaticon.com/" title="Flaticon"&gt; www.flaticon.com&lt;/a&gt;</a:t>
+            </a:r>
+            <a:endParaRPr b="0" lang="de-DE" sz="2400" spc="-1" strike="noStrike">
+              <a:latin typeface="Arial"/>
+            </a:endParaRPr>
+          </a:p>
+          <a:p>
+            <a:pPr marL="216000" indent="-215640">
               <a:lnSpc>
                 <a:spcPct val="100000"/>
               </a:lnSpc>
             </a:pPr>
-            <a:endParaRPr lang="de-DE" sz="2400" b="0" strike="noStrike" spc="-1" dirty="0">
+            <a:r>
+              <a:rPr b="0" lang="de-DE" sz="2400" spc="-1" strike="noStrike" u="sng">
+                <a:solidFill>
+                  <a:srgbClr val="000000"/>
+                </a:solidFill>
+                <a:uFillTx/>
+                <a:latin typeface="+mn-lt"/>
+                <a:hlinkClick r:id="rId1"/>
+              </a:rPr>
+              <a:t>https://de.depositphotos.com/vector-images/no2.html?qview=330678812</a:t>
+            </a:r>
+            <a:endParaRPr b="0" lang="de-DE" sz="2400" spc="-1" strike="noStrike">
               <a:latin typeface="Arial"/>
             </a:endParaRPr>
           </a:p>
@@ -1203,14 +796,11 @@
       </p:sp>
     </p:spTree>
   </p:cSld>
-  <p:clrMapOvr>
-    <a:masterClrMapping/>
-  </p:clrMapOvr>
 </p:notes>
 </file>
 
 <file path=ppt/slideLayouts/slideLayout1.xml><?xml version="1.0" encoding="utf-8"?>
-<p:sldLayout xmlns:a="http://schemas.openxmlformats.org/drawingml/2006/main" xmlns:r="http://schemas.openxmlformats.org/officeDocument/2006/relationships" xmlns:p="http://schemas.openxmlformats.org/presentationml/2006/main" type="blank" preserve="1">
+<p:sldLayout xmlns:a="http://schemas.openxmlformats.org/drawingml/2006/main" xmlns:p="http://schemas.openxmlformats.org/presentationml/2006/main" xmlns:r="http://schemas.openxmlformats.org/officeDocument/2006/relationships" xmlns:p14="http://schemas.microsoft.com/office/powerpoint/2010/main" xmlns:p15="http://schemas.microsoft.com/office/powerpoint/2012/main" xmlns:mc="http://schemas.openxmlformats.org/markup-compatibility/2006" type="blank" preserve="1">
   <p:cSld name="Blank Slide">
     <p:spTree>
       <p:nvGrpSpPr>
@@ -1228,14 +818,11 @@
       </p:grpSpPr>
     </p:spTree>
   </p:cSld>
-  <p:clrMapOvr>
-    <a:masterClrMapping/>
-  </p:clrMapOvr>
 </p:sldLayout>
 </file>
 
 <file path=ppt/slideLayouts/slideLayout10.xml><?xml version="1.0" encoding="utf-8"?>
-<p:sldLayout xmlns:a="http://schemas.openxmlformats.org/drawingml/2006/main" xmlns:r="http://schemas.openxmlformats.org/officeDocument/2006/relationships" xmlns:p="http://schemas.openxmlformats.org/presentationml/2006/main" type="objOverTx" preserve="1">
+<p:sldLayout xmlns:a="http://schemas.openxmlformats.org/drawingml/2006/main" xmlns:p="http://schemas.openxmlformats.org/presentationml/2006/main" xmlns:r="http://schemas.openxmlformats.org/officeDocument/2006/relationships" xmlns:p14="http://schemas.microsoft.com/office/powerpoint/2010/main" xmlns:p15="http://schemas.microsoft.com/office/powerpoint/2012/main" xmlns:mc="http://schemas.openxmlformats.org/markup-compatibility/2006" type="objOverTx" preserve="1">
   <p:cSld name="Title, Content over Content">
     <p:spTree>
       <p:nvGrpSpPr>
@@ -1253,7 +840,7 @@
       </p:grpSpPr>
       <p:sp>
         <p:nvSpPr>
-          <p:cNvPr id="26" name="PlaceHolder 1"/>
+          <p:cNvPr id="24" name="PlaceHolder 1"/>
           <p:cNvSpPr>
             <a:spLocks noGrp="1"/>
           </p:cNvSpPr>
@@ -1263,29 +850,28 @@
         </p:nvSpPr>
         <p:spPr>
           <a:xfrm>
-            <a:off x="637560" y="116640"/>
-            <a:ext cx="6598440" cy="791640"/>
-          </a:xfrm>
-          <a:prstGeom prst="rect">
-            <a:avLst/>
-          </a:prstGeom>
-        </p:spPr>
-        <p:txBody>
-          <a:bodyPr lIns="0" tIns="0" rIns="0" bIns="0" anchor="ctr"/>
-          <a:lstStyle/>
-          <a:p>
-            <a:endParaRPr lang="de-DE" sz="1400" b="0" strike="noStrike" spc="-1">
+            <a:off x="457200" y="273600"/>
+            <a:ext cx="8229240" cy="1144800"/>
+          </a:xfrm>
+          <a:prstGeom prst="rect">
+            <a:avLst/>
+          </a:prstGeom>
+        </p:spPr>
+        <p:txBody>
+          <a:bodyPr lIns="0" rIns="0" tIns="0" bIns="0" anchor="ctr"/>
+          <a:p>
+            <a:endParaRPr b="0" lang="de-DE" sz="1800" spc="-1" strike="noStrike">
               <a:solidFill>
-                <a:srgbClr val="004F8F"/>
+                <a:srgbClr val="000000"/>
               </a:solidFill>
-              <a:latin typeface="Georgia"/>
-            </a:endParaRPr>
-          </a:p>
-        </p:txBody>
-      </p:sp>
-      <p:sp>
-        <p:nvSpPr>
-          <p:cNvPr id="27" name="PlaceHolder 2"/>
+              <a:latin typeface="Arial"/>
+            </a:endParaRPr>
+          </a:p>
+        </p:txBody>
+      </p:sp>
+      <p:sp>
+        <p:nvSpPr>
+          <p:cNvPr id="25" name="PlaceHolder 2"/>
           <p:cNvSpPr>
             <a:spLocks noGrp="1"/>
           </p:cNvSpPr>
@@ -1295,31 +881,30 @@
         </p:nvSpPr>
         <p:spPr>
           <a:xfrm>
-            <a:off x="628560" y="1080000"/>
-            <a:ext cx="8119440" cy="2403720"/>
-          </a:xfrm>
-          <a:prstGeom prst="rect">
-            <a:avLst/>
-          </a:prstGeom>
-        </p:spPr>
-        <p:txBody>
-          <a:bodyPr lIns="0" tIns="0" rIns="0" bIns="0">
+            <a:off x="457200" y="1604520"/>
+            <a:ext cx="8229240" cy="1896840"/>
+          </a:xfrm>
+          <a:prstGeom prst="rect">
+            <a:avLst/>
+          </a:prstGeom>
+        </p:spPr>
+        <p:txBody>
+          <a:bodyPr lIns="0" rIns="0" tIns="0" bIns="0">
             <a:normAutofit/>
           </a:bodyPr>
-          <a:lstStyle/>
-          <a:p>
-            <a:endParaRPr lang="de-DE" sz="1600" b="0" strike="noStrike" spc="-1">
+          <a:p>
+            <a:endParaRPr b="0" lang="de-DE" sz="1800" spc="-1" strike="noStrike">
               <a:solidFill>
                 <a:srgbClr val="000000"/>
               </a:solidFill>
-              <a:latin typeface="Arial Narrow"/>
-            </a:endParaRPr>
-          </a:p>
-        </p:txBody>
-      </p:sp>
-      <p:sp>
-        <p:nvSpPr>
-          <p:cNvPr id="28" name="PlaceHolder 3"/>
+              <a:latin typeface="Arial"/>
+            </a:endParaRPr>
+          </a:p>
+        </p:txBody>
+      </p:sp>
+      <p:sp>
+        <p:nvSpPr>
+          <p:cNvPr id="26" name="PlaceHolder 3"/>
           <p:cNvSpPr>
             <a:spLocks noGrp="1"/>
           </p:cNvSpPr>
@@ -1329,38 +914,34 @@
         </p:nvSpPr>
         <p:spPr>
           <a:xfrm>
-            <a:off x="628560" y="3712320"/>
-            <a:ext cx="8119440" cy="2403720"/>
-          </a:xfrm>
-          <a:prstGeom prst="rect">
-            <a:avLst/>
-          </a:prstGeom>
-        </p:spPr>
-        <p:txBody>
-          <a:bodyPr lIns="0" tIns="0" rIns="0" bIns="0">
+            <a:off x="457200" y="3682080"/>
+            <a:ext cx="8229240" cy="1896840"/>
+          </a:xfrm>
+          <a:prstGeom prst="rect">
+            <a:avLst/>
+          </a:prstGeom>
+        </p:spPr>
+        <p:txBody>
+          <a:bodyPr lIns="0" rIns="0" tIns="0" bIns="0">
             <a:normAutofit/>
           </a:bodyPr>
-          <a:lstStyle/>
-          <a:p>
-            <a:endParaRPr lang="de-DE" sz="1600" b="0" strike="noStrike" spc="-1">
+          <a:p>
+            <a:endParaRPr b="0" lang="de-DE" sz="1800" spc="-1" strike="noStrike">
               <a:solidFill>
                 <a:srgbClr val="000000"/>
               </a:solidFill>
-              <a:latin typeface="Arial Narrow"/>
+              <a:latin typeface="Arial"/>
             </a:endParaRPr>
           </a:p>
         </p:txBody>
       </p:sp>
     </p:spTree>
   </p:cSld>
-  <p:clrMapOvr>
-    <a:masterClrMapping/>
-  </p:clrMapOvr>
 </p:sldLayout>
 </file>
 
 <file path=ppt/slideLayouts/slideLayout11.xml><?xml version="1.0" encoding="utf-8"?>
-<p:sldLayout xmlns:a="http://schemas.openxmlformats.org/drawingml/2006/main" xmlns:r="http://schemas.openxmlformats.org/officeDocument/2006/relationships" xmlns:p="http://schemas.openxmlformats.org/presentationml/2006/main" type="fourObj" preserve="1">
+<p:sldLayout xmlns:a="http://schemas.openxmlformats.org/drawingml/2006/main" xmlns:p="http://schemas.openxmlformats.org/presentationml/2006/main" xmlns:r="http://schemas.openxmlformats.org/officeDocument/2006/relationships" xmlns:p14="http://schemas.microsoft.com/office/powerpoint/2010/main" xmlns:p15="http://schemas.microsoft.com/office/powerpoint/2012/main" xmlns:mc="http://schemas.openxmlformats.org/markup-compatibility/2006" type="fourObj" preserve="1">
   <p:cSld name="Title, 4 Content">
     <p:spTree>
       <p:nvGrpSpPr>
@@ -1378,7 +959,7 @@
       </p:grpSpPr>
       <p:sp>
         <p:nvSpPr>
-          <p:cNvPr id="29" name="PlaceHolder 1"/>
+          <p:cNvPr id="27" name="PlaceHolder 1"/>
           <p:cNvSpPr>
             <a:spLocks noGrp="1"/>
           </p:cNvSpPr>
@@ -1388,29 +969,28 @@
         </p:nvSpPr>
         <p:spPr>
           <a:xfrm>
-            <a:off x="637560" y="116640"/>
-            <a:ext cx="6598440" cy="791640"/>
-          </a:xfrm>
-          <a:prstGeom prst="rect">
-            <a:avLst/>
-          </a:prstGeom>
-        </p:spPr>
-        <p:txBody>
-          <a:bodyPr lIns="0" tIns="0" rIns="0" bIns="0" anchor="ctr"/>
-          <a:lstStyle/>
-          <a:p>
-            <a:endParaRPr lang="de-DE" sz="1400" b="0" strike="noStrike" spc="-1">
+            <a:off x="457200" y="273600"/>
+            <a:ext cx="8229240" cy="1144800"/>
+          </a:xfrm>
+          <a:prstGeom prst="rect">
+            <a:avLst/>
+          </a:prstGeom>
+        </p:spPr>
+        <p:txBody>
+          <a:bodyPr lIns="0" rIns="0" tIns="0" bIns="0" anchor="ctr"/>
+          <a:p>
+            <a:endParaRPr b="0" lang="de-DE" sz="1800" spc="-1" strike="noStrike">
               <a:solidFill>
-                <a:srgbClr val="004F8F"/>
+                <a:srgbClr val="000000"/>
               </a:solidFill>
-              <a:latin typeface="Georgia"/>
-            </a:endParaRPr>
-          </a:p>
-        </p:txBody>
-      </p:sp>
-      <p:sp>
-        <p:nvSpPr>
-          <p:cNvPr id="30" name="PlaceHolder 2"/>
+              <a:latin typeface="Arial"/>
+            </a:endParaRPr>
+          </a:p>
+        </p:txBody>
+      </p:sp>
+      <p:sp>
+        <p:nvSpPr>
+          <p:cNvPr id="28" name="PlaceHolder 2"/>
           <p:cNvSpPr>
             <a:spLocks noGrp="1"/>
           </p:cNvSpPr>
@@ -1420,31 +1000,30 @@
         </p:nvSpPr>
         <p:spPr>
           <a:xfrm>
-            <a:off x="628560" y="1080000"/>
-            <a:ext cx="3962160" cy="2403720"/>
-          </a:xfrm>
-          <a:prstGeom prst="rect">
-            <a:avLst/>
-          </a:prstGeom>
-        </p:spPr>
-        <p:txBody>
-          <a:bodyPr lIns="0" tIns="0" rIns="0" bIns="0">
+            <a:off x="457200" y="1604520"/>
+            <a:ext cx="4015800" cy="1896840"/>
+          </a:xfrm>
+          <a:prstGeom prst="rect">
+            <a:avLst/>
+          </a:prstGeom>
+        </p:spPr>
+        <p:txBody>
+          <a:bodyPr lIns="0" rIns="0" tIns="0" bIns="0">
             <a:normAutofit/>
           </a:bodyPr>
-          <a:lstStyle/>
-          <a:p>
-            <a:endParaRPr lang="de-DE" sz="1600" b="0" strike="noStrike" spc="-1">
+          <a:p>
+            <a:endParaRPr b="0" lang="de-DE" sz="1800" spc="-1" strike="noStrike">
               <a:solidFill>
                 <a:srgbClr val="000000"/>
               </a:solidFill>
-              <a:latin typeface="Arial Narrow"/>
-            </a:endParaRPr>
-          </a:p>
-        </p:txBody>
-      </p:sp>
-      <p:sp>
-        <p:nvSpPr>
-          <p:cNvPr id="31" name="PlaceHolder 3"/>
+              <a:latin typeface="Arial"/>
+            </a:endParaRPr>
+          </a:p>
+        </p:txBody>
+      </p:sp>
+      <p:sp>
+        <p:nvSpPr>
+          <p:cNvPr id="29" name="PlaceHolder 3"/>
           <p:cNvSpPr>
             <a:spLocks noGrp="1"/>
           </p:cNvSpPr>
@@ -1454,31 +1033,30 @@
         </p:nvSpPr>
         <p:spPr>
           <a:xfrm>
-            <a:off x="4789080" y="1080000"/>
-            <a:ext cx="3962160" cy="2403720"/>
-          </a:xfrm>
-          <a:prstGeom prst="rect">
-            <a:avLst/>
-          </a:prstGeom>
-        </p:spPr>
-        <p:txBody>
-          <a:bodyPr lIns="0" tIns="0" rIns="0" bIns="0">
+            <a:off x="4674240" y="1604520"/>
+            <a:ext cx="4015800" cy="1896840"/>
+          </a:xfrm>
+          <a:prstGeom prst="rect">
+            <a:avLst/>
+          </a:prstGeom>
+        </p:spPr>
+        <p:txBody>
+          <a:bodyPr lIns="0" rIns="0" tIns="0" bIns="0">
             <a:normAutofit/>
           </a:bodyPr>
-          <a:lstStyle/>
-          <a:p>
-            <a:endParaRPr lang="de-DE" sz="1600" b="0" strike="noStrike" spc="-1">
+          <a:p>
+            <a:endParaRPr b="0" lang="de-DE" sz="1800" spc="-1" strike="noStrike">
               <a:solidFill>
                 <a:srgbClr val="000000"/>
               </a:solidFill>
-              <a:latin typeface="Arial Narrow"/>
-            </a:endParaRPr>
-          </a:p>
-        </p:txBody>
-      </p:sp>
-      <p:sp>
-        <p:nvSpPr>
-          <p:cNvPr id="32" name="PlaceHolder 4"/>
+              <a:latin typeface="Arial"/>
+            </a:endParaRPr>
+          </a:p>
+        </p:txBody>
+      </p:sp>
+      <p:sp>
+        <p:nvSpPr>
+          <p:cNvPr id="30" name="PlaceHolder 4"/>
           <p:cNvSpPr>
             <a:spLocks noGrp="1"/>
           </p:cNvSpPr>
@@ -1488,31 +1066,30 @@
         </p:nvSpPr>
         <p:spPr>
           <a:xfrm>
-            <a:off x="628560" y="3712320"/>
-            <a:ext cx="3962160" cy="2403720"/>
-          </a:xfrm>
-          <a:prstGeom prst="rect">
-            <a:avLst/>
-          </a:prstGeom>
-        </p:spPr>
-        <p:txBody>
-          <a:bodyPr lIns="0" tIns="0" rIns="0" bIns="0">
+            <a:off x="457200" y="3682080"/>
+            <a:ext cx="4015800" cy="1896840"/>
+          </a:xfrm>
+          <a:prstGeom prst="rect">
+            <a:avLst/>
+          </a:prstGeom>
+        </p:spPr>
+        <p:txBody>
+          <a:bodyPr lIns="0" rIns="0" tIns="0" bIns="0">
             <a:normAutofit/>
           </a:bodyPr>
-          <a:lstStyle/>
-          <a:p>
-            <a:endParaRPr lang="de-DE" sz="1600" b="0" strike="noStrike" spc="-1">
+          <a:p>
+            <a:endParaRPr b="0" lang="de-DE" sz="1800" spc="-1" strike="noStrike">
               <a:solidFill>
                 <a:srgbClr val="000000"/>
               </a:solidFill>
-              <a:latin typeface="Arial Narrow"/>
-            </a:endParaRPr>
-          </a:p>
-        </p:txBody>
-      </p:sp>
-      <p:sp>
-        <p:nvSpPr>
-          <p:cNvPr id="33" name="PlaceHolder 5"/>
+              <a:latin typeface="Arial"/>
+            </a:endParaRPr>
+          </a:p>
+        </p:txBody>
+      </p:sp>
+      <p:sp>
+        <p:nvSpPr>
+          <p:cNvPr id="31" name="PlaceHolder 5"/>
           <p:cNvSpPr>
             <a:spLocks noGrp="1"/>
           </p:cNvSpPr>
@@ -1522,38 +1099,34 @@
         </p:nvSpPr>
         <p:spPr>
           <a:xfrm>
-            <a:off x="4789080" y="3712320"/>
-            <a:ext cx="3962160" cy="2403720"/>
-          </a:xfrm>
-          <a:prstGeom prst="rect">
-            <a:avLst/>
-          </a:prstGeom>
-        </p:spPr>
-        <p:txBody>
-          <a:bodyPr lIns="0" tIns="0" rIns="0" bIns="0">
+            <a:off x="4674240" y="3682080"/>
+            <a:ext cx="4015800" cy="1896840"/>
+          </a:xfrm>
+          <a:prstGeom prst="rect">
+            <a:avLst/>
+          </a:prstGeom>
+        </p:spPr>
+        <p:txBody>
+          <a:bodyPr lIns="0" rIns="0" tIns="0" bIns="0">
             <a:normAutofit/>
           </a:bodyPr>
-          <a:lstStyle/>
-          <a:p>
-            <a:endParaRPr lang="de-DE" sz="1600" b="0" strike="noStrike" spc="-1">
+          <a:p>
+            <a:endParaRPr b="0" lang="de-DE" sz="1800" spc="-1" strike="noStrike">
               <a:solidFill>
                 <a:srgbClr val="000000"/>
               </a:solidFill>
-              <a:latin typeface="Arial Narrow"/>
+              <a:latin typeface="Arial"/>
             </a:endParaRPr>
           </a:p>
         </p:txBody>
       </p:sp>
     </p:spTree>
   </p:cSld>
-  <p:clrMapOvr>
-    <a:masterClrMapping/>
-  </p:clrMapOvr>
 </p:sldLayout>
 </file>
 
 <file path=ppt/slideLayouts/slideLayout12.xml><?xml version="1.0" encoding="utf-8"?>
-<p:sldLayout xmlns:a="http://schemas.openxmlformats.org/drawingml/2006/main" xmlns:r="http://schemas.openxmlformats.org/officeDocument/2006/relationships" xmlns:p="http://schemas.openxmlformats.org/presentationml/2006/main" type="blank" preserve="1">
+<p:sldLayout xmlns:a="http://schemas.openxmlformats.org/drawingml/2006/main" xmlns:p="http://schemas.openxmlformats.org/presentationml/2006/main" xmlns:r="http://schemas.openxmlformats.org/officeDocument/2006/relationships" xmlns:p14="http://schemas.microsoft.com/office/powerpoint/2010/main" xmlns:p15="http://schemas.microsoft.com/office/powerpoint/2012/main" xmlns:mc="http://schemas.openxmlformats.org/markup-compatibility/2006" type="blank" preserve="1">
   <p:cSld name="Title, 6 Content">
     <p:spTree>
       <p:nvGrpSpPr>
@@ -1571,7 +1144,7 @@
       </p:grpSpPr>
       <p:sp>
         <p:nvSpPr>
-          <p:cNvPr id="34" name="PlaceHolder 1"/>
+          <p:cNvPr id="32" name="PlaceHolder 1"/>
           <p:cNvSpPr>
             <a:spLocks noGrp="1"/>
           </p:cNvSpPr>
@@ -1581,29 +1154,28 @@
         </p:nvSpPr>
         <p:spPr>
           <a:xfrm>
-            <a:off x="637560" y="116640"/>
-            <a:ext cx="6598440" cy="791640"/>
-          </a:xfrm>
-          <a:prstGeom prst="rect">
-            <a:avLst/>
-          </a:prstGeom>
-        </p:spPr>
-        <p:txBody>
-          <a:bodyPr lIns="0" tIns="0" rIns="0" bIns="0" anchor="ctr"/>
-          <a:lstStyle/>
-          <a:p>
-            <a:endParaRPr lang="de-DE" sz="1400" b="0" strike="noStrike" spc="-1">
+            <a:off x="457200" y="273600"/>
+            <a:ext cx="8229240" cy="1144800"/>
+          </a:xfrm>
+          <a:prstGeom prst="rect">
+            <a:avLst/>
+          </a:prstGeom>
+        </p:spPr>
+        <p:txBody>
+          <a:bodyPr lIns="0" rIns="0" tIns="0" bIns="0" anchor="ctr"/>
+          <a:p>
+            <a:endParaRPr b="0" lang="de-DE" sz="1800" spc="-1" strike="noStrike">
               <a:solidFill>
-                <a:srgbClr val="004F8F"/>
+                <a:srgbClr val="000000"/>
               </a:solidFill>
-              <a:latin typeface="Georgia"/>
-            </a:endParaRPr>
-          </a:p>
-        </p:txBody>
-      </p:sp>
-      <p:sp>
-        <p:nvSpPr>
-          <p:cNvPr id="35" name="PlaceHolder 2"/>
+              <a:latin typeface="Arial"/>
+            </a:endParaRPr>
+          </a:p>
+        </p:txBody>
+      </p:sp>
+      <p:sp>
+        <p:nvSpPr>
+          <p:cNvPr id="33" name="PlaceHolder 2"/>
           <p:cNvSpPr>
             <a:spLocks noGrp="1"/>
           </p:cNvSpPr>
@@ -1613,31 +1185,30 @@
         </p:nvSpPr>
         <p:spPr>
           <a:xfrm>
-            <a:off x="628560" y="1080000"/>
-            <a:ext cx="2614320" cy="2403720"/>
-          </a:xfrm>
-          <a:prstGeom prst="rect">
-            <a:avLst/>
-          </a:prstGeom>
-        </p:spPr>
-        <p:txBody>
-          <a:bodyPr lIns="0" tIns="0" rIns="0" bIns="0">
+            <a:off x="457200" y="1604520"/>
+            <a:ext cx="2649600" cy="1896840"/>
+          </a:xfrm>
+          <a:prstGeom prst="rect">
+            <a:avLst/>
+          </a:prstGeom>
+        </p:spPr>
+        <p:txBody>
+          <a:bodyPr lIns="0" rIns="0" tIns="0" bIns="0">
             <a:normAutofit/>
           </a:bodyPr>
-          <a:lstStyle/>
-          <a:p>
-            <a:endParaRPr lang="de-DE" sz="1600" b="0" strike="noStrike" spc="-1">
+          <a:p>
+            <a:endParaRPr b="0" lang="de-DE" sz="1800" spc="-1" strike="noStrike">
               <a:solidFill>
                 <a:srgbClr val="000000"/>
               </a:solidFill>
-              <a:latin typeface="Arial Narrow"/>
-            </a:endParaRPr>
-          </a:p>
-        </p:txBody>
-      </p:sp>
-      <p:sp>
-        <p:nvSpPr>
-          <p:cNvPr id="36" name="PlaceHolder 3"/>
+              <a:latin typeface="Arial"/>
+            </a:endParaRPr>
+          </a:p>
+        </p:txBody>
+      </p:sp>
+      <p:sp>
+        <p:nvSpPr>
+          <p:cNvPr id="34" name="PlaceHolder 3"/>
           <p:cNvSpPr>
             <a:spLocks noGrp="1"/>
           </p:cNvSpPr>
@@ -1647,31 +1218,30 @@
         </p:nvSpPr>
         <p:spPr>
           <a:xfrm>
-            <a:off x="3373920" y="1080000"/>
-            <a:ext cx="2614320" cy="2403720"/>
-          </a:xfrm>
-          <a:prstGeom prst="rect">
-            <a:avLst/>
-          </a:prstGeom>
-        </p:spPr>
-        <p:txBody>
-          <a:bodyPr lIns="0" tIns="0" rIns="0" bIns="0">
+            <a:off x="3239640" y="1604520"/>
+            <a:ext cx="2649600" cy="1896840"/>
+          </a:xfrm>
+          <a:prstGeom prst="rect">
+            <a:avLst/>
+          </a:prstGeom>
+        </p:spPr>
+        <p:txBody>
+          <a:bodyPr lIns="0" rIns="0" tIns="0" bIns="0">
             <a:normAutofit/>
           </a:bodyPr>
-          <a:lstStyle/>
-          <a:p>
-            <a:endParaRPr lang="de-DE" sz="1600" b="0" strike="noStrike" spc="-1">
+          <a:p>
+            <a:endParaRPr b="0" lang="de-DE" sz="1800" spc="-1" strike="noStrike">
               <a:solidFill>
                 <a:srgbClr val="000000"/>
               </a:solidFill>
-              <a:latin typeface="Arial Narrow"/>
-            </a:endParaRPr>
-          </a:p>
-        </p:txBody>
-      </p:sp>
-      <p:sp>
-        <p:nvSpPr>
-          <p:cNvPr id="37" name="PlaceHolder 4"/>
+              <a:latin typeface="Arial"/>
+            </a:endParaRPr>
+          </a:p>
+        </p:txBody>
+      </p:sp>
+      <p:sp>
+        <p:nvSpPr>
+          <p:cNvPr id="35" name="PlaceHolder 4"/>
           <p:cNvSpPr>
             <a:spLocks noGrp="1"/>
           </p:cNvSpPr>
@@ -1681,31 +1251,30 @@
         </p:nvSpPr>
         <p:spPr>
           <a:xfrm>
-            <a:off x="6119280" y="1080000"/>
-            <a:ext cx="2614320" cy="2403720"/>
-          </a:xfrm>
-          <a:prstGeom prst="rect">
-            <a:avLst/>
-          </a:prstGeom>
-        </p:spPr>
-        <p:txBody>
-          <a:bodyPr lIns="0" tIns="0" rIns="0" bIns="0">
+            <a:off x="6022080" y="1604520"/>
+            <a:ext cx="2649600" cy="1896840"/>
+          </a:xfrm>
+          <a:prstGeom prst="rect">
+            <a:avLst/>
+          </a:prstGeom>
+        </p:spPr>
+        <p:txBody>
+          <a:bodyPr lIns="0" rIns="0" tIns="0" bIns="0">
             <a:normAutofit/>
           </a:bodyPr>
-          <a:lstStyle/>
-          <a:p>
-            <a:endParaRPr lang="de-DE" sz="1600" b="0" strike="noStrike" spc="-1">
+          <a:p>
+            <a:endParaRPr b="0" lang="de-DE" sz="1800" spc="-1" strike="noStrike">
               <a:solidFill>
                 <a:srgbClr val="000000"/>
               </a:solidFill>
-              <a:latin typeface="Arial Narrow"/>
-            </a:endParaRPr>
-          </a:p>
-        </p:txBody>
-      </p:sp>
-      <p:sp>
-        <p:nvSpPr>
-          <p:cNvPr id="38" name="PlaceHolder 5"/>
+              <a:latin typeface="Arial"/>
+            </a:endParaRPr>
+          </a:p>
+        </p:txBody>
+      </p:sp>
+      <p:sp>
+        <p:nvSpPr>
+          <p:cNvPr id="36" name="PlaceHolder 5"/>
           <p:cNvSpPr>
             <a:spLocks noGrp="1"/>
           </p:cNvSpPr>
@@ -1715,31 +1284,30 @@
         </p:nvSpPr>
         <p:spPr>
           <a:xfrm>
-            <a:off x="628560" y="3712320"/>
-            <a:ext cx="2614320" cy="2403720"/>
-          </a:xfrm>
-          <a:prstGeom prst="rect">
-            <a:avLst/>
-          </a:prstGeom>
-        </p:spPr>
-        <p:txBody>
-          <a:bodyPr lIns="0" tIns="0" rIns="0" bIns="0">
+            <a:off x="457200" y="3682080"/>
+            <a:ext cx="2649600" cy="1896840"/>
+          </a:xfrm>
+          <a:prstGeom prst="rect">
+            <a:avLst/>
+          </a:prstGeom>
+        </p:spPr>
+        <p:txBody>
+          <a:bodyPr lIns="0" rIns="0" tIns="0" bIns="0">
             <a:normAutofit/>
           </a:bodyPr>
-          <a:lstStyle/>
-          <a:p>
-            <a:endParaRPr lang="de-DE" sz="1600" b="0" strike="noStrike" spc="-1">
+          <a:p>
+            <a:endParaRPr b="0" lang="de-DE" sz="1800" spc="-1" strike="noStrike">
               <a:solidFill>
                 <a:srgbClr val="000000"/>
               </a:solidFill>
-              <a:latin typeface="Arial Narrow"/>
-            </a:endParaRPr>
-          </a:p>
-        </p:txBody>
-      </p:sp>
-      <p:sp>
-        <p:nvSpPr>
-          <p:cNvPr id="39" name="PlaceHolder 6"/>
+              <a:latin typeface="Arial"/>
+            </a:endParaRPr>
+          </a:p>
+        </p:txBody>
+      </p:sp>
+      <p:sp>
+        <p:nvSpPr>
+          <p:cNvPr id="37" name="PlaceHolder 6"/>
           <p:cNvSpPr>
             <a:spLocks noGrp="1"/>
           </p:cNvSpPr>
@@ -1749,31 +1317,30 @@
         </p:nvSpPr>
         <p:spPr>
           <a:xfrm>
-            <a:off x="3373920" y="3712320"/>
-            <a:ext cx="2614320" cy="2403720"/>
-          </a:xfrm>
-          <a:prstGeom prst="rect">
-            <a:avLst/>
-          </a:prstGeom>
-        </p:spPr>
-        <p:txBody>
-          <a:bodyPr lIns="0" tIns="0" rIns="0" bIns="0">
+            <a:off x="3239640" y="3682080"/>
+            <a:ext cx="2649600" cy="1896840"/>
+          </a:xfrm>
+          <a:prstGeom prst="rect">
+            <a:avLst/>
+          </a:prstGeom>
+        </p:spPr>
+        <p:txBody>
+          <a:bodyPr lIns="0" rIns="0" tIns="0" bIns="0">
             <a:normAutofit/>
           </a:bodyPr>
-          <a:lstStyle/>
-          <a:p>
-            <a:endParaRPr lang="de-DE" sz="1600" b="0" strike="noStrike" spc="-1">
+          <a:p>
+            <a:endParaRPr b="0" lang="de-DE" sz="1800" spc="-1" strike="noStrike">
               <a:solidFill>
                 <a:srgbClr val="000000"/>
               </a:solidFill>
-              <a:latin typeface="Arial Narrow"/>
-            </a:endParaRPr>
-          </a:p>
-        </p:txBody>
-      </p:sp>
-      <p:sp>
-        <p:nvSpPr>
-          <p:cNvPr id="40" name="PlaceHolder 7"/>
+              <a:latin typeface="Arial"/>
+            </a:endParaRPr>
+          </a:p>
+        </p:txBody>
+      </p:sp>
+      <p:sp>
+        <p:nvSpPr>
+          <p:cNvPr id="38" name="PlaceHolder 7"/>
           <p:cNvSpPr>
             <a:spLocks noGrp="1"/>
           </p:cNvSpPr>
@@ -1783,38 +1350,34 @@
         </p:nvSpPr>
         <p:spPr>
           <a:xfrm>
-            <a:off x="6119280" y="3712320"/>
-            <a:ext cx="2614320" cy="2403720"/>
-          </a:xfrm>
-          <a:prstGeom prst="rect">
-            <a:avLst/>
-          </a:prstGeom>
-        </p:spPr>
-        <p:txBody>
-          <a:bodyPr lIns="0" tIns="0" rIns="0" bIns="0">
+            <a:off x="6022080" y="3682080"/>
+            <a:ext cx="2649600" cy="1896840"/>
+          </a:xfrm>
+          <a:prstGeom prst="rect">
+            <a:avLst/>
+          </a:prstGeom>
+        </p:spPr>
+        <p:txBody>
+          <a:bodyPr lIns="0" rIns="0" tIns="0" bIns="0">
             <a:normAutofit/>
           </a:bodyPr>
-          <a:lstStyle/>
-          <a:p>
-            <a:endParaRPr lang="de-DE" sz="1600" b="0" strike="noStrike" spc="-1">
+          <a:p>
+            <a:endParaRPr b="0" lang="de-DE" sz="1800" spc="-1" strike="noStrike">
               <a:solidFill>
                 <a:srgbClr val="000000"/>
               </a:solidFill>
-              <a:latin typeface="Arial Narrow"/>
+              <a:latin typeface="Arial"/>
             </a:endParaRPr>
           </a:p>
         </p:txBody>
       </p:sp>
     </p:spTree>
   </p:cSld>
-  <p:clrMapOvr>
-    <a:masterClrMapping/>
-  </p:clrMapOvr>
 </p:sldLayout>
 </file>
 
 <file path=ppt/slideLayouts/slideLayout2.xml><?xml version="1.0" encoding="utf-8"?>
-<p:sldLayout xmlns:a="http://schemas.openxmlformats.org/drawingml/2006/main" xmlns:r="http://schemas.openxmlformats.org/officeDocument/2006/relationships" xmlns:p="http://schemas.openxmlformats.org/presentationml/2006/main" type="tx" preserve="1">
+<p:sldLayout xmlns:a="http://schemas.openxmlformats.org/drawingml/2006/main" xmlns:p="http://schemas.openxmlformats.org/presentationml/2006/main" xmlns:r="http://schemas.openxmlformats.org/officeDocument/2006/relationships" xmlns:p14="http://schemas.microsoft.com/office/powerpoint/2010/main" xmlns:p15="http://schemas.microsoft.com/office/powerpoint/2012/main" xmlns:mc="http://schemas.openxmlformats.org/markup-compatibility/2006" type="tx" preserve="1">
   <p:cSld name="Title Slide">
     <p:spTree>
       <p:nvGrpSpPr>
@@ -1832,7 +1395,7 @@
       </p:grpSpPr>
       <p:sp>
         <p:nvSpPr>
-          <p:cNvPr id="5" name="PlaceHolder 1"/>
+          <p:cNvPr id="3" name="PlaceHolder 1"/>
           <p:cNvSpPr>
             <a:spLocks noGrp="1"/>
           </p:cNvSpPr>
@@ -1842,29 +1405,28 @@
         </p:nvSpPr>
         <p:spPr>
           <a:xfrm>
-            <a:off x="637560" y="116640"/>
-            <a:ext cx="6598440" cy="791640"/>
-          </a:xfrm>
-          <a:prstGeom prst="rect">
-            <a:avLst/>
-          </a:prstGeom>
-        </p:spPr>
-        <p:txBody>
-          <a:bodyPr lIns="0" tIns="0" rIns="0" bIns="0" anchor="ctr"/>
-          <a:lstStyle/>
-          <a:p>
-            <a:endParaRPr lang="de-DE" sz="1400" b="0" strike="noStrike" spc="-1">
+            <a:off x="457200" y="273600"/>
+            <a:ext cx="8229240" cy="1144800"/>
+          </a:xfrm>
+          <a:prstGeom prst="rect">
+            <a:avLst/>
+          </a:prstGeom>
+        </p:spPr>
+        <p:txBody>
+          <a:bodyPr lIns="0" rIns="0" tIns="0" bIns="0" anchor="ctr"/>
+          <a:p>
+            <a:endParaRPr b="0" lang="de-DE" sz="1800" spc="-1" strike="noStrike">
               <a:solidFill>
-                <a:srgbClr val="004F8F"/>
+                <a:srgbClr val="000000"/>
               </a:solidFill>
-              <a:latin typeface="Georgia"/>
-            </a:endParaRPr>
-          </a:p>
-        </p:txBody>
-      </p:sp>
-      <p:sp>
-        <p:nvSpPr>
-          <p:cNvPr id="6" name="PlaceHolder 2"/>
+              <a:latin typeface="Arial"/>
+            </a:endParaRPr>
+          </a:p>
+        </p:txBody>
+      </p:sp>
+      <p:sp>
+        <p:nvSpPr>
+          <p:cNvPr id="4" name="PlaceHolder 2"/>
           <p:cNvSpPr>
             <a:spLocks noGrp="1"/>
           </p:cNvSpPr>
@@ -1874,19 +1436,18 @@
         </p:nvSpPr>
         <p:spPr>
           <a:xfrm>
-            <a:off x="628560" y="1080000"/>
-            <a:ext cx="8119440" cy="5039640"/>
-          </a:xfrm>
-          <a:prstGeom prst="rect">
-            <a:avLst/>
-          </a:prstGeom>
-        </p:spPr>
-        <p:txBody>
-          <a:bodyPr lIns="0" tIns="0" rIns="0" bIns="0" anchor="ctr"/>
-          <a:lstStyle/>
+            <a:off x="457200" y="1604520"/>
+            <a:ext cx="8229240" cy="3977280"/>
+          </a:xfrm>
+          <a:prstGeom prst="rect">
+            <a:avLst/>
+          </a:prstGeom>
+        </p:spPr>
+        <p:txBody>
+          <a:bodyPr lIns="0" rIns="0" tIns="0" bIns="0" anchor="ctr"/>
           <a:p>
             <a:pPr algn="ctr"/>
-            <a:endParaRPr lang="de-DE" sz="3200" b="0" strike="noStrike" spc="-1">
+            <a:endParaRPr b="0" lang="de-DE" sz="3200" spc="-1" strike="noStrike">
               <a:latin typeface="Arial"/>
             </a:endParaRPr>
           </a:p>
@@ -1894,14 +1455,11 @@
       </p:sp>
     </p:spTree>
   </p:cSld>
-  <p:clrMapOvr>
-    <a:masterClrMapping/>
-  </p:clrMapOvr>
 </p:sldLayout>
 </file>
 
 <file path=ppt/slideLayouts/slideLayout3.xml><?xml version="1.0" encoding="utf-8"?>
-<p:sldLayout xmlns:a="http://schemas.openxmlformats.org/drawingml/2006/main" xmlns:r="http://schemas.openxmlformats.org/officeDocument/2006/relationships" xmlns:p="http://schemas.openxmlformats.org/presentationml/2006/main" type="obj" preserve="1">
+<p:sldLayout xmlns:a="http://schemas.openxmlformats.org/drawingml/2006/main" xmlns:p="http://schemas.openxmlformats.org/presentationml/2006/main" xmlns:r="http://schemas.openxmlformats.org/officeDocument/2006/relationships" xmlns:p14="http://schemas.microsoft.com/office/powerpoint/2010/main" xmlns:p15="http://schemas.microsoft.com/office/powerpoint/2012/main" xmlns:mc="http://schemas.openxmlformats.org/markup-compatibility/2006" type="obj" preserve="1">
   <p:cSld name="Title, Content">
     <p:spTree>
       <p:nvGrpSpPr>
@@ -1919,7 +1477,7 @@
       </p:grpSpPr>
       <p:sp>
         <p:nvSpPr>
-          <p:cNvPr id="7" name="PlaceHolder 1"/>
+          <p:cNvPr id="5" name="PlaceHolder 1"/>
           <p:cNvSpPr>
             <a:spLocks noGrp="1"/>
           </p:cNvSpPr>
@@ -1929,29 +1487,28 @@
         </p:nvSpPr>
         <p:spPr>
           <a:xfrm>
-            <a:off x="637560" y="116640"/>
-            <a:ext cx="6598440" cy="791640"/>
-          </a:xfrm>
-          <a:prstGeom prst="rect">
-            <a:avLst/>
-          </a:prstGeom>
-        </p:spPr>
-        <p:txBody>
-          <a:bodyPr lIns="0" tIns="0" rIns="0" bIns="0" anchor="ctr"/>
-          <a:lstStyle/>
-          <a:p>
-            <a:endParaRPr lang="de-DE" sz="1400" b="0" strike="noStrike" spc="-1">
+            <a:off x="457200" y="273600"/>
+            <a:ext cx="8229240" cy="1144800"/>
+          </a:xfrm>
+          <a:prstGeom prst="rect">
+            <a:avLst/>
+          </a:prstGeom>
+        </p:spPr>
+        <p:txBody>
+          <a:bodyPr lIns="0" rIns="0" tIns="0" bIns="0" anchor="ctr"/>
+          <a:p>
+            <a:endParaRPr b="0" lang="de-DE" sz="1800" spc="-1" strike="noStrike">
               <a:solidFill>
-                <a:srgbClr val="004F8F"/>
+                <a:srgbClr val="000000"/>
               </a:solidFill>
-              <a:latin typeface="Georgia"/>
-            </a:endParaRPr>
-          </a:p>
-        </p:txBody>
-      </p:sp>
-      <p:sp>
-        <p:nvSpPr>
-          <p:cNvPr id="8" name="PlaceHolder 2"/>
+              <a:latin typeface="Arial"/>
+            </a:endParaRPr>
+          </a:p>
+        </p:txBody>
+      </p:sp>
+      <p:sp>
+        <p:nvSpPr>
+          <p:cNvPr id="6" name="PlaceHolder 2"/>
           <p:cNvSpPr>
             <a:spLocks noGrp="1"/>
           </p:cNvSpPr>
@@ -1961,38 +1518,34 @@
         </p:nvSpPr>
         <p:spPr>
           <a:xfrm>
-            <a:off x="628560" y="1080000"/>
-            <a:ext cx="8119440" cy="5039640"/>
-          </a:xfrm>
-          <a:prstGeom prst="rect">
-            <a:avLst/>
-          </a:prstGeom>
-        </p:spPr>
-        <p:txBody>
-          <a:bodyPr lIns="0" tIns="0" rIns="0" bIns="0">
+            <a:off x="457200" y="1604520"/>
+            <a:ext cx="8229240" cy="3977280"/>
+          </a:xfrm>
+          <a:prstGeom prst="rect">
+            <a:avLst/>
+          </a:prstGeom>
+        </p:spPr>
+        <p:txBody>
+          <a:bodyPr lIns="0" rIns="0" tIns="0" bIns="0">
             <a:normAutofit/>
           </a:bodyPr>
-          <a:lstStyle/>
-          <a:p>
-            <a:endParaRPr lang="de-DE" sz="1600" b="0" strike="noStrike" spc="-1">
+          <a:p>
+            <a:endParaRPr b="0" lang="de-DE" sz="1800" spc="-1" strike="noStrike">
               <a:solidFill>
                 <a:srgbClr val="000000"/>
               </a:solidFill>
-              <a:latin typeface="Arial Narrow"/>
+              <a:latin typeface="Arial"/>
             </a:endParaRPr>
           </a:p>
         </p:txBody>
       </p:sp>
     </p:spTree>
   </p:cSld>
-  <p:clrMapOvr>
-    <a:masterClrMapping/>
-  </p:clrMapOvr>
 </p:sldLayout>
 </file>
 
 <file path=ppt/slideLayouts/slideLayout4.xml><?xml version="1.0" encoding="utf-8"?>
-<p:sldLayout xmlns:a="http://schemas.openxmlformats.org/drawingml/2006/main" xmlns:r="http://schemas.openxmlformats.org/officeDocument/2006/relationships" xmlns:p="http://schemas.openxmlformats.org/presentationml/2006/main" type="twoObj" preserve="1">
+<p:sldLayout xmlns:a="http://schemas.openxmlformats.org/drawingml/2006/main" xmlns:p="http://schemas.openxmlformats.org/presentationml/2006/main" xmlns:r="http://schemas.openxmlformats.org/officeDocument/2006/relationships" xmlns:p14="http://schemas.microsoft.com/office/powerpoint/2010/main" xmlns:p15="http://schemas.microsoft.com/office/powerpoint/2012/main" xmlns:mc="http://schemas.openxmlformats.org/markup-compatibility/2006" type="twoObj" preserve="1">
   <p:cSld name="Title, 2 Content">
     <p:spTree>
       <p:nvGrpSpPr>
@@ -2010,7 +1563,7 @@
       </p:grpSpPr>
       <p:sp>
         <p:nvSpPr>
-          <p:cNvPr id="9" name="PlaceHolder 1"/>
+          <p:cNvPr id="7" name="PlaceHolder 1"/>
           <p:cNvSpPr>
             <a:spLocks noGrp="1"/>
           </p:cNvSpPr>
@@ -2020,29 +1573,28 @@
         </p:nvSpPr>
         <p:spPr>
           <a:xfrm>
-            <a:off x="637560" y="116640"/>
-            <a:ext cx="6598440" cy="791640"/>
-          </a:xfrm>
-          <a:prstGeom prst="rect">
-            <a:avLst/>
-          </a:prstGeom>
-        </p:spPr>
-        <p:txBody>
-          <a:bodyPr lIns="0" tIns="0" rIns="0" bIns="0" anchor="ctr"/>
-          <a:lstStyle/>
-          <a:p>
-            <a:endParaRPr lang="de-DE" sz="1400" b="0" strike="noStrike" spc="-1">
+            <a:off x="457200" y="273600"/>
+            <a:ext cx="8229240" cy="1144800"/>
+          </a:xfrm>
+          <a:prstGeom prst="rect">
+            <a:avLst/>
+          </a:prstGeom>
+        </p:spPr>
+        <p:txBody>
+          <a:bodyPr lIns="0" rIns="0" tIns="0" bIns="0" anchor="ctr"/>
+          <a:p>
+            <a:endParaRPr b="0" lang="de-DE" sz="1800" spc="-1" strike="noStrike">
               <a:solidFill>
-                <a:srgbClr val="004F8F"/>
+                <a:srgbClr val="000000"/>
               </a:solidFill>
-              <a:latin typeface="Georgia"/>
-            </a:endParaRPr>
-          </a:p>
-        </p:txBody>
-      </p:sp>
-      <p:sp>
-        <p:nvSpPr>
-          <p:cNvPr id="10" name="PlaceHolder 2"/>
+              <a:latin typeface="Arial"/>
+            </a:endParaRPr>
+          </a:p>
+        </p:txBody>
+      </p:sp>
+      <p:sp>
+        <p:nvSpPr>
+          <p:cNvPr id="8" name="PlaceHolder 2"/>
           <p:cNvSpPr>
             <a:spLocks noGrp="1"/>
           </p:cNvSpPr>
@@ -2052,31 +1604,30 @@
         </p:nvSpPr>
         <p:spPr>
           <a:xfrm>
-            <a:off x="628560" y="1080000"/>
-            <a:ext cx="3962160" cy="5039640"/>
-          </a:xfrm>
-          <a:prstGeom prst="rect">
-            <a:avLst/>
-          </a:prstGeom>
-        </p:spPr>
-        <p:txBody>
-          <a:bodyPr lIns="0" tIns="0" rIns="0" bIns="0">
+            <a:off x="457200" y="1604520"/>
+            <a:ext cx="4015800" cy="3977280"/>
+          </a:xfrm>
+          <a:prstGeom prst="rect">
+            <a:avLst/>
+          </a:prstGeom>
+        </p:spPr>
+        <p:txBody>
+          <a:bodyPr lIns="0" rIns="0" tIns="0" bIns="0">
             <a:normAutofit/>
           </a:bodyPr>
-          <a:lstStyle/>
-          <a:p>
-            <a:endParaRPr lang="de-DE" sz="1600" b="0" strike="noStrike" spc="-1">
+          <a:p>
+            <a:endParaRPr b="0" lang="de-DE" sz="1800" spc="-1" strike="noStrike">
               <a:solidFill>
                 <a:srgbClr val="000000"/>
               </a:solidFill>
-              <a:latin typeface="Arial Narrow"/>
-            </a:endParaRPr>
-          </a:p>
-        </p:txBody>
-      </p:sp>
-      <p:sp>
-        <p:nvSpPr>
-          <p:cNvPr id="11" name="PlaceHolder 3"/>
+              <a:latin typeface="Arial"/>
+            </a:endParaRPr>
+          </a:p>
+        </p:txBody>
+      </p:sp>
+      <p:sp>
+        <p:nvSpPr>
+          <p:cNvPr id="9" name="PlaceHolder 3"/>
           <p:cNvSpPr>
             <a:spLocks noGrp="1"/>
           </p:cNvSpPr>
@@ -2086,38 +1637,34 @@
         </p:nvSpPr>
         <p:spPr>
           <a:xfrm>
-            <a:off x="4789080" y="1080000"/>
-            <a:ext cx="3962160" cy="5039640"/>
-          </a:xfrm>
-          <a:prstGeom prst="rect">
-            <a:avLst/>
-          </a:prstGeom>
-        </p:spPr>
-        <p:txBody>
-          <a:bodyPr lIns="0" tIns="0" rIns="0" bIns="0">
+            <a:off x="4674240" y="1604520"/>
+            <a:ext cx="4015800" cy="3977280"/>
+          </a:xfrm>
+          <a:prstGeom prst="rect">
+            <a:avLst/>
+          </a:prstGeom>
+        </p:spPr>
+        <p:txBody>
+          <a:bodyPr lIns="0" rIns="0" tIns="0" bIns="0">
             <a:normAutofit/>
           </a:bodyPr>
-          <a:lstStyle/>
-          <a:p>
-            <a:endParaRPr lang="de-DE" sz="1600" b="0" strike="noStrike" spc="-1">
+          <a:p>
+            <a:endParaRPr b="0" lang="de-DE" sz="1800" spc="-1" strike="noStrike">
               <a:solidFill>
                 <a:srgbClr val="000000"/>
               </a:solidFill>
-              <a:latin typeface="Arial Narrow"/>
+              <a:latin typeface="Arial"/>
             </a:endParaRPr>
           </a:p>
         </p:txBody>
       </p:sp>
     </p:spTree>
   </p:cSld>
-  <p:clrMapOvr>
-    <a:masterClrMapping/>
-  </p:clrMapOvr>
 </p:sldLayout>
 </file>
 
 <file path=ppt/slideLayouts/slideLayout5.xml><?xml version="1.0" encoding="utf-8"?>
-<p:sldLayout xmlns:a="http://schemas.openxmlformats.org/drawingml/2006/main" xmlns:r="http://schemas.openxmlformats.org/officeDocument/2006/relationships" xmlns:p="http://schemas.openxmlformats.org/presentationml/2006/main" type="titleOnly" preserve="1">
+<p:sldLayout xmlns:a="http://schemas.openxmlformats.org/drawingml/2006/main" xmlns:p="http://schemas.openxmlformats.org/presentationml/2006/main" xmlns:r="http://schemas.openxmlformats.org/officeDocument/2006/relationships" xmlns:p14="http://schemas.microsoft.com/office/powerpoint/2010/main" xmlns:p15="http://schemas.microsoft.com/office/powerpoint/2012/main" xmlns:mc="http://schemas.openxmlformats.org/markup-compatibility/2006" type="titleOnly" preserve="1">
   <p:cSld name="Title Only">
     <p:spTree>
       <p:nvGrpSpPr>
@@ -2135,7 +1682,7 @@
       </p:grpSpPr>
       <p:sp>
         <p:nvSpPr>
-          <p:cNvPr id="12" name="PlaceHolder 1"/>
+          <p:cNvPr id="10" name="PlaceHolder 1"/>
           <p:cNvSpPr>
             <a:spLocks noGrp="1"/>
           </p:cNvSpPr>
@@ -2145,36 +1692,32 @@
         </p:nvSpPr>
         <p:spPr>
           <a:xfrm>
-            <a:off x="637560" y="116640"/>
-            <a:ext cx="6598440" cy="791640"/>
-          </a:xfrm>
-          <a:prstGeom prst="rect">
-            <a:avLst/>
-          </a:prstGeom>
-        </p:spPr>
-        <p:txBody>
-          <a:bodyPr lIns="0" tIns="0" rIns="0" bIns="0" anchor="ctr"/>
-          <a:lstStyle/>
-          <a:p>
-            <a:endParaRPr lang="de-DE" sz="1400" b="0" strike="noStrike" spc="-1">
+            <a:off x="457200" y="273600"/>
+            <a:ext cx="8229240" cy="1144800"/>
+          </a:xfrm>
+          <a:prstGeom prst="rect">
+            <a:avLst/>
+          </a:prstGeom>
+        </p:spPr>
+        <p:txBody>
+          <a:bodyPr lIns="0" rIns="0" tIns="0" bIns="0" anchor="ctr"/>
+          <a:p>
+            <a:endParaRPr b="0" lang="de-DE" sz="1800" spc="-1" strike="noStrike">
               <a:solidFill>
-                <a:srgbClr val="004F8F"/>
+                <a:srgbClr val="000000"/>
               </a:solidFill>
-              <a:latin typeface="Georgia"/>
+              <a:latin typeface="Arial"/>
             </a:endParaRPr>
           </a:p>
         </p:txBody>
       </p:sp>
     </p:spTree>
   </p:cSld>
-  <p:clrMapOvr>
-    <a:masterClrMapping/>
-  </p:clrMapOvr>
 </p:sldLayout>
 </file>
 
 <file path=ppt/slideLayouts/slideLayout6.xml><?xml version="1.0" encoding="utf-8"?>
-<p:sldLayout xmlns:a="http://schemas.openxmlformats.org/drawingml/2006/main" xmlns:r="http://schemas.openxmlformats.org/officeDocument/2006/relationships" xmlns:p="http://schemas.openxmlformats.org/presentationml/2006/main" type="objOnly" preserve="1">
+<p:sldLayout xmlns:a="http://schemas.openxmlformats.org/drawingml/2006/main" xmlns:p="http://schemas.openxmlformats.org/presentationml/2006/main" xmlns:r="http://schemas.openxmlformats.org/officeDocument/2006/relationships" xmlns:p14="http://schemas.microsoft.com/office/powerpoint/2010/main" xmlns:p15="http://schemas.microsoft.com/office/powerpoint/2012/main" xmlns:mc="http://schemas.openxmlformats.org/markup-compatibility/2006" type="objOnly" preserve="1">
   <p:cSld name="Centered Text">
     <p:spTree>
       <p:nvGrpSpPr>
@@ -2192,7 +1735,7 @@
       </p:grpSpPr>
       <p:sp>
         <p:nvSpPr>
-          <p:cNvPr id="13" name="PlaceHolder 1"/>
+          <p:cNvPr id="11" name="PlaceHolder 1"/>
           <p:cNvSpPr>
             <a:spLocks noGrp="1"/>
           </p:cNvSpPr>
@@ -2202,19 +1745,18 @@
         </p:nvSpPr>
         <p:spPr>
           <a:xfrm>
-            <a:off x="637560" y="116640"/>
-            <a:ext cx="6598440" cy="3670920"/>
-          </a:xfrm>
-          <a:prstGeom prst="rect">
-            <a:avLst/>
-          </a:prstGeom>
-        </p:spPr>
-        <p:txBody>
-          <a:bodyPr lIns="0" tIns="0" rIns="0" bIns="0" anchor="ctr"/>
-          <a:lstStyle/>
+            <a:off x="457200" y="273600"/>
+            <a:ext cx="8229240" cy="5307840"/>
+          </a:xfrm>
+          <a:prstGeom prst="rect">
+            <a:avLst/>
+          </a:prstGeom>
+        </p:spPr>
+        <p:txBody>
+          <a:bodyPr lIns="0" rIns="0" tIns="0" bIns="0" anchor="ctr"/>
           <a:p>
             <a:pPr algn="ctr"/>
-            <a:endParaRPr lang="de-DE" sz="3200" b="0" strike="noStrike" spc="-1">
+            <a:endParaRPr b="0" lang="de-DE" sz="3200" spc="-1" strike="noStrike">
               <a:latin typeface="Arial"/>
             </a:endParaRPr>
           </a:p>
@@ -2222,14 +1764,11 @@
       </p:sp>
     </p:spTree>
   </p:cSld>
-  <p:clrMapOvr>
-    <a:masterClrMapping/>
-  </p:clrMapOvr>
 </p:sldLayout>
 </file>
 
 <file path=ppt/slideLayouts/slideLayout7.xml><?xml version="1.0" encoding="utf-8"?>
-<p:sldLayout xmlns:a="http://schemas.openxmlformats.org/drawingml/2006/main" xmlns:r="http://schemas.openxmlformats.org/officeDocument/2006/relationships" xmlns:p="http://schemas.openxmlformats.org/presentationml/2006/main" type="twoObjAndObj" preserve="1">
+<p:sldLayout xmlns:a="http://schemas.openxmlformats.org/drawingml/2006/main" xmlns:p="http://schemas.openxmlformats.org/presentationml/2006/main" xmlns:r="http://schemas.openxmlformats.org/officeDocument/2006/relationships" xmlns:p14="http://schemas.microsoft.com/office/powerpoint/2010/main" xmlns:p15="http://schemas.microsoft.com/office/powerpoint/2012/main" xmlns:mc="http://schemas.openxmlformats.org/markup-compatibility/2006" type="twoObjAndObj" preserve="1">
   <p:cSld name="Title, 2 Content and Content">
     <p:spTree>
       <p:nvGrpSpPr>
@@ -2247,7 +1786,7 @@
       </p:grpSpPr>
       <p:sp>
         <p:nvSpPr>
-          <p:cNvPr id="14" name="PlaceHolder 1"/>
+          <p:cNvPr id="12" name="PlaceHolder 1"/>
           <p:cNvSpPr>
             <a:spLocks noGrp="1"/>
           </p:cNvSpPr>
@@ -2257,29 +1796,28 @@
         </p:nvSpPr>
         <p:spPr>
           <a:xfrm>
-            <a:off x="637560" y="116640"/>
-            <a:ext cx="6598440" cy="791640"/>
-          </a:xfrm>
-          <a:prstGeom prst="rect">
-            <a:avLst/>
-          </a:prstGeom>
-        </p:spPr>
-        <p:txBody>
-          <a:bodyPr lIns="0" tIns="0" rIns="0" bIns="0" anchor="ctr"/>
-          <a:lstStyle/>
-          <a:p>
-            <a:endParaRPr lang="de-DE" sz="1400" b="0" strike="noStrike" spc="-1">
+            <a:off x="457200" y="273600"/>
+            <a:ext cx="8229240" cy="1144800"/>
+          </a:xfrm>
+          <a:prstGeom prst="rect">
+            <a:avLst/>
+          </a:prstGeom>
+        </p:spPr>
+        <p:txBody>
+          <a:bodyPr lIns="0" rIns="0" tIns="0" bIns="0" anchor="ctr"/>
+          <a:p>
+            <a:endParaRPr b="0" lang="de-DE" sz="1800" spc="-1" strike="noStrike">
               <a:solidFill>
-                <a:srgbClr val="004F8F"/>
+                <a:srgbClr val="000000"/>
               </a:solidFill>
-              <a:latin typeface="Georgia"/>
-            </a:endParaRPr>
-          </a:p>
-        </p:txBody>
-      </p:sp>
-      <p:sp>
-        <p:nvSpPr>
-          <p:cNvPr id="15" name="PlaceHolder 2"/>
+              <a:latin typeface="Arial"/>
+            </a:endParaRPr>
+          </a:p>
+        </p:txBody>
+      </p:sp>
+      <p:sp>
+        <p:nvSpPr>
+          <p:cNvPr id="13" name="PlaceHolder 2"/>
           <p:cNvSpPr>
             <a:spLocks noGrp="1"/>
           </p:cNvSpPr>
@@ -2289,31 +1827,30 @@
         </p:nvSpPr>
         <p:spPr>
           <a:xfrm>
-            <a:off x="628560" y="1080000"/>
-            <a:ext cx="3962160" cy="2403720"/>
-          </a:xfrm>
-          <a:prstGeom prst="rect">
-            <a:avLst/>
-          </a:prstGeom>
-        </p:spPr>
-        <p:txBody>
-          <a:bodyPr lIns="0" tIns="0" rIns="0" bIns="0">
+            <a:off x="457200" y="1604520"/>
+            <a:ext cx="4015800" cy="1896840"/>
+          </a:xfrm>
+          <a:prstGeom prst="rect">
+            <a:avLst/>
+          </a:prstGeom>
+        </p:spPr>
+        <p:txBody>
+          <a:bodyPr lIns="0" rIns="0" tIns="0" bIns="0">
             <a:normAutofit/>
           </a:bodyPr>
-          <a:lstStyle/>
-          <a:p>
-            <a:endParaRPr lang="de-DE" sz="1600" b="0" strike="noStrike" spc="-1">
+          <a:p>
+            <a:endParaRPr b="0" lang="de-DE" sz="1800" spc="-1" strike="noStrike">
               <a:solidFill>
                 <a:srgbClr val="000000"/>
               </a:solidFill>
-              <a:latin typeface="Arial Narrow"/>
-            </a:endParaRPr>
-          </a:p>
-        </p:txBody>
-      </p:sp>
-      <p:sp>
-        <p:nvSpPr>
-          <p:cNvPr id="16" name="PlaceHolder 3"/>
+              <a:latin typeface="Arial"/>
+            </a:endParaRPr>
+          </a:p>
+        </p:txBody>
+      </p:sp>
+      <p:sp>
+        <p:nvSpPr>
+          <p:cNvPr id="14" name="PlaceHolder 3"/>
           <p:cNvSpPr>
             <a:spLocks noGrp="1"/>
           </p:cNvSpPr>
@@ -2323,31 +1860,30 @@
         </p:nvSpPr>
         <p:spPr>
           <a:xfrm>
-            <a:off x="4789080" y="1080000"/>
-            <a:ext cx="3962160" cy="5039640"/>
-          </a:xfrm>
-          <a:prstGeom prst="rect">
-            <a:avLst/>
-          </a:prstGeom>
-        </p:spPr>
-        <p:txBody>
-          <a:bodyPr lIns="0" tIns="0" rIns="0" bIns="0">
+            <a:off x="4674240" y="1604520"/>
+            <a:ext cx="4015800" cy="3977280"/>
+          </a:xfrm>
+          <a:prstGeom prst="rect">
+            <a:avLst/>
+          </a:prstGeom>
+        </p:spPr>
+        <p:txBody>
+          <a:bodyPr lIns="0" rIns="0" tIns="0" bIns="0">
             <a:normAutofit/>
           </a:bodyPr>
-          <a:lstStyle/>
-          <a:p>
-            <a:endParaRPr lang="de-DE" sz="1600" b="0" strike="noStrike" spc="-1">
+          <a:p>
+            <a:endParaRPr b="0" lang="de-DE" sz="1800" spc="-1" strike="noStrike">
               <a:solidFill>
                 <a:srgbClr val="000000"/>
               </a:solidFill>
-              <a:latin typeface="Arial Narrow"/>
-            </a:endParaRPr>
-          </a:p>
-        </p:txBody>
-      </p:sp>
-      <p:sp>
-        <p:nvSpPr>
-          <p:cNvPr id="17" name="PlaceHolder 4"/>
+              <a:latin typeface="Arial"/>
+            </a:endParaRPr>
+          </a:p>
+        </p:txBody>
+      </p:sp>
+      <p:sp>
+        <p:nvSpPr>
+          <p:cNvPr id="15" name="PlaceHolder 4"/>
           <p:cNvSpPr>
             <a:spLocks noGrp="1"/>
           </p:cNvSpPr>
@@ -2357,38 +1893,34 @@
         </p:nvSpPr>
         <p:spPr>
           <a:xfrm>
-            <a:off x="628560" y="3712320"/>
-            <a:ext cx="3962160" cy="2403720"/>
-          </a:xfrm>
-          <a:prstGeom prst="rect">
-            <a:avLst/>
-          </a:prstGeom>
-        </p:spPr>
-        <p:txBody>
-          <a:bodyPr lIns="0" tIns="0" rIns="0" bIns="0">
+            <a:off x="457200" y="3682080"/>
+            <a:ext cx="4015800" cy="1896840"/>
+          </a:xfrm>
+          <a:prstGeom prst="rect">
+            <a:avLst/>
+          </a:prstGeom>
+        </p:spPr>
+        <p:txBody>
+          <a:bodyPr lIns="0" rIns="0" tIns="0" bIns="0">
             <a:normAutofit/>
           </a:bodyPr>
-          <a:lstStyle/>
-          <a:p>
-            <a:endParaRPr lang="de-DE" sz="1600" b="0" strike="noStrike" spc="-1">
+          <a:p>
+            <a:endParaRPr b="0" lang="de-DE" sz="1800" spc="-1" strike="noStrike">
               <a:solidFill>
                 <a:srgbClr val="000000"/>
               </a:solidFill>
-              <a:latin typeface="Arial Narrow"/>
+              <a:latin typeface="Arial"/>
             </a:endParaRPr>
           </a:p>
         </p:txBody>
       </p:sp>
     </p:spTree>
   </p:cSld>
-  <p:clrMapOvr>
-    <a:masterClrMapping/>
-  </p:clrMapOvr>
 </p:sldLayout>
 </file>
 
 <file path=ppt/slideLayouts/slideLayout8.xml><?xml version="1.0" encoding="utf-8"?>
-<p:sldLayout xmlns:a="http://schemas.openxmlformats.org/drawingml/2006/main" xmlns:r="http://schemas.openxmlformats.org/officeDocument/2006/relationships" xmlns:p="http://schemas.openxmlformats.org/presentationml/2006/main" type="objAndTwoObj" preserve="1">
+<p:sldLayout xmlns:a="http://schemas.openxmlformats.org/drawingml/2006/main" xmlns:p="http://schemas.openxmlformats.org/presentationml/2006/main" xmlns:r="http://schemas.openxmlformats.org/officeDocument/2006/relationships" xmlns:p14="http://schemas.microsoft.com/office/powerpoint/2010/main" xmlns:p15="http://schemas.microsoft.com/office/powerpoint/2012/main" xmlns:mc="http://schemas.openxmlformats.org/markup-compatibility/2006" type="objAndTwoObj" preserve="1">
   <p:cSld name="Title Content and 2 Content">
     <p:spTree>
       <p:nvGrpSpPr>
@@ -2406,7 +1938,7 @@
       </p:grpSpPr>
       <p:sp>
         <p:nvSpPr>
-          <p:cNvPr id="18" name="PlaceHolder 1"/>
+          <p:cNvPr id="16" name="PlaceHolder 1"/>
           <p:cNvSpPr>
             <a:spLocks noGrp="1"/>
           </p:cNvSpPr>
@@ -2416,29 +1948,28 @@
         </p:nvSpPr>
         <p:spPr>
           <a:xfrm>
-            <a:off x="637560" y="116640"/>
-            <a:ext cx="6598440" cy="791640"/>
-          </a:xfrm>
-          <a:prstGeom prst="rect">
-            <a:avLst/>
-          </a:prstGeom>
-        </p:spPr>
-        <p:txBody>
-          <a:bodyPr lIns="0" tIns="0" rIns="0" bIns="0" anchor="ctr"/>
-          <a:lstStyle/>
-          <a:p>
-            <a:endParaRPr lang="de-DE" sz="1400" b="0" strike="noStrike" spc="-1">
+            <a:off x="457200" y="273600"/>
+            <a:ext cx="8229240" cy="1144800"/>
+          </a:xfrm>
+          <a:prstGeom prst="rect">
+            <a:avLst/>
+          </a:prstGeom>
+        </p:spPr>
+        <p:txBody>
+          <a:bodyPr lIns="0" rIns="0" tIns="0" bIns="0" anchor="ctr"/>
+          <a:p>
+            <a:endParaRPr b="0" lang="de-DE" sz="1800" spc="-1" strike="noStrike">
               <a:solidFill>
-                <a:srgbClr val="004F8F"/>
+                <a:srgbClr val="000000"/>
               </a:solidFill>
-              <a:latin typeface="Georgia"/>
-            </a:endParaRPr>
-          </a:p>
-        </p:txBody>
-      </p:sp>
-      <p:sp>
-        <p:nvSpPr>
-          <p:cNvPr id="19" name="PlaceHolder 2"/>
+              <a:latin typeface="Arial"/>
+            </a:endParaRPr>
+          </a:p>
+        </p:txBody>
+      </p:sp>
+      <p:sp>
+        <p:nvSpPr>
+          <p:cNvPr id="17" name="PlaceHolder 2"/>
           <p:cNvSpPr>
             <a:spLocks noGrp="1"/>
           </p:cNvSpPr>
@@ -2448,31 +1979,30 @@
         </p:nvSpPr>
         <p:spPr>
           <a:xfrm>
-            <a:off x="628560" y="1080000"/>
-            <a:ext cx="3962160" cy="5039640"/>
-          </a:xfrm>
-          <a:prstGeom prst="rect">
-            <a:avLst/>
-          </a:prstGeom>
-        </p:spPr>
-        <p:txBody>
-          <a:bodyPr lIns="0" tIns="0" rIns="0" bIns="0">
+            <a:off x="457200" y="1604520"/>
+            <a:ext cx="4015800" cy="3977280"/>
+          </a:xfrm>
+          <a:prstGeom prst="rect">
+            <a:avLst/>
+          </a:prstGeom>
+        </p:spPr>
+        <p:txBody>
+          <a:bodyPr lIns="0" rIns="0" tIns="0" bIns="0">
             <a:normAutofit/>
           </a:bodyPr>
-          <a:lstStyle/>
-          <a:p>
-            <a:endParaRPr lang="de-DE" sz="1600" b="0" strike="noStrike" spc="-1">
+          <a:p>
+            <a:endParaRPr b="0" lang="de-DE" sz="1800" spc="-1" strike="noStrike">
               <a:solidFill>
                 <a:srgbClr val="000000"/>
               </a:solidFill>
-              <a:latin typeface="Arial Narrow"/>
-            </a:endParaRPr>
-          </a:p>
-        </p:txBody>
-      </p:sp>
-      <p:sp>
-        <p:nvSpPr>
-          <p:cNvPr id="20" name="PlaceHolder 3"/>
+              <a:latin typeface="Arial"/>
+            </a:endParaRPr>
+          </a:p>
+        </p:txBody>
+      </p:sp>
+      <p:sp>
+        <p:nvSpPr>
+          <p:cNvPr id="18" name="PlaceHolder 3"/>
           <p:cNvSpPr>
             <a:spLocks noGrp="1"/>
           </p:cNvSpPr>
@@ -2482,31 +2012,30 @@
         </p:nvSpPr>
         <p:spPr>
           <a:xfrm>
-            <a:off x="4789080" y="1080000"/>
-            <a:ext cx="3962160" cy="2403720"/>
-          </a:xfrm>
-          <a:prstGeom prst="rect">
-            <a:avLst/>
-          </a:prstGeom>
-        </p:spPr>
-        <p:txBody>
-          <a:bodyPr lIns="0" tIns="0" rIns="0" bIns="0">
+            <a:off x="4674240" y="1604520"/>
+            <a:ext cx="4015800" cy="1896840"/>
+          </a:xfrm>
+          <a:prstGeom prst="rect">
+            <a:avLst/>
+          </a:prstGeom>
+        </p:spPr>
+        <p:txBody>
+          <a:bodyPr lIns="0" rIns="0" tIns="0" bIns="0">
             <a:normAutofit/>
           </a:bodyPr>
-          <a:lstStyle/>
-          <a:p>
-            <a:endParaRPr lang="de-DE" sz="1600" b="0" strike="noStrike" spc="-1">
+          <a:p>
+            <a:endParaRPr b="0" lang="de-DE" sz="1800" spc="-1" strike="noStrike">
               <a:solidFill>
                 <a:srgbClr val="000000"/>
               </a:solidFill>
-              <a:latin typeface="Arial Narrow"/>
-            </a:endParaRPr>
-          </a:p>
-        </p:txBody>
-      </p:sp>
-      <p:sp>
-        <p:nvSpPr>
-          <p:cNvPr id="21" name="PlaceHolder 4"/>
+              <a:latin typeface="Arial"/>
+            </a:endParaRPr>
+          </a:p>
+        </p:txBody>
+      </p:sp>
+      <p:sp>
+        <p:nvSpPr>
+          <p:cNvPr id="19" name="PlaceHolder 4"/>
           <p:cNvSpPr>
             <a:spLocks noGrp="1"/>
           </p:cNvSpPr>
@@ -2516,38 +2045,34 @@
         </p:nvSpPr>
         <p:spPr>
           <a:xfrm>
-            <a:off x="4789080" y="3712320"/>
-            <a:ext cx="3962160" cy="2403720"/>
-          </a:xfrm>
-          <a:prstGeom prst="rect">
-            <a:avLst/>
-          </a:prstGeom>
-        </p:spPr>
-        <p:txBody>
-          <a:bodyPr lIns="0" tIns="0" rIns="0" bIns="0">
+            <a:off x="4674240" y="3682080"/>
+            <a:ext cx="4015800" cy="1896840"/>
+          </a:xfrm>
+          <a:prstGeom prst="rect">
+            <a:avLst/>
+          </a:prstGeom>
+        </p:spPr>
+        <p:txBody>
+          <a:bodyPr lIns="0" rIns="0" tIns="0" bIns="0">
             <a:normAutofit/>
           </a:bodyPr>
-          <a:lstStyle/>
-          <a:p>
-            <a:endParaRPr lang="de-DE" sz="1600" b="0" strike="noStrike" spc="-1">
+          <a:p>
+            <a:endParaRPr b="0" lang="de-DE" sz="1800" spc="-1" strike="noStrike">
               <a:solidFill>
                 <a:srgbClr val="000000"/>
               </a:solidFill>
-              <a:latin typeface="Arial Narrow"/>
+              <a:latin typeface="Arial"/>
             </a:endParaRPr>
           </a:p>
         </p:txBody>
       </p:sp>
     </p:spTree>
   </p:cSld>
-  <p:clrMapOvr>
-    <a:masterClrMapping/>
-  </p:clrMapOvr>
 </p:sldLayout>
 </file>
 
 <file path=ppt/slideLayouts/slideLayout9.xml><?xml version="1.0" encoding="utf-8"?>
-<p:sldLayout xmlns:a="http://schemas.openxmlformats.org/drawingml/2006/main" xmlns:r="http://schemas.openxmlformats.org/officeDocument/2006/relationships" xmlns:p="http://schemas.openxmlformats.org/presentationml/2006/main" type="twoObjOverTx" preserve="1">
+<p:sldLayout xmlns:a="http://schemas.openxmlformats.org/drawingml/2006/main" xmlns:p="http://schemas.openxmlformats.org/presentationml/2006/main" xmlns:r="http://schemas.openxmlformats.org/officeDocument/2006/relationships" xmlns:p14="http://schemas.microsoft.com/office/powerpoint/2010/main" xmlns:p15="http://schemas.microsoft.com/office/powerpoint/2012/main" xmlns:mc="http://schemas.openxmlformats.org/markup-compatibility/2006" type="twoObjOverTx" preserve="1">
   <p:cSld name="Title, 2 Content over Content">
     <p:spTree>
       <p:nvGrpSpPr>
@@ -2565,7 +2090,7 @@
       </p:grpSpPr>
       <p:sp>
         <p:nvSpPr>
-          <p:cNvPr id="22" name="PlaceHolder 1"/>
+          <p:cNvPr id="20" name="PlaceHolder 1"/>
           <p:cNvSpPr>
             <a:spLocks noGrp="1"/>
           </p:cNvSpPr>
@@ -2575,29 +2100,28 @@
         </p:nvSpPr>
         <p:spPr>
           <a:xfrm>
-            <a:off x="637560" y="116640"/>
-            <a:ext cx="6598440" cy="791640"/>
-          </a:xfrm>
-          <a:prstGeom prst="rect">
-            <a:avLst/>
-          </a:prstGeom>
-        </p:spPr>
-        <p:txBody>
-          <a:bodyPr lIns="0" tIns="0" rIns="0" bIns="0" anchor="ctr"/>
-          <a:lstStyle/>
-          <a:p>
-            <a:endParaRPr lang="de-DE" sz="1400" b="0" strike="noStrike" spc="-1">
+            <a:off x="457200" y="273600"/>
+            <a:ext cx="8229240" cy="1144800"/>
+          </a:xfrm>
+          <a:prstGeom prst="rect">
+            <a:avLst/>
+          </a:prstGeom>
+        </p:spPr>
+        <p:txBody>
+          <a:bodyPr lIns="0" rIns="0" tIns="0" bIns="0" anchor="ctr"/>
+          <a:p>
+            <a:endParaRPr b="0" lang="de-DE" sz="1800" spc="-1" strike="noStrike">
               <a:solidFill>
-                <a:srgbClr val="004F8F"/>
+                <a:srgbClr val="000000"/>
               </a:solidFill>
-              <a:latin typeface="Georgia"/>
-            </a:endParaRPr>
-          </a:p>
-        </p:txBody>
-      </p:sp>
-      <p:sp>
-        <p:nvSpPr>
-          <p:cNvPr id="23" name="PlaceHolder 2"/>
+              <a:latin typeface="Arial"/>
+            </a:endParaRPr>
+          </a:p>
+        </p:txBody>
+      </p:sp>
+      <p:sp>
+        <p:nvSpPr>
+          <p:cNvPr id="21" name="PlaceHolder 2"/>
           <p:cNvSpPr>
             <a:spLocks noGrp="1"/>
           </p:cNvSpPr>
@@ -2607,31 +2131,30 @@
         </p:nvSpPr>
         <p:spPr>
           <a:xfrm>
-            <a:off x="628560" y="1080000"/>
-            <a:ext cx="3962160" cy="2403720"/>
-          </a:xfrm>
-          <a:prstGeom prst="rect">
-            <a:avLst/>
-          </a:prstGeom>
-        </p:spPr>
-        <p:txBody>
-          <a:bodyPr lIns="0" tIns="0" rIns="0" bIns="0">
+            <a:off x="457200" y="1604520"/>
+            <a:ext cx="4015800" cy="1896840"/>
+          </a:xfrm>
+          <a:prstGeom prst="rect">
+            <a:avLst/>
+          </a:prstGeom>
+        </p:spPr>
+        <p:txBody>
+          <a:bodyPr lIns="0" rIns="0" tIns="0" bIns="0">
             <a:normAutofit/>
           </a:bodyPr>
-          <a:lstStyle/>
-          <a:p>
-            <a:endParaRPr lang="de-DE" sz="1600" b="0" strike="noStrike" spc="-1">
+          <a:p>
+            <a:endParaRPr b="0" lang="de-DE" sz="1800" spc="-1" strike="noStrike">
               <a:solidFill>
                 <a:srgbClr val="000000"/>
               </a:solidFill>
-              <a:latin typeface="Arial Narrow"/>
-            </a:endParaRPr>
-          </a:p>
-        </p:txBody>
-      </p:sp>
-      <p:sp>
-        <p:nvSpPr>
-          <p:cNvPr id="24" name="PlaceHolder 3"/>
+              <a:latin typeface="Arial"/>
+            </a:endParaRPr>
+          </a:p>
+        </p:txBody>
+      </p:sp>
+      <p:sp>
+        <p:nvSpPr>
+          <p:cNvPr id="22" name="PlaceHolder 3"/>
           <p:cNvSpPr>
             <a:spLocks noGrp="1"/>
           </p:cNvSpPr>
@@ -2641,31 +2164,30 @@
         </p:nvSpPr>
         <p:spPr>
           <a:xfrm>
-            <a:off x="4789080" y="1080000"/>
-            <a:ext cx="3962160" cy="2403720"/>
-          </a:xfrm>
-          <a:prstGeom prst="rect">
-            <a:avLst/>
-          </a:prstGeom>
-        </p:spPr>
-        <p:txBody>
-          <a:bodyPr lIns="0" tIns="0" rIns="0" bIns="0">
+            <a:off x="4674240" y="1604520"/>
+            <a:ext cx="4015800" cy="1896840"/>
+          </a:xfrm>
+          <a:prstGeom prst="rect">
+            <a:avLst/>
+          </a:prstGeom>
+        </p:spPr>
+        <p:txBody>
+          <a:bodyPr lIns="0" rIns="0" tIns="0" bIns="0">
             <a:normAutofit/>
           </a:bodyPr>
-          <a:lstStyle/>
-          <a:p>
-            <a:endParaRPr lang="de-DE" sz="1600" b="0" strike="noStrike" spc="-1">
+          <a:p>
+            <a:endParaRPr b="0" lang="de-DE" sz="1800" spc="-1" strike="noStrike">
               <a:solidFill>
                 <a:srgbClr val="000000"/>
               </a:solidFill>
-              <a:latin typeface="Arial Narrow"/>
-            </a:endParaRPr>
-          </a:p>
-        </p:txBody>
-      </p:sp>
-      <p:sp>
-        <p:nvSpPr>
-          <p:cNvPr id="25" name="PlaceHolder 4"/>
+              <a:latin typeface="Arial"/>
+            </a:endParaRPr>
+          </a:p>
+        </p:txBody>
+      </p:sp>
+      <p:sp>
+        <p:nvSpPr>
+          <p:cNvPr id="23" name="PlaceHolder 4"/>
           <p:cNvSpPr>
             <a:spLocks noGrp="1"/>
           </p:cNvSpPr>
@@ -2675,48 +2197,43 @@
         </p:nvSpPr>
         <p:spPr>
           <a:xfrm>
-            <a:off x="628560" y="3712320"/>
-            <a:ext cx="8119440" cy="2403720"/>
-          </a:xfrm>
-          <a:prstGeom prst="rect">
-            <a:avLst/>
-          </a:prstGeom>
-        </p:spPr>
-        <p:txBody>
-          <a:bodyPr lIns="0" tIns="0" rIns="0" bIns="0">
+            <a:off x="457200" y="3682080"/>
+            <a:ext cx="8229240" cy="1896840"/>
+          </a:xfrm>
+          <a:prstGeom prst="rect">
+            <a:avLst/>
+          </a:prstGeom>
+        </p:spPr>
+        <p:txBody>
+          <a:bodyPr lIns="0" rIns="0" tIns="0" bIns="0">
             <a:normAutofit/>
           </a:bodyPr>
-          <a:lstStyle/>
-          <a:p>
-            <a:endParaRPr lang="de-DE" sz="1600" b="0" strike="noStrike" spc="-1">
+          <a:p>
+            <a:endParaRPr b="0" lang="de-DE" sz="1800" spc="-1" strike="noStrike">
               <a:solidFill>
                 <a:srgbClr val="000000"/>
               </a:solidFill>
-              <a:latin typeface="Arial Narrow"/>
+              <a:latin typeface="Arial"/>
             </a:endParaRPr>
           </a:p>
         </p:txBody>
       </p:sp>
     </p:spTree>
   </p:cSld>
-  <p:clrMapOvr>
-    <a:masterClrMapping/>
-  </p:clrMapOvr>
 </p:sldLayout>
 </file>
 
 <file path=ppt/slideMasters/slideMaster1.xml><?xml version="1.0" encoding="utf-8"?>
-<p:sldMaster xmlns:a="http://schemas.openxmlformats.org/drawingml/2006/main" xmlns:r="http://schemas.openxmlformats.org/officeDocument/2006/relationships" xmlns:p="http://schemas.openxmlformats.org/presentationml/2006/main">
+<p:sldMaster xmlns:a="http://schemas.openxmlformats.org/drawingml/2006/main" xmlns:p="http://schemas.openxmlformats.org/presentationml/2006/main" xmlns:r="http://schemas.openxmlformats.org/officeDocument/2006/relationships" xmlns:p14="http://schemas.microsoft.com/office/powerpoint/2010/main" xmlns:p15="http://schemas.microsoft.com/office/powerpoint/2012/main" xmlns:mc="http://schemas.openxmlformats.org/markup-compatibility/2006">
   <p:cSld>
     <p:bg>
       <p:bgPr>
         <a:blipFill rotWithShape="0">
-          <a:blip r:embed="rId14"/>
+          <a:blip r:embed="rId2"/>
           <a:stretch>
             <a:fillRect/>
           </a:stretch>
         </a:blipFill>
-        <a:effectLst/>
       </p:bgPr>
     </p:bg>
     <p:spTree>
@@ -2735,14 +2252,14 @@
       </p:grpSpPr>
       <p:sp>
         <p:nvSpPr>
-          <p:cNvPr id="5" name="CustomShape 1"/>
+          <p:cNvPr id="0" name="CustomShape 1"/>
           <p:cNvSpPr/>
           <p:nvPr/>
         </p:nvSpPr>
         <p:spPr>
           <a:xfrm>
             <a:off x="244440" y="6654960"/>
-            <a:ext cx="406440" cy="152640"/>
+            <a:ext cx="406080" cy="152280"/>
           </a:xfrm>
           <a:prstGeom prst="rect">
             <a:avLst/>
@@ -2753,45 +2270,38 @@
           </a:ln>
         </p:spPr>
         <p:style>
-          <a:lnRef idx="0">
-            <a:scrgbClr r="0" g="0" b="0"/>
-          </a:lnRef>
-          <a:fillRef idx="0">
-            <a:scrgbClr r="0" g="0" b="0"/>
-          </a:fillRef>
-          <a:effectRef idx="0">
-            <a:scrgbClr r="0" g="0" b="0"/>
-          </a:effectRef>
+          <a:lnRef idx="0"/>
+          <a:fillRef idx="0"/>
+          <a:effectRef idx="0"/>
           <a:fontRef idx="minor"/>
         </p:style>
         <p:txBody>
-          <a:bodyPr wrap="none" lIns="0" tIns="0" rIns="0" bIns="0"/>
-          <a:lstStyle/>
+          <a:bodyPr wrap="none" lIns="0" rIns="0" tIns="0" bIns="0"/>
           <a:p>
             <a:pPr>
               <a:lnSpc>
                 <a:spcPct val="100000"/>
               </a:lnSpc>
             </a:pPr>
-            <a:fld id="{1F46C154-4366-4669-A16F-03BBFF51594F}" type="datetime">
-              <a:rPr lang="de-DE" sz="1000" b="0" strike="noStrike" spc="-1">
+            <a:fld id="{01AB30C1-D21D-4EF6-834A-147882065F2A}" type="datetime">
+              <a:rPr b="0" lang="de-DE" sz="1000" spc="-1" strike="noStrike">
                 <a:solidFill>
-                  <a:srgbClr val="00618F"/>
+                  <a:srgbClr val="00618f"/>
                 </a:solidFill>
                 <a:latin typeface="Arial Narrow"/>
                 <a:ea typeface="Georgia"/>
               </a:rPr>
-              <a:t>30.06.2020</a:t>
+              <a:t>30.06.20</a:t>
             </a:fld>
-            <a:endParaRPr lang="de-DE" sz="1000" b="0" strike="noStrike" spc="-1">
-              <a:latin typeface="Arial"/>
-            </a:endParaRPr>
-          </a:p>
-        </p:txBody>
-      </p:sp>
-      <p:sp>
-        <p:nvSpPr>
-          <p:cNvPr id="6" name="PlaceHolder 2"/>
+            <a:endParaRPr b="0" lang="de-DE" sz="1000" spc="-1" strike="noStrike">
+              <a:latin typeface="Arial"/>
+            </a:endParaRPr>
+          </a:p>
+        </p:txBody>
+      </p:sp>
+      <p:sp>
+        <p:nvSpPr>
+          <p:cNvPr id="1" name="PlaceHolder 2"/>
           <p:cNvSpPr>
             <a:spLocks noGrp="1"/>
           </p:cNvSpPr>
@@ -2801,37 +2311,30 @@
         </p:nvSpPr>
         <p:spPr>
           <a:xfrm>
-            <a:off x="637560" y="116640"/>
-            <a:ext cx="6598440" cy="791640"/>
-          </a:xfrm>
-          <a:prstGeom prst="rect">
-            <a:avLst/>
-          </a:prstGeom>
-        </p:spPr>
-        <p:txBody>
-          <a:bodyPr lIns="0" tIns="0" rIns="0" bIns="0" anchor="b"/>
-          <a:lstStyle/>
-          <a:p>
-            <a:pPr>
-              <a:lnSpc>
-                <a:spcPct val="100000"/>
-              </a:lnSpc>
-            </a:pPr>
+            <a:off x="457200" y="273600"/>
+            <a:ext cx="8229240" cy="1144800"/>
+          </a:xfrm>
+          <a:prstGeom prst="rect">
+            <a:avLst/>
+          </a:prstGeom>
+        </p:spPr>
+        <p:txBody>
+          <a:bodyPr lIns="0" rIns="0" tIns="0" bIns="0" anchor="ctr"/>
+          <a:p>
             <a:r>
-              <a:rPr lang="de-DE" sz="1400" b="0" strike="noStrike" spc="-1">
+              <a:rPr b="0" lang="de-DE" sz="1800" spc="-1" strike="noStrike">
                 <a:solidFill>
-                  <a:srgbClr val="00618F"/>
+                  <a:srgbClr val="000000"/>
                 </a:solidFill>
-                <a:latin typeface="Georgia"/>
-                <a:ea typeface="Georgia"/>
+                <a:latin typeface="Arial"/>
               </a:rPr>
-              <a:t>Titelmasterformat durch Klicken bearbeiten</a:t>
+              <a:t>Format des Titeltextes durch Klicken bearbeiten</a:t>
             </a:r>
-            <a:endParaRPr lang="de-DE" sz="1400" b="0" strike="noStrike" spc="-1">
+            <a:endParaRPr b="0" lang="de-DE" sz="1800" spc="-1" strike="noStrike">
               <a:solidFill>
-                <a:srgbClr val="004F8F"/>
+                <a:srgbClr val="000000"/>
               </a:solidFill>
-              <a:latin typeface="Georgia"/>
+              <a:latin typeface="Arial"/>
             </a:endParaRPr>
           </a:p>
         </p:txBody>
@@ -2848,248 +2351,237 @@
         </p:nvSpPr>
         <p:spPr>
           <a:xfrm>
-            <a:off x="628560" y="1080000"/>
-            <a:ext cx="8119440" cy="5039640"/>
-          </a:xfrm>
-          <a:prstGeom prst="rect">
-            <a:avLst/>
-          </a:prstGeom>
-        </p:spPr>
-        <p:txBody>
-          <a:bodyPr lIns="90000" tIns="45000" rIns="90000" bIns="45000"/>
-          <a:lstStyle/>
-          <a:p>
-            <a:pPr marL="343080" indent="-342720">
-              <a:lnSpc>
-                <a:spcPct val="100000"/>
-              </a:lnSpc>
+            <a:off x="457200" y="1604520"/>
+            <a:ext cx="8229240" cy="3977280"/>
+          </a:xfrm>
+          <a:prstGeom prst="rect">
+            <a:avLst/>
+          </a:prstGeom>
+        </p:spPr>
+        <p:txBody>
+          <a:bodyPr lIns="0" rIns="0" tIns="0" bIns="0">
+            <a:normAutofit/>
+          </a:bodyPr>
+          <a:p>
+            <a:pPr marL="432000" indent="-324000">
               <a:spcBef>
-                <a:spcPts val="300"/>
-              </a:spcBef>
-            </a:pPr>
-            <a:r>
-              <a:rPr lang="de-DE" sz="1800" b="0" strike="noStrike" spc="-1">
-                <a:solidFill>
-                  <a:srgbClr val="000000"/>
-                </a:solidFill>
-                <a:latin typeface="Arial Narrow"/>
-              </a:rPr>
-              <a:t>Textmasterformat bearbeiten</a:t>
-            </a:r>
-          </a:p>
-          <a:p>
-            <a:pPr marL="417600" lvl="1" indent="-236160">
-              <a:lnSpc>
-                <a:spcPct val="100000"/>
-              </a:lnSpc>
-              <a:spcBef>
-                <a:spcPts val="300"/>
+                <a:spcPts val="1417"/>
               </a:spcBef>
               <a:buClr>
                 <a:srgbClr val="000000"/>
               </a:buClr>
-              <a:buFont typeface="Arial"/>
-              <a:buChar char="•"/>
+              <a:buSzPct val="45000"/>
+              <a:buFont typeface="Wingdings" charset="2"/>
+              <a:buChar char=""/>
             </a:pPr>
             <a:r>
-              <a:rPr lang="de-DE" sz="1800" b="0" strike="noStrike" spc="-1">
+              <a:rPr b="0" lang="de-DE" sz="1800" spc="-1" strike="noStrike">
                 <a:solidFill>
                   <a:srgbClr val="000000"/>
                 </a:solidFill>
-                <a:latin typeface="Arial Narrow"/>
+                <a:latin typeface="Arial"/>
               </a:rPr>
-              <a:t>Zweite Ebene</a:t>
+              <a:t>Format des Gliederungstextes durch Klicken bearbeiten</a:t>
             </a:r>
-          </a:p>
-          <a:p>
-            <a:pPr marL="687240" lvl="2" indent="-240840">
-              <a:lnSpc>
-                <a:spcPct val="100000"/>
-              </a:lnSpc>
+            <a:endParaRPr b="0" lang="de-DE" sz="1800" spc="-1" strike="noStrike">
+              <a:solidFill>
+                <a:srgbClr val="000000"/>
+              </a:solidFill>
+              <a:latin typeface="Arial"/>
+            </a:endParaRPr>
+          </a:p>
+          <a:p>
+            <a:pPr lvl="1" marL="864000" indent="-324000">
               <a:spcBef>
-                <a:spcPts val="300"/>
+                <a:spcPts val="1134"/>
               </a:spcBef>
               <a:buClr>
                 <a:srgbClr val="000000"/>
               </a:buClr>
-              <a:buFont typeface="Arial"/>
-              <a:buChar char="•"/>
+              <a:buSzPct val="75000"/>
+              <a:buFont typeface="Symbol" charset="2"/>
+              <a:buChar char=""/>
             </a:pPr>
             <a:r>
-              <a:rPr lang="de-DE" sz="1800" b="0" strike="noStrike" spc="-1">
+              <a:rPr b="0" lang="de-DE" sz="1800" spc="-1" strike="noStrike">
                 <a:solidFill>
                   <a:srgbClr val="000000"/>
                 </a:solidFill>
-                <a:latin typeface="Arial Narrow"/>
+                <a:latin typeface="Arial"/>
               </a:rPr>
-              <a:t>Dritte Ebene</a:t>
+              <a:t>Zweite Gliederungsebene</a:t>
             </a:r>
-          </a:p>
-          <a:p>
-            <a:pPr marL="955800" lvl="3" indent="-240840">
-              <a:lnSpc>
-                <a:spcPct val="100000"/>
-              </a:lnSpc>
+            <a:endParaRPr b="0" lang="de-DE" sz="1800" spc="-1" strike="noStrike">
+              <a:solidFill>
+                <a:srgbClr val="000000"/>
+              </a:solidFill>
+              <a:latin typeface="Arial"/>
+            </a:endParaRPr>
+          </a:p>
+          <a:p>
+            <a:pPr lvl="2" marL="1296000" indent="-288000">
               <a:spcBef>
-                <a:spcPts val="300"/>
+                <a:spcPts val="850"/>
               </a:spcBef>
               <a:buClr>
                 <a:srgbClr val="000000"/>
               </a:buClr>
-              <a:buFont typeface="Arial"/>
-              <a:buChar char="•"/>
+              <a:buSzPct val="45000"/>
+              <a:buFont typeface="Wingdings" charset="2"/>
+              <a:buChar char=""/>
             </a:pPr>
             <a:r>
-              <a:rPr lang="de-DE" sz="1800" b="0" strike="noStrike" spc="-1">
+              <a:rPr b="0" lang="de-DE" sz="1800" spc="-1" strike="noStrike">
                 <a:solidFill>
                   <a:srgbClr val="000000"/>
                 </a:solidFill>
-                <a:latin typeface="Arial Narrow"/>
+                <a:latin typeface="Arial"/>
               </a:rPr>
-              <a:t>Vierte Ebene</a:t>
+              <a:t>Dritte Gliederungsebene</a:t>
             </a:r>
-          </a:p>
-          <a:p>
-            <a:pPr marL="1227240" lvl="4" indent="-237600">
-              <a:lnSpc>
-                <a:spcPct val="100000"/>
-              </a:lnSpc>
+            <a:endParaRPr b="0" lang="de-DE" sz="1800" spc="-1" strike="noStrike">
+              <a:solidFill>
+                <a:srgbClr val="000000"/>
+              </a:solidFill>
+              <a:latin typeface="Arial"/>
+            </a:endParaRPr>
+          </a:p>
+          <a:p>
+            <a:pPr lvl="3" marL="1728000" indent="-216000">
               <a:spcBef>
-                <a:spcPts val="300"/>
+                <a:spcPts val="567"/>
               </a:spcBef>
               <a:buClr>
                 <a:srgbClr val="000000"/>
               </a:buClr>
-              <a:buFont typeface="Arial"/>
-              <a:buChar char="•"/>
+              <a:buSzPct val="75000"/>
+              <a:buFont typeface="Symbol" charset="2"/>
+              <a:buChar char=""/>
             </a:pPr>
             <a:r>
-              <a:rPr lang="de-DE" sz="1800" b="0" strike="noStrike" spc="-1">
+              <a:rPr b="0" lang="de-DE" sz="1800" spc="-1" strike="noStrike">
                 <a:solidFill>
                   <a:srgbClr val="000000"/>
                 </a:solidFill>
-                <a:latin typeface="Arial Narrow"/>
+                <a:latin typeface="Arial"/>
               </a:rPr>
-              <a:t>Fünfte Ebene</a:t>
+              <a:t>Vierte Gliederungsebene</a:t>
             </a:r>
-          </a:p>
-        </p:txBody>
-      </p:sp>
-      <p:sp>
-        <p:nvSpPr>
-          <p:cNvPr id="3" name="PlaceHolder 4"/>
-          <p:cNvSpPr>
-            <a:spLocks noGrp="1"/>
-          </p:cNvSpPr>
-          <p:nvPr>
-            <p:ph type="sldNum"/>
-          </p:nvPr>
-        </p:nvSpPr>
-        <p:spPr>
-          <a:xfrm>
-            <a:off x="8640000" y="6660000"/>
-            <a:ext cx="345600" cy="179640"/>
-          </a:xfrm>
-          <a:prstGeom prst="rect">
-            <a:avLst/>
-          </a:prstGeom>
-        </p:spPr>
-        <p:txBody>
-          <a:bodyPr lIns="0" tIns="0" rIns="0" bIns="0"/>
-          <a:lstStyle/>
-          <a:p>
-            <a:pPr algn="r">
-              <a:lnSpc>
-                <a:spcPct val="100000"/>
-              </a:lnSpc>
-            </a:pPr>
-            <a:fld id="{10925902-6C25-491D-8A70-3E60358032B6}" type="slidenum">
-              <a:rPr lang="de-DE" sz="1000" b="0" strike="noStrike" spc="-1">
+            <a:endParaRPr b="0" lang="de-DE" sz="1800" spc="-1" strike="noStrike">
+              <a:solidFill>
+                <a:srgbClr val="000000"/>
+              </a:solidFill>
+              <a:latin typeface="Arial"/>
+            </a:endParaRPr>
+          </a:p>
+          <a:p>
+            <a:pPr lvl="4" marL="2160000" indent="-216000">
+              <a:spcBef>
+                <a:spcPts val="283"/>
+              </a:spcBef>
+              <a:buClr>
+                <a:srgbClr val="000000"/>
+              </a:buClr>
+              <a:buSzPct val="45000"/>
+              <a:buFont typeface="Wingdings" charset="2"/>
+              <a:buChar char=""/>
+            </a:pPr>
+            <a:r>
+              <a:rPr b="0" lang="de-DE" sz="2000" spc="-1" strike="noStrike">
                 <a:solidFill>
-                  <a:srgbClr val="00618F"/>
+                  <a:srgbClr val="000000"/>
                 </a:solidFill>
-                <a:latin typeface="Arial Narrow"/>
-                <a:ea typeface="Georgia"/>
+                <a:latin typeface="Arial"/>
               </a:rPr>
-              <a:t>‹Nr.›</a:t>
-            </a:fld>
-            <a:endParaRPr lang="de-DE" sz="1000" b="0" strike="noStrike" spc="-1">
-              <a:latin typeface="Times New Roman"/>
-            </a:endParaRPr>
-          </a:p>
-        </p:txBody>
-      </p:sp>
-      <p:sp>
-        <p:nvSpPr>
-          <p:cNvPr id="4" name="PlaceHolder 5"/>
-          <p:cNvSpPr>
-            <a:spLocks noGrp="1"/>
-          </p:cNvSpPr>
-          <p:nvPr>
-            <p:ph type="ftr"/>
-          </p:nvPr>
-        </p:nvSpPr>
-        <p:spPr>
-          <a:xfrm>
-            <a:off x="1116000" y="6654960"/>
-            <a:ext cx="7056000" cy="167760"/>
-          </a:xfrm>
-          <a:prstGeom prst="rect">
-            <a:avLst/>
-          </a:prstGeom>
-        </p:spPr>
-        <p:txBody>
-          <a:bodyPr lIns="90000" tIns="0" rIns="90000" bIns="45000"/>
-          <a:lstStyle/>
-          <a:p>
-            <a:pPr>
-              <a:lnSpc>
-                <a:spcPct val="100000"/>
-              </a:lnSpc>
+              <a:t>Fünfte Gliederungsebene</a:t>
+            </a:r>
+            <a:endParaRPr b="0" lang="de-DE" sz="2000" spc="-1" strike="noStrike">
+              <a:solidFill>
+                <a:srgbClr val="000000"/>
+              </a:solidFill>
+              <a:latin typeface="Arial"/>
+            </a:endParaRPr>
+          </a:p>
+          <a:p>
+            <a:pPr lvl="5" marL="2592000" indent="-216000">
+              <a:spcBef>
+                <a:spcPts val="283"/>
+              </a:spcBef>
+              <a:buClr>
+                <a:srgbClr val="000000"/>
+              </a:buClr>
+              <a:buSzPct val="45000"/>
+              <a:buFont typeface="Wingdings" charset="2"/>
+              <a:buChar char=""/>
             </a:pPr>
             <a:r>
-              <a:rPr lang="de-DE" sz="1000" b="0" strike="noStrike" spc="-1">
+              <a:rPr b="0" lang="de-DE" sz="2000" spc="-1" strike="noStrike">
                 <a:solidFill>
-                  <a:srgbClr val="4D4B46"/>
+                  <a:srgbClr val="000000"/>
                 </a:solidFill>
-                <a:latin typeface="Arial Narrow"/>
-                <a:ea typeface="Georgia"/>
+                <a:latin typeface="Arial"/>
               </a:rPr>
-              <a:t>Titel der Veranstaltung</a:t>
+              <a:t>Sechste Gliederungsebene</a:t>
             </a:r>
-            <a:endParaRPr lang="de-DE" sz="1000" b="0" strike="noStrike" spc="-1">
-              <a:latin typeface="Times New Roman"/>
+            <a:endParaRPr b="0" lang="de-DE" sz="2000" spc="-1" strike="noStrike">
+              <a:solidFill>
+                <a:srgbClr val="000000"/>
+              </a:solidFill>
+              <a:latin typeface="Arial"/>
+            </a:endParaRPr>
+          </a:p>
+          <a:p>
+            <a:pPr lvl="6" marL="3024000" indent="-216000">
+              <a:spcBef>
+                <a:spcPts val="283"/>
+              </a:spcBef>
+              <a:buClr>
+                <a:srgbClr val="000000"/>
+              </a:buClr>
+              <a:buSzPct val="45000"/>
+              <a:buFont typeface="Wingdings" charset="2"/>
+              <a:buChar char=""/>
+            </a:pPr>
+            <a:r>
+              <a:rPr b="0" lang="de-DE" sz="2000" spc="-1" strike="noStrike">
+                <a:solidFill>
+                  <a:srgbClr val="000000"/>
+                </a:solidFill>
+                <a:latin typeface="Arial"/>
+              </a:rPr>
+              <a:t>Siebte Gliederungsebene</a:t>
+            </a:r>
+            <a:endParaRPr b="0" lang="de-DE" sz="2000" spc="-1" strike="noStrike">
+              <a:solidFill>
+                <a:srgbClr val="000000"/>
+              </a:solidFill>
+              <a:latin typeface="Arial"/>
             </a:endParaRPr>
           </a:p>
         </p:txBody>
       </p:sp>
     </p:spTree>
   </p:cSld>
-  <p:clrMap bg1="lt1" tx1="dk1" bg2="lt2" tx2="dk2" accent1="accent1" accent2="accent2" accent3="accent3" accent4="accent4" accent5="accent5" accent6="accent6" hlink="hlink" folHlink="folHlink"/>
+  <p:clrMap bg1="lt1" bg2="lt2" tx1="dk1" tx2="dk2" accent1="accent1" accent2="accent2" accent3="accent3" accent4="accent4" accent5="accent5" accent6="accent6" hlink="hlink" folHlink="folHlink"/>
   <p:sldLayoutIdLst>
-    <p:sldLayoutId id="2147483649" r:id="rId1"/>
-    <p:sldLayoutId id="2147483650" r:id="rId2"/>
-    <p:sldLayoutId id="2147483651" r:id="rId3"/>
-    <p:sldLayoutId id="2147483652" r:id="rId4"/>
-    <p:sldLayoutId id="2147483653" r:id="rId5"/>
-    <p:sldLayoutId id="2147483654" r:id="rId6"/>
-    <p:sldLayoutId id="2147483655" r:id="rId7"/>
-    <p:sldLayoutId id="2147483656" r:id="rId8"/>
-    <p:sldLayoutId id="2147483657" r:id="rId9"/>
-    <p:sldLayoutId id="2147483658" r:id="rId10"/>
-    <p:sldLayoutId id="2147483659" r:id="rId11"/>
-    <p:sldLayoutId id="2147483660" r:id="rId12"/>
+    <p:sldLayoutId id="2147483649" r:id="rId3"/>
+    <p:sldLayoutId id="2147483650" r:id="rId4"/>
+    <p:sldLayoutId id="2147483651" r:id="rId5"/>
+    <p:sldLayoutId id="2147483652" r:id="rId6"/>
+    <p:sldLayoutId id="2147483653" r:id="rId7"/>
+    <p:sldLayoutId id="2147483654" r:id="rId8"/>
+    <p:sldLayoutId id="2147483655" r:id="rId9"/>
+    <p:sldLayoutId id="2147483656" r:id="rId10"/>
+    <p:sldLayoutId id="2147483657" r:id="rId11"/>
+    <p:sldLayoutId id="2147483658" r:id="rId12"/>
+    <p:sldLayoutId id="2147483659" r:id="rId13"/>
+    <p:sldLayoutId id="2147483660" r:id="rId14"/>
   </p:sldLayoutIdLst>
-  <p:txStyles>
-    <p:titleStyle/>
-    <p:bodyStyle/>
-    <p:otherStyle/>
-  </p:txStyles>
 </p:sldMaster>
 </file>
 
 <file path=ppt/slides/slide1.xml><?xml version="1.0" encoding="utf-8"?>
-<p:sld xmlns:a="http://schemas.openxmlformats.org/drawingml/2006/main" xmlns:r="http://schemas.openxmlformats.org/officeDocument/2006/relationships" xmlns:p="http://schemas.openxmlformats.org/presentationml/2006/main">
+<p:sld xmlns:a="http://schemas.openxmlformats.org/drawingml/2006/main" xmlns:p="http://schemas.openxmlformats.org/presentationml/2006/main" xmlns:r="http://schemas.openxmlformats.org/officeDocument/2006/relationships" xmlns:p14="http://schemas.microsoft.com/office/powerpoint/2010/main" xmlns:p15="http://schemas.microsoft.com/office/powerpoint/2012/main" xmlns:mc="http://schemas.openxmlformats.org/markup-compatibility/2006">
   <p:cSld>
     <p:spTree>
       <p:nvGrpSpPr>
@@ -3107,14 +2599,14 @@
       </p:grpSpPr>
       <p:sp>
         <p:nvSpPr>
-          <p:cNvPr id="47" name="TextShape 1"/>
-          <p:cNvSpPr txBox="1"/>
+          <p:cNvPr id="45" name="CustomShape 1"/>
+          <p:cNvSpPr/>
           <p:nvPr/>
         </p:nvSpPr>
         <p:spPr>
           <a:xfrm>
             <a:off x="8640000" y="6660000"/>
-            <a:ext cx="345600" cy="179640"/>
+            <a:ext cx="345240" cy="179280"/>
           </a:xfrm>
           <a:prstGeom prst="rect">
             <a:avLst/>
@@ -3124,41 +2616,46 @@
             <a:noFill/>
           </a:ln>
         </p:spPr>
-        <p:txBody>
-          <a:bodyPr lIns="0" tIns="0" rIns="0" bIns="0"/>
-          <a:lstStyle/>
+        <p:style>
+          <a:lnRef idx="0"/>
+          <a:fillRef idx="0"/>
+          <a:effectRef idx="0"/>
+          <a:fontRef idx="minor"/>
+        </p:style>
+        <p:txBody>
+          <a:bodyPr lIns="0" rIns="0" tIns="0" bIns="0"/>
           <a:p>
             <a:pPr algn="r">
               <a:lnSpc>
                 <a:spcPct val="100000"/>
               </a:lnSpc>
             </a:pPr>
-            <a:fld id="{8CE1DF65-C9A5-4F3A-A27D-AFE99E77D128}" type="slidenum">
-              <a:rPr lang="de-DE" sz="1000" b="0" strike="noStrike" spc="-1">
+            <a:fld id="{3DB7730B-2A6C-41F4-8B69-4DEA2D65FCF1}" type="slidenum">
+              <a:rPr b="0" lang="de-DE" sz="1000" spc="-1" strike="noStrike">
                 <a:solidFill>
-                  <a:srgbClr val="00618F"/>
+                  <a:srgbClr val="00618f"/>
                 </a:solidFill>
                 <a:latin typeface="Arial Narrow"/>
                 <a:ea typeface="Georgia"/>
               </a:rPr>
               <a:t>1</a:t>
             </a:fld>
-            <a:endParaRPr lang="de-DE" sz="1000" b="0" strike="noStrike" spc="-1">
-              <a:latin typeface="Times New Roman"/>
-            </a:endParaRPr>
-          </a:p>
-        </p:txBody>
-      </p:sp>
-      <p:sp>
-        <p:nvSpPr>
-          <p:cNvPr id="48" name="TextShape 2"/>
-          <p:cNvSpPr txBox="1"/>
+            <a:endParaRPr b="0" lang="de-DE" sz="1000" spc="-1" strike="noStrike">
+              <a:latin typeface="Arial"/>
+            </a:endParaRPr>
+          </a:p>
+        </p:txBody>
+      </p:sp>
+      <p:sp>
+        <p:nvSpPr>
+          <p:cNvPr id="46" name="CustomShape 2"/>
+          <p:cNvSpPr/>
           <p:nvPr/>
         </p:nvSpPr>
         <p:spPr>
           <a:xfrm>
             <a:off x="1116000" y="6654960"/>
-            <a:ext cx="7056000" cy="167760"/>
+            <a:ext cx="7055640" cy="167400"/>
           </a:xfrm>
           <a:prstGeom prst="rect">
             <a:avLst/>
@@ -3168,9 +2665,14 @@
             <a:noFill/>
           </a:ln>
         </p:spPr>
-        <p:txBody>
-          <a:bodyPr lIns="90000" tIns="0" rIns="90000" bIns="45000"/>
-          <a:lstStyle/>
+        <p:style>
+          <a:lnRef idx="0"/>
+          <a:fillRef idx="0"/>
+          <a:effectRef idx="0"/>
+          <a:fontRef idx="minor"/>
+        </p:style>
+        <p:txBody>
+          <a:bodyPr lIns="90000" rIns="90000" tIns="0" bIns="45000"/>
           <a:p>
             <a:pPr>
               <a:lnSpc>
@@ -3178,31 +2680,31 @@
               </a:lnSpc>
             </a:pPr>
             <a:r>
-              <a:rPr lang="de-DE" sz="1000" b="0" strike="noStrike" spc="-1">
+              <a:rPr b="0" lang="de-DE" sz="1000" spc="-1" strike="noStrike">
                 <a:solidFill>
-                  <a:srgbClr val="4D4B46"/>
+                  <a:srgbClr val="4d4b46"/>
                 </a:solidFill>
                 <a:latin typeface="Arial Narrow"/>
                 <a:ea typeface="Georgia"/>
               </a:rPr>
               <a:t>Data Science 1 – Mariella Zunker, Robin Mayer, Nils Nover</a:t>
             </a:r>
-            <a:endParaRPr lang="de-DE" sz="1000" b="0" strike="noStrike" spc="-1">
-              <a:latin typeface="Times New Roman"/>
-            </a:endParaRPr>
-          </a:p>
-        </p:txBody>
-      </p:sp>
-      <p:sp>
-        <p:nvSpPr>
-          <p:cNvPr id="49" name="CustomShape 3"/>
+            <a:endParaRPr b="0" lang="de-DE" sz="1000" spc="-1" strike="noStrike">
+              <a:latin typeface="Arial"/>
+            </a:endParaRPr>
+          </a:p>
+        </p:txBody>
+      </p:sp>
+      <p:sp>
+        <p:nvSpPr>
+          <p:cNvPr id="47" name="CustomShape 3"/>
           <p:cNvSpPr/>
           <p:nvPr/>
         </p:nvSpPr>
         <p:spPr>
           <a:xfrm>
             <a:off x="630000" y="2187360"/>
-            <a:ext cx="8280720" cy="2897280"/>
+            <a:ext cx="8280360" cy="2896920"/>
           </a:xfrm>
           <a:prstGeom prst="rect">
             <a:avLst/>
@@ -3213,20 +2715,13 @@
           </a:ln>
         </p:spPr>
         <p:style>
-          <a:lnRef idx="0">
-            <a:scrgbClr r="0" g="0" b="0"/>
-          </a:lnRef>
-          <a:fillRef idx="0">
-            <a:scrgbClr r="0" g="0" b="0"/>
-          </a:fillRef>
-          <a:effectRef idx="0">
-            <a:scrgbClr r="0" g="0" b="0"/>
-          </a:effectRef>
+          <a:lnRef idx="0"/>
+          <a:fillRef idx="0"/>
+          <a:effectRef idx="0"/>
           <a:fontRef idx="minor"/>
         </p:style>
         <p:txBody>
-          <a:bodyPr lIns="90000" tIns="45000" rIns="90000" bIns="45000" anchor="ctr"/>
-          <a:lstStyle/>
+          <a:bodyPr lIns="90000" rIns="90000" tIns="45000" bIns="45000" anchor="ctr"/>
           <a:p>
             <a:pPr algn="ctr">
               <a:lnSpc>
@@ -3234,7 +2729,7 @@
               </a:lnSpc>
             </a:pPr>
             <a:r>
-              <a:rPr lang="de-DE" sz="3600" b="0" strike="noStrike" spc="-1">
+              <a:rPr b="0" lang="de-DE" sz="3600" spc="-1" strike="noStrike">
                 <a:solidFill>
                   <a:srgbClr val="000000"/>
                 </a:solidFill>
@@ -3243,7 +2738,7 @@
               </a:rPr>
               <a:t>Praktikumsbericht Data Science 1</a:t>
             </a:r>
-            <a:endParaRPr lang="de-DE" sz="3600" b="0" strike="noStrike" spc="-1">
+            <a:endParaRPr b="0" lang="de-DE" sz="3600" spc="-1" strike="noStrike">
               <a:latin typeface="Arial"/>
             </a:endParaRPr>
           </a:p>
@@ -3254,7 +2749,7 @@
               </a:lnSpc>
             </a:pPr>
             <a:r>
-              <a:rPr lang="de-DE" sz="3600" b="0" strike="noStrike" spc="-1">
+              <a:rPr b="0" lang="de-DE" sz="3600" spc="-1" strike="noStrike">
                 <a:solidFill>
                   <a:srgbClr val="000000"/>
                 </a:solidFill>
@@ -3263,22 +2758,22 @@
               </a:rPr>
               <a:t>Mariella Zunker, Robin Mayer, Nils Nover</a:t>
             </a:r>
-            <a:endParaRPr lang="de-DE" sz="3600" b="0" strike="noStrike" spc="-1">
-              <a:latin typeface="Arial"/>
-            </a:endParaRPr>
-          </a:p>
-        </p:txBody>
-      </p:sp>
-      <p:sp>
-        <p:nvSpPr>
-          <p:cNvPr id="50" name="CustomShape 4"/>
+            <a:endParaRPr b="0" lang="de-DE" sz="3600" spc="-1" strike="noStrike">
+              <a:latin typeface="Arial"/>
+            </a:endParaRPr>
+          </a:p>
+        </p:txBody>
+      </p:sp>
+      <p:sp>
+        <p:nvSpPr>
+          <p:cNvPr id="48" name="CustomShape 4"/>
           <p:cNvSpPr/>
           <p:nvPr/>
         </p:nvSpPr>
         <p:spPr>
           <a:xfrm>
             <a:off x="630000" y="404640"/>
-            <a:ext cx="8280720" cy="1206360"/>
+            <a:ext cx="8280360" cy="1206000"/>
           </a:xfrm>
           <a:prstGeom prst="rect">
             <a:avLst/>
@@ -3289,22 +2784,15 @@
           </a:ln>
         </p:spPr>
         <p:style>
-          <a:lnRef idx="0">
-            <a:scrgbClr r="0" g="0" b="0"/>
-          </a:lnRef>
-          <a:fillRef idx="0">
-            <a:scrgbClr r="0" g="0" b="0"/>
-          </a:fillRef>
-          <a:effectRef idx="0">
-            <a:scrgbClr r="0" g="0" b="0"/>
-          </a:effectRef>
+          <a:lnRef idx="0"/>
+          <a:fillRef idx="0"/>
+          <a:effectRef idx="0"/>
           <a:fontRef idx="minor"/>
         </p:style>
         <p:txBody>
-          <a:bodyPr lIns="90000" tIns="45000" rIns="90000" bIns="45000"/>
-          <a:lstStyle/>
-          <a:p>
-            <a:pPr marL="343080" indent="-342720">
+          <a:bodyPr lIns="90000" rIns="90000" tIns="45000" bIns="45000"/>
+          <a:p>
+            <a:pPr marL="343080" indent="-342360">
               <a:lnSpc>
                 <a:spcPct val="100000"/>
               </a:lnSpc>
@@ -3313,15 +2801,16 @@
               </a:spcBef>
             </a:pPr>
             <a:r>
-              <a:rPr lang="de-DE" sz="1600" b="0" strike="noStrike" spc="-1">
+              <a:rPr b="0" lang="de-DE" sz="1600" spc="-1" strike="noStrike">
                 <a:solidFill>
                   <a:srgbClr val="000000"/>
                 </a:solidFill>
                 <a:latin typeface="Arial Narrow"/>
+                <a:ea typeface="DejaVu Sans"/>
               </a:rPr>
               <a:t>30.06.2020</a:t>
             </a:r>
-            <a:endParaRPr lang="de-DE" sz="1600" b="0" strike="noStrike" spc="-1">
+            <a:endParaRPr b="0" lang="de-DE" sz="1600" spc="-1" strike="noStrike">
               <a:latin typeface="Arial"/>
             </a:endParaRPr>
           </a:p>
@@ -3329,9 +2818,6 @@
       </p:sp>
     </p:spTree>
   </p:cSld>
-  <p:clrMapOvr>
-    <a:masterClrMapping/>
-  </p:clrMapOvr>
   <p:timing>
     <p:tnLst>
       <p:par>
@@ -3340,14 +2826,14 @@
             <p:seq>
               <p:cTn id="2" dur="indefinite" nodeType="mainSeq"/>
               <p:prevCondLst>
-                <p:cond evt="onPrev" delay="0">
+                <p:cond delay="0" evt="onPrev">
                   <p:tgtEl>
                     <p:sldTgt/>
                   </p:tgtEl>
                 </p:cond>
               </p:prevCondLst>
               <p:nextCondLst>
-                <p:cond evt="onNext" delay="0">
+                <p:cond delay="0" evt="onNext">
                   <p:tgtEl>
                     <p:sldTgt/>
                   </p:tgtEl>
@@ -3363,7 +2849,7 @@
 </file>
 
 <file path=ppt/slides/slide2.xml><?xml version="1.0" encoding="utf-8"?>
-<p:sld xmlns:a="http://schemas.openxmlformats.org/drawingml/2006/main" xmlns:r="http://schemas.openxmlformats.org/officeDocument/2006/relationships" xmlns:p="http://schemas.openxmlformats.org/presentationml/2006/main">
+<p:sld xmlns:a="http://schemas.openxmlformats.org/drawingml/2006/main" xmlns:p="http://schemas.openxmlformats.org/presentationml/2006/main" xmlns:r="http://schemas.openxmlformats.org/officeDocument/2006/relationships" xmlns:p14="http://schemas.microsoft.com/office/powerpoint/2010/main" xmlns:p15="http://schemas.microsoft.com/office/powerpoint/2012/main" xmlns:mc="http://schemas.openxmlformats.org/markup-compatibility/2006">
   <p:cSld>
     <p:spTree>
       <p:nvGrpSpPr>
@@ -3381,14 +2867,14 @@
       </p:grpSpPr>
       <p:sp>
         <p:nvSpPr>
-          <p:cNvPr id="51" name="TextShape 1"/>
-          <p:cNvSpPr txBox="1"/>
+          <p:cNvPr id="49" name="CustomShape 1"/>
+          <p:cNvSpPr/>
           <p:nvPr/>
         </p:nvSpPr>
         <p:spPr>
           <a:xfrm>
             <a:off x="637560" y="116640"/>
-            <a:ext cx="6598440" cy="791640"/>
+            <a:ext cx="6598080" cy="791280"/>
           </a:xfrm>
           <a:prstGeom prst="rect">
             <a:avLst/>
@@ -3398,9 +2884,14 @@
             <a:noFill/>
           </a:ln>
         </p:spPr>
-        <p:txBody>
-          <a:bodyPr lIns="0" tIns="0" rIns="0" bIns="0" anchor="b"/>
-          <a:lstStyle/>
+        <p:style>
+          <a:lnRef idx="0"/>
+          <a:fillRef idx="0"/>
+          <a:effectRef idx="0"/>
+          <a:fontRef idx="minor"/>
+        </p:style>
+        <p:txBody>
+          <a:bodyPr lIns="0" rIns="0" tIns="0" bIns="0" anchor="b"/>
           <a:p>
             <a:pPr>
               <a:lnSpc>
@@ -3408,34 +2899,31 @@
               </a:lnSpc>
             </a:pPr>
             <a:r>
-              <a:rPr lang="de-DE" sz="1400" b="0" strike="noStrike" spc="-1">
+              <a:rPr b="0" lang="de-DE" sz="1400" spc="-1" strike="noStrike">
                 <a:solidFill>
-                  <a:srgbClr val="004F8F"/>
+                  <a:srgbClr val="004f8f"/>
                 </a:solidFill>
                 <a:latin typeface="Arial"/>
                 <a:ea typeface="Arial Narrow"/>
               </a:rPr>
               <a:t>	</a:t>
             </a:r>
-            <a:endParaRPr lang="de-DE" sz="1400" b="0" strike="noStrike" spc="-1">
-              <a:solidFill>
-                <a:srgbClr val="004F8F"/>
-              </a:solidFill>
-              <a:latin typeface="Georgia"/>
-            </a:endParaRPr>
-          </a:p>
-        </p:txBody>
-      </p:sp>
-      <p:sp>
-        <p:nvSpPr>
-          <p:cNvPr id="52" name="TextShape 2"/>
-          <p:cNvSpPr txBox="1"/>
+            <a:endParaRPr b="0" lang="de-DE" sz="1400" spc="-1" strike="noStrike">
+              <a:latin typeface="Arial"/>
+            </a:endParaRPr>
+          </a:p>
+        </p:txBody>
+      </p:sp>
+      <p:sp>
+        <p:nvSpPr>
+          <p:cNvPr id="50" name="CustomShape 2"/>
+          <p:cNvSpPr/>
           <p:nvPr/>
         </p:nvSpPr>
         <p:spPr>
           <a:xfrm>
             <a:off x="8640000" y="6660000"/>
-            <a:ext cx="345600" cy="179640"/>
+            <a:ext cx="345240" cy="179280"/>
           </a:xfrm>
           <a:prstGeom prst="rect">
             <a:avLst/>
@@ -3445,41 +2933,46 @@
             <a:noFill/>
           </a:ln>
         </p:spPr>
-        <p:txBody>
-          <a:bodyPr lIns="0" tIns="0" rIns="0" bIns="0"/>
-          <a:lstStyle/>
+        <p:style>
+          <a:lnRef idx="0"/>
+          <a:fillRef idx="0"/>
+          <a:effectRef idx="0"/>
+          <a:fontRef idx="minor"/>
+        </p:style>
+        <p:txBody>
+          <a:bodyPr lIns="0" rIns="0" tIns="0" bIns="0"/>
           <a:p>
             <a:pPr algn="r">
               <a:lnSpc>
                 <a:spcPct val="100000"/>
               </a:lnSpc>
             </a:pPr>
-            <a:fld id="{F7565E0A-69F3-44E0-8888-551634B68B93}" type="slidenum">
-              <a:rPr lang="de-DE" sz="1000" b="0" strike="noStrike" spc="-1">
+            <a:fld id="{8CD9BC77-CCD5-496A-9654-77120C58A334}" type="slidenum">
+              <a:rPr b="0" lang="de-DE" sz="1000" spc="-1" strike="noStrike">
                 <a:solidFill>
-                  <a:srgbClr val="00618F"/>
+                  <a:srgbClr val="00618f"/>
                 </a:solidFill>
                 <a:latin typeface="Arial Narrow"/>
                 <a:ea typeface="Georgia"/>
               </a:rPr>
-              <a:t>2</a:t>
+              <a:t>1</a:t>
             </a:fld>
-            <a:endParaRPr lang="de-DE" sz="1000" b="0" strike="noStrike" spc="-1">
-              <a:latin typeface="Times New Roman"/>
-            </a:endParaRPr>
-          </a:p>
-        </p:txBody>
-      </p:sp>
-      <p:sp>
-        <p:nvSpPr>
-          <p:cNvPr id="53" name="TextShape 3"/>
-          <p:cNvSpPr txBox="1"/>
+            <a:endParaRPr b="0" lang="de-DE" sz="1000" spc="-1" strike="noStrike">
+              <a:latin typeface="Arial"/>
+            </a:endParaRPr>
+          </a:p>
+        </p:txBody>
+      </p:sp>
+      <p:sp>
+        <p:nvSpPr>
+          <p:cNvPr id="51" name="CustomShape 3"/>
+          <p:cNvSpPr/>
           <p:nvPr/>
         </p:nvSpPr>
         <p:spPr>
           <a:xfrm>
             <a:off x="1116000" y="6654960"/>
-            <a:ext cx="7056000" cy="167760"/>
+            <a:ext cx="7055640" cy="167400"/>
           </a:xfrm>
           <a:prstGeom prst="rect">
             <a:avLst/>
@@ -3489,9 +2982,14 @@
             <a:noFill/>
           </a:ln>
         </p:spPr>
-        <p:txBody>
-          <a:bodyPr lIns="90000" tIns="0" rIns="90000" bIns="45000"/>
-          <a:lstStyle/>
+        <p:style>
+          <a:lnRef idx="0"/>
+          <a:fillRef idx="0"/>
+          <a:effectRef idx="0"/>
+          <a:fontRef idx="minor"/>
+        </p:style>
+        <p:txBody>
+          <a:bodyPr lIns="90000" rIns="90000" tIns="0" bIns="45000"/>
           <a:p>
             <a:pPr>
               <a:lnSpc>
@@ -3499,24 +2997,70 @@
               </a:lnSpc>
             </a:pPr>
             <a:r>
-              <a:rPr lang="de-DE" sz="1000" b="0" strike="noStrike" spc="-1">
+              <a:rPr b="0" lang="de-DE" sz="1000" spc="-1" strike="noStrike">
                 <a:solidFill>
-                  <a:srgbClr val="4D4B46"/>
+                  <a:srgbClr val="4d4b46"/>
                 </a:solidFill>
                 <a:latin typeface="Arial Narrow"/>
                 <a:ea typeface="Georgia"/>
               </a:rPr>
               <a:t>Data Science 1 – Mariella Zunker, Robin Mayer, Nils Nover</a:t>
             </a:r>
-            <a:endParaRPr lang="de-DE" sz="1000" b="0" strike="noStrike" spc="-1">
-              <a:latin typeface="Times New Roman"/>
+            <a:endParaRPr b="0" lang="de-DE" sz="1000" spc="-1" strike="noStrike">
+              <a:latin typeface="Arial"/>
             </a:endParaRPr>
           </a:p>
         </p:txBody>
       </p:sp>
       <p:pic>
         <p:nvPicPr>
-          <p:cNvPr id="54" name="Picture 2"/>
+          <p:cNvPr id="52" name="Picture 2" descr=""/>
+          <p:cNvPicPr/>
+          <p:nvPr/>
+        </p:nvPicPr>
+        <p:blipFill>
+          <a:blip r:embed="rId1"/>
+          <a:stretch/>
+        </p:blipFill>
+        <p:spPr>
+          <a:xfrm>
+            <a:off x="755640" y="692640"/>
+            <a:ext cx="4005360" cy="3263760"/>
+          </a:xfrm>
+          <a:prstGeom prst="rect">
+            <a:avLst/>
+          </a:prstGeom>
+          <a:ln>
+            <a:noFill/>
+          </a:ln>
+        </p:spPr>
+      </p:pic>
+      <p:pic>
+        <p:nvPicPr>
+          <p:cNvPr id="53" name="Picture 3" descr=""/>
+          <p:cNvPicPr/>
+          <p:nvPr/>
+        </p:nvPicPr>
+        <p:blipFill>
+          <a:blip r:embed="rId2"/>
+          <a:stretch/>
+        </p:blipFill>
+        <p:spPr>
+          <a:xfrm>
+            <a:off x="4860000" y="1196640"/>
+            <a:ext cx="4134960" cy="1314360"/>
+          </a:xfrm>
+          <a:prstGeom prst="rect">
+            <a:avLst/>
+          </a:prstGeom>
+          <a:ln>
+            <a:noFill/>
+          </a:ln>
+        </p:spPr>
+      </p:pic>
+      <p:pic>
+        <p:nvPicPr>
+          <p:cNvPr id="54" name="Picture 4" descr=""/>
           <p:cNvPicPr/>
           <p:nvPr/>
         </p:nvPicPr>
@@ -3526,8 +3070,8 @@
         </p:blipFill>
         <p:spPr>
           <a:xfrm>
-            <a:off x="755640" y="692640"/>
-            <a:ext cx="4005720" cy="3264120"/>
+            <a:off x="4572000" y="764640"/>
+            <a:ext cx="904320" cy="285120"/>
           </a:xfrm>
           <a:prstGeom prst="rect">
             <a:avLst/>
@@ -3539,7 +3083,7 @@
       </p:pic>
       <p:pic>
         <p:nvPicPr>
-          <p:cNvPr id="55" name="Picture 3"/>
+          <p:cNvPr id="55" name="Picture 5" descr=""/>
           <p:cNvPicPr/>
           <p:nvPr/>
         </p:nvPicPr>
@@ -3549,8 +3093,8 @@
         </p:blipFill>
         <p:spPr>
           <a:xfrm>
-            <a:off x="4860000" y="1196640"/>
-            <a:ext cx="4135320" cy="1314720"/>
+            <a:off x="4860000" y="3061800"/>
+            <a:ext cx="4031640" cy="1020960"/>
           </a:xfrm>
           <a:prstGeom prst="rect">
             <a:avLst/>
@@ -3562,7 +3106,7 @@
       </p:pic>
       <p:pic>
         <p:nvPicPr>
-          <p:cNvPr id="56" name="Picture 4"/>
+          <p:cNvPr id="56" name="Picture 6" descr=""/>
           <p:cNvPicPr/>
           <p:nvPr/>
         </p:nvPicPr>
@@ -3572,8 +3116,8 @@
         </p:blipFill>
         <p:spPr>
           <a:xfrm>
-            <a:off x="4572000" y="764640"/>
-            <a:ext cx="904680" cy="285480"/>
+            <a:off x="5292000" y="2781000"/>
+            <a:ext cx="2775600" cy="432000"/>
           </a:xfrm>
           <a:prstGeom prst="rect">
             <a:avLst/>
@@ -3585,7 +3129,7 @@
       </p:pic>
       <p:pic>
         <p:nvPicPr>
-          <p:cNvPr id="57" name="Picture 5"/>
+          <p:cNvPr id="57" name="Picture 7" descr=""/>
           <p:cNvPicPr/>
           <p:nvPr/>
         </p:nvPicPr>
@@ -3595,8 +3139,8 @@
         </p:blipFill>
         <p:spPr>
           <a:xfrm>
-            <a:off x="4860000" y="3061800"/>
-            <a:ext cx="4032000" cy="1021320"/>
+            <a:off x="864720" y="4460400"/>
+            <a:ext cx="3896280" cy="974880"/>
           </a:xfrm>
           <a:prstGeom prst="rect">
             <a:avLst/>
@@ -3608,7 +3152,7 @@
       </p:pic>
       <p:pic>
         <p:nvPicPr>
-          <p:cNvPr id="58" name="Picture 6"/>
+          <p:cNvPr id="58" name="Picture 8" descr=""/>
           <p:cNvPicPr/>
           <p:nvPr/>
         </p:nvPicPr>
@@ -3618,8 +3162,8 @@
         </p:blipFill>
         <p:spPr>
           <a:xfrm>
-            <a:off x="5292000" y="2781000"/>
-            <a:ext cx="2775960" cy="432360"/>
+            <a:off x="1697040" y="4305600"/>
+            <a:ext cx="2122560" cy="309240"/>
           </a:xfrm>
           <a:prstGeom prst="rect">
             <a:avLst/>
@@ -3631,7 +3175,7 @@
       </p:pic>
       <p:pic>
         <p:nvPicPr>
-          <p:cNvPr id="59" name="Picture 7"/>
+          <p:cNvPr id="59" name="Picture 9" descr=""/>
           <p:cNvPicPr/>
           <p:nvPr/>
         </p:nvPicPr>
@@ -3641,8 +3185,8 @@
         </p:blipFill>
         <p:spPr>
           <a:xfrm>
-            <a:off x="864720" y="4460400"/>
-            <a:ext cx="3896640" cy="975240"/>
+            <a:off x="4888080" y="4653000"/>
+            <a:ext cx="4060080" cy="1209960"/>
           </a:xfrm>
           <a:prstGeom prst="rect">
             <a:avLst/>
@@ -3654,7 +3198,7 @@
       </p:pic>
       <p:pic>
         <p:nvPicPr>
-          <p:cNvPr id="60" name="Picture 8"/>
+          <p:cNvPr id="60" name="Picture 10" descr=""/>
           <p:cNvPicPr/>
           <p:nvPr/>
         </p:nvPicPr>
@@ -3664,8 +3208,8 @@
         </p:blipFill>
         <p:spPr>
           <a:xfrm>
-            <a:off x="1697040" y="4305600"/>
-            <a:ext cx="2122920" cy="309600"/>
+            <a:off x="6408360" y="4267440"/>
+            <a:ext cx="935280" cy="384840"/>
           </a:xfrm>
           <a:prstGeom prst="rect">
             <a:avLst/>
@@ -3677,7 +3221,7 @@
       </p:pic>
       <p:pic>
         <p:nvPicPr>
-          <p:cNvPr id="61" name="Picture 9"/>
+          <p:cNvPr id="61" name="Picture 11" descr=""/>
           <p:cNvPicPr/>
           <p:nvPr/>
         </p:nvPicPr>
@@ -3687,8 +3231,8 @@
         </p:blipFill>
         <p:spPr>
           <a:xfrm>
-            <a:off x="4888080" y="4653000"/>
-            <a:ext cx="4060440" cy="1210320"/>
+            <a:off x="447480" y="5733360"/>
+            <a:ext cx="4278600" cy="863280"/>
           </a:xfrm>
           <a:prstGeom prst="rect">
             <a:avLst/>
@@ -3700,7 +3244,7 @@
       </p:pic>
       <p:pic>
         <p:nvPicPr>
-          <p:cNvPr id="62" name="Picture 10"/>
+          <p:cNvPr id="62" name="Picture 12" descr=""/>
           <p:cNvPicPr/>
           <p:nvPr/>
         </p:nvPicPr>
@@ -3710,8 +3254,8 @@
         </p:blipFill>
         <p:spPr>
           <a:xfrm>
-            <a:off x="6408360" y="4267440"/>
-            <a:ext cx="935640" cy="385200"/>
+            <a:off x="2610360" y="5490720"/>
+            <a:ext cx="888480" cy="381240"/>
           </a:xfrm>
           <a:prstGeom prst="rect">
             <a:avLst/>
@@ -3721,73 +3265,24 @@
           </a:ln>
         </p:spPr>
       </p:pic>
-      <p:pic>
-        <p:nvPicPr>
-          <p:cNvPr id="63" name="Picture 11"/>
-          <p:cNvPicPr/>
-          <p:nvPr/>
-        </p:nvPicPr>
-        <p:blipFill>
-          <a:blip r:embed="rId12"/>
-          <a:stretch/>
-        </p:blipFill>
-        <p:spPr>
-          <a:xfrm>
-            <a:off x="447480" y="5733360"/>
-            <a:ext cx="4278960" cy="863640"/>
-          </a:xfrm>
-          <a:prstGeom prst="rect">
-            <a:avLst/>
-          </a:prstGeom>
-          <a:ln>
-            <a:noFill/>
-          </a:ln>
-        </p:spPr>
-      </p:pic>
-      <p:pic>
-        <p:nvPicPr>
-          <p:cNvPr id="64" name="Picture 12"/>
-          <p:cNvPicPr/>
-          <p:nvPr/>
-        </p:nvPicPr>
-        <p:blipFill>
-          <a:blip r:embed="rId13"/>
-          <a:stretch/>
-        </p:blipFill>
-        <p:spPr>
-          <a:xfrm>
-            <a:off x="2610360" y="5490720"/>
-            <a:ext cx="888840" cy="381600"/>
-          </a:xfrm>
-          <a:prstGeom prst="rect">
-            <a:avLst/>
-          </a:prstGeom>
-          <a:ln>
-            <a:noFill/>
-          </a:ln>
-        </p:spPr>
-      </p:pic>
     </p:spTree>
   </p:cSld>
-  <p:clrMapOvr>
-    <a:masterClrMapping/>
-  </p:clrMapOvr>
   <p:timing>
     <p:tnLst>
       <p:par>
-        <p:cTn id="1" dur="indefinite" restart="never" nodeType="tmRoot">
+        <p:cTn id="3" dur="indefinite" restart="never" nodeType="tmRoot">
           <p:childTnLst>
             <p:seq>
-              <p:cTn id="2" dur="indefinite" nodeType="mainSeq"/>
+              <p:cTn id="4" dur="indefinite" nodeType="mainSeq"/>
               <p:prevCondLst>
-                <p:cond evt="onPrev" delay="0">
+                <p:cond delay="0" evt="onPrev">
                   <p:tgtEl>
                     <p:sldTgt/>
                   </p:tgtEl>
                 </p:cond>
               </p:prevCondLst>
               <p:nextCondLst>
-                <p:cond evt="onNext" delay="0">
+                <p:cond delay="0" evt="onNext">
                   <p:tgtEl>
                     <p:sldTgt/>
                   </p:tgtEl>
@@ -3803,7 +3298,7 @@
 </file>
 
 <file path=ppt/slides/slide3.xml><?xml version="1.0" encoding="utf-8"?>
-<p:sld xmlns:a="http://schemas.openxmlformats.org/drawingml/2006/main" xmlns:r="http://schemas.openxmlformats.org/officeDocument/2006/relationships" xmlns:p="http://schemas.openxmlformats.org/presentationml/2006/main">
+<p:sld xmlns:a="http://schemas.openxmlformats.org/drawingml/2006/main" xmlns:p="http://schemas.openxmlformats.org/presentationml/2006/main" xmlns:r="http://schemas.openxmlformats.org/officeDocument/2006/relationships" xmlns:p14="http://schemas.microsoft.com/office/powerpoint/2010/main" xmlns:p15="http://schemas.microsoft.com/office/powerpoint/2012/main" xmlns:mc="http://schemas.openxmlformats.org/markup-compatibility/2006">
   <p:cSld>
     <p:spTree>
       <p:nvGrpSpPr>
@@ -3821,14 +3316,14 @@
       </p:grpSpPr>
       <p:sp>
         <p:nvSpPr>
-          <p:cNvPr id="65" name="TextShape 1"/>
-          <p:cNvSpPr txBox="1"/>
+          <p:cNvPr id="63" name="CustomShape 1"/>
+          <p:cNvSpPr/>
           <p:nvPr/>
         </p:nvSpPr>
         <p:spPr>
           <a:xfrm>
             <a:off x="637560" y="116640"/>
-            <a:ext cx="6598440" cy="791640"/>
+            <a:ext cx="6598080" cy="791280"/>
           </a:xfrm>
           <a:prstGeom prst="rect">
             <a:avLst/>
@@ -3838,9 +3333,14 @@
             <a:noFill/>
           </a:ln>
         </p:spPr>
-        <p:txBody>
-          <a:bodyPr lIns="0" tIns="0" rIns="0" bIns="0" anchor="b"/>
-          <a:lstStyle/>
+        <p:style>
+          <a:lnRef idx="0"/>
+          <a:fillRef idx="0"/>
+          <a:effectRef idx="0"/>
+          <a:fontRef idx="minor"/>
+        </p:style>
+        <p:txBody>
+          <a:bodyPr lIns="0" rIns="0" tIns="0" bIns="0" anchor="b"/>
           <a:p>
             <a:pPr>
               <a:lnSpc>
@@ -3848,34 +3348,31 @@
               </a:lnSpc>
             </a:pPr>
             <a:r>
-              <a:rPr lang="de-DE" sz="1400" b="0" strike="noStrike" spc="-1">
+              <a:rPr b="0" lang="de-DE" sz="1400" spc="-1" strike="noStrike">
                 <a:solidFill>
-                  <a:srgbClr val="004F8F"/>
+                  <a:srgbClr val="004f8f"/>
                 </a:solidFill>
                 <a:latin typeface="Arial"/>
                 <a:ea typeface="Arial Narrow"/>
               </a:rPr>
               <a:t>	</a:t>
             </a:r>
-            <a:endParaRPr lang="de-DE" sz="1400" b="0" strike="noStrike" spc="-1">
-              <a:solidFill>
-                <a:srgbClr val="004F8F"/>
-              </a:solidFill>
-              <a:latin typeface="Georgia"/>
-            </a:endParaRPr>
-          </a:p>
-        </p:txBody>
-      </p:sp>
-      <p:sp>
-        <p:nvSpPr>
-          <p:cNvPr id="66" name="TextShape 2"/>
-          <p:cNvSpPr txBox="1"/>
+            <a:endParaRPr b="0" lang="de-DE" sz="1400" spc="-1" strike="noStrike">
+              <a:latin typeface="Arial"/>
+            </a:endParaRPr>
+          </a:p>
+        </p:txBody>
+      </p:sp>
+      <p:sp>
+        <p:nvSpPr>
+          <p:cNvPr id="64" name="CustomShape 2"/>
+          <p:cNvSpPr/>
           <p:nvPr/>
         </p:nvSpPr>
         <p:spPr>
           <a:xfrm>
             <a:off x="8640000" y="6660000"/>
-            <a:ext cx="345600" cy="179640"/>
+            <a:ext cx="345240" cy="179280"/>
           </a:xfrm>
           <a:prstGeom prst="rect">
             <a:avLst/>
@@ -3885,41 +3382,46 @@
             <a:noFill/>
           </a:ln>
         </p:spPr>
-        <p:txBody>
-          <a:bodyPr lIns="0" tIns="0" rIns="0" bIns="0"/>
-          <a:lstStyle/>
+        <p:style>
+          <a:lnRef idx="0"/>
+          <a:fillRef idx="0"/>
+          <a:effectRef idx="0"/>
+          <a:fontRef idx="minor"/>
+        </p:style>
+        <p:txBody>
+          <a:bodyPr lIns="0" rIns="0" tIns="0" bIns="0"/>
           <a:p>
             <a:pPr algn="r">
               <a:lnSpc>
                 <a:spcPct val="100000"/>
               </a:lnSpc>
             </a:pPr>
-            <a:fld id="{A8729250-C1E3-4EF1-AC08-835742DD76D0}" type="slidenum">
-              <a:rPr lang="de-DE" sz="1000" b="0" strike="noStrike" spc="-1">
+            <a:fld id="{F5DCBD1F-8989-4DC5-AEA8-8D829130D7C3}" type="slidenum">
+              <a:rPr b="0" lang="de-DE" sz="1000" spc="-1" strike="noStrike">
                 <a:solidFill>
-                  <a:srgbClr val="00618F"/>
+                  <a:srgbClr val="00618f"/>
                 </a:solidFill>
                 <a:latin typeface="Arial Narrow"/>
                 <a:ea typeface="Georgia"/>
               </a:rPr>
-              <a:t>3</a:t>
+              <a:t>1</a:t>
             </a:fld>
-            <a:endParaRPr lang="de-DE" sz="1000" b="0" strike="noStrike" spc="-1">
-              <a:latin typeface="Times New Roman"/>
-            </a:endParaRPr>
-          </a:p>
-        </p:txBody>
-      </p:sp>
-      <p:sp>
-        <p:nvSpPr>
-          <p:cNvPr id="67" name="TextShape 3"/>
-          <p:cNvSpPr txBox="1"/>
+            <a:endParaRPr b="0" lang="de-DE" sz="1000" spc="-1" strike="noStrike">
+              <a:latin typeface="Arial"/>
+            </a:endParaRPr>
+          </a:p>
+        </p:txBody>
+      </p:sp>
+      <p:sp>
+        <p:nvSpPr>
+          <p:cNvPr id="65" name="CustomShape 3"/>
+          <p:cNvSpPr/>
           <p:nvPr/>
         </p:nvSpPr>
         <p:spPr>
           <a:xfrm>
             <a:off x="1116000" y="6654960"/>
-            <a:ext cx="7056000" cy="167760"/>
+            <a:ext cx="7055640" cy="167400"/>
           </a:xfrm>
           <a:prstGeom prst="rect">
             <a:avLst/>
@@ -3929,9 +3431,14 @@
             <a:noFill/>
           </a:ln>
         </p:spPr>
-        <p:txBody>
-          <a:bodyPr lIns="90000" tIns="0" rIns="90000" bIns="45000"/>
-          <a:lstStyle/>
+        <p:style>
+          <a:lnRef idx="0"/>
+          <a:fillRef idx="0"/>
+          <a:effectRef idx="0"/>
+          <a:fontRef idx="minor"/>
+        </p:style>
+        <p:txBody>
+          <a:bodyPr lIns="90000" rIns="90000" tIns="0" bIns="45000"/>
           <a:p>
             <a:pPr>
               <a:lnSpc>
@@ -3939,24 +3446,70 @@
               </a:lnSpc>
             </a:pPr>
             <a:r>
-              <a:rPr lang="de-DE" sz="1000" b="0" strike="noStrike" spc="-1">
+              <a:rPr b="0" lang="de-DE" sz="1000" spc="-1" strike="noStrike">
                 <a:solidFill>
-                  <a:srgbClr val="4D4B46"/>
+                  <a:srgbClr val="4d4b46"/>
                 </a:solidFill>
                 <a:latin typeface="Arial Narrow"/>
                 <a:ea typeface="Georgia"/>
               </a:rPr>
               <a:t>Data Science 1 – Mariella Zunker, Robin Mayer, Nils Nover</a:t>
             </a:r>
-            <a:endParaRPr lang="de-DE" sz="1000" b="0" strike="noStrike" spc="-1">
-              <a:latin typeface="Times New Roman"/>
+            <a:endParaRPr b="0" lang="de-DE" sz="1000" spc="-1" strike="noStrike">
+              <a:latin typeface="Arial"/>
             </a:endParaRPr>
           </a:p>
         </p:txBody>
       </p:sp>
       <p:pic>
         <p:nvPicPr>
-          <p:cNvPr id="68" name="Picture 4"/>
+          <p:cNvPr id="66" name="Picture 4" descr=""/>
+          <p:cNvPicPr/>
+          <p:nvPr/>
+        </p:nvPicPr>
+        <p:blipFill>
+          <a:blip r:embed="rId1"/>
+          <a:stretch/>
+        </p:blipFill>
+        <p:spPr>
+          <a:xfrm>
+            <a:off x="827640" y="1412640"/>
+            <a:ext cx="3198600" cy="1799640"/>
+          </a:xfrm>
+          <a:prstGeom prst="rect">
+            <a:avLst/>
+          </a:prstGeom>
+          <a:ln>
+            <a:noFill/>
+          </a:ln>
+        </p:spPr>
+      </p:pic>
+      <p:pic>
+        <p:nvPicPr>
+          <p:cNvPr id="67" name="Picture 6" descr=""/>
+          <p:cNvPicPr/>
+          <p:nvPr/>
+        </p:nvPicPr>
+        <p:blipFill>
+          <a:blip r:embed="rId2"/>
+          <a:stretch/>
+        </p:blipFill>
+        <p:spPr>
+          <a:xfrm>
+            <a:off x="5364000" y="1989000"/>
+            <a:ext cx="3183120" cy="1799640"/>
+          </a:xfrm>
+          <a:prstGeom prst="rect">
+            <a:avLst/>
+          </a:prstGeom>
+          <a:ln>
+            <a:noFill/>
+          </a:ln>
+        </p:spPr>
+      </p:pic>
+      <p:pic>
+        <p:nvPicPr>
+          <p:cNvPr id="68" name="Picture 8" descr=""/>
           <p:cNvPicPr/>
           <p:nvPr/>
         </p:nvPicPr>
@@ -3966,8 +3519,8 @@
         </p:blipFill>
         <p:spPr>
           <a:xfrm>
-            <a:off x="827640" y="1412640"/>
-            <a:ext cx="3198960" cy="1800000"/>
+            <a:off x="1187640" y="3920760"/>
+            <a:ext cx="3336120" cy="2509200"/>
           </a:xfrm>
           <a:prstGeom prst="rect">
             <a:avLst/>
@@ -3979,7 +3532,7 @@
       </p:pic>
       <p:pic>
         <p:nvPicPr>
-          <p:cNvPr id="69" name="Picture 6"/>
+          <p:cNvPr id="69" name="Grafik 2" descr=""/>
           <p:cNvPicPr/>
           <p:nvPr/>
         </p:nvPicPr>
@@ -3989,8 +3542,8 @@
         </p:blipFill>
         <p:spPr>
           <a:xfrm>
-            <a:off x="5364000" y="1989000"/>
-            <a:ext cx="3183480" cy="1800000"/>
+            <a:off x="2856240" y="1845000"/>
+            <a:ext cx="3472200" cy="3472200"/>
           </a:xfrm>
           <a:prstGeom prst="rect">
             <a:avLst/>
@@ -4000,73 +3553,24 @@
           </a:ln>
         </p:spPr>
       </p:pic>
-      <p:pic>
-        <p:nvPicPr>
-          <p:cNvPr id="70" name="Picture 8"/>
-          <p:cNvPicPr/>
-          <p:nvPr/>
-        </p:nvPicPr>
-        <p:blipFill>
-          <a:blip r:embed="rId5"/>
-          <a:stretch/>
-        </p:blipFill>
-        <p:spPr>
-          <a:xfrm>
-            <a:off x="1187640" y="3920760"/>
-            <a:ext cx="3336480" cy="2509560"/>
-          </a:xfrm>
-          <a:prstGeom prst="rect">
-            <a:avLst/>
-          </a:prstGeom>
-          <a:ln>
-            <a:noFill/>
-          </a:ln>
-        </p:spPr>
-      </p:pic>
-      <p:pic>
-        <p:nvPicPr>
-          <p:cNvPr id="71" name="Grafik 2"/>
-          <p:cNvPicPr/>
-          <p:nvPr/>
-        </p:nvPicPr>
-        <p:blipFill>
-          <a:blip r:embed="rId6"/>
-          <a:stretch/>
-        </p:blipFill>
-        <p:spPr>
-          <a:xfrm>
-            <a:off x="2856240" y="1845000"/>
-            <a:ext cx="3472560" cy="3472560"/>
-          </a:xfrm>
-          <a:prstGeom prst="rect">
-            <a:avLst/>
-          </a:prstGeom>
-          <a:ln>
-            <a:noFill/>
-          </a:ln>
-        </p:spPr>
-      </p:pic>
     </p:spTree>
   </p:cSld>
-  <p:clrMapOvr>
-    <a:masterClrMapping/>
-  </p:clrMapOvr>
   <p:timing>
     <p:tnLst>
       <p:par>
-        <p:cTn id="1" dur="indefinite" restart="never" nodeType="tmRoot">
+        <p:cTn id="5" dur="indefinite" restart="never" nodeType="tmRoot">
           <p:childTnLst>
             <p:seq>
-              <p:cTn id="2" dur="indefinite" nodeType="mainSeq"/>
+              <p:cTn id="6" dur="indefinite" nodeType="mainSeq"/>
               <p:prevCondLst>
-                <p:cond evt="onPrev" delay="0">
+                <p:cond delay="0" evt="onPrev">
                   <p:tgtEl>
                     <p:sldTgt/>
                   </p:tgtEl>
                 </p:cond>
               </p:prevCondLst>
               <p:nextCondLst>
-                <p:cond evt="onNext" delay="0">
+                <p:cond delay="0" evt="onNext">
                   <p:tgtEl>
                     <p:sldTgt/>
                   </p:tgtEl>
@@ -4082,7 +3586,7 @@
 </file>
 
 <file path=ppt/slides/slide4.xml><?xml version="1.0" encoding="utf-8"?>
-<p:sld xmlns:a="http://schemas.openxmlformats.org/drawingml/2006/main" xmlns:r="http://schemas.openxmlformats.org/officeDocument/2006/relationships" xmlns:p="http://schemas.openxmlformats.org/presentationml/2006/main">
+<p:sld xmlns:a="http://schemas.openxmlformats.org/drawingml/2006/main" xmlns:p="http://schemas.openxmlformats.org/presentationml/2006/main" xmlns:r="http://schemas.openxmlformats.org/officeDocument/2006/relationships" xmlns:p14="http://schemas.microsoft.com/office/powerpoint/2010/main" xmlns:p15="http://schemas.microsoft.com/office/powerpoint/2012/main" xmlns:mc="http://schemas.openxmlformats.org/markup-compatibility/2006">
   <p:cSld>
     <p:spTree>
       <p:nvGrpSpPr>
@@ -4100,14 +3604,14 @@
       </p:grpSpPr>
       <p:sp>
         <p:nvSpPr>
-          <p:cNvPr id="72" name="TextShape 1"/>
-          <p:cNvSpPr txBox="1"/>
+          <p:cNvPr id="70" name="CustomShape 1"/>
+          <p:cNvSpPr/>
           <p:nvPr/>
         </p:nvSpPr>
         <p:spPr>
           <a:xfrm>
             <a:off x="637560" y="116640"/>
-            <a:ext cx="6598440" cy="791640"/>
+            <a:ext cx="6598080" cy="791280"/>
           </a:xfrm>
           <a:prstGeom prst="rect">
             <a:avLst/>
@@ -4117,9 +3621,14 @@
             <a:noFill/>
           </a:ln>
         </p:spPr>
-        <p:txBody>
-          <a:bodyPr lIns="0" tIns="0" rIns="0" bIns="0" anchor="b"/>
-          <a:lstStyle/>
+        <p:style>
+          <a:lnRef idx="0"/>
+          <a:fillRef idx="0"/>
+          <a:effectRef idx="0"/>
+          <a:fontRef idx="minor"/>
+        </p:style>
+        <p:txBody>
+          <a:bodyPr lIns="0" rIns="0" tIns="0" bIns="0" anchor="b"/>
           <a:p>
             <a:pPr>
               <a:lnSpc>
@@ -4127,34 +3636,41 @@
               </a:lnSpc>
             </a:pPr>
             <a:r>
-              <a:rPr lang="de-DE" sz="1400" b="0" strike="noStrike" spc="-1">
+              <a:rPr b="0" lang="de-DE" sz="1400" spc="-1" strike="noStrike">
                 <a:solidFill>
-                  <a:srgbClr val="004F8F"/>
+                  <a:srgbClr val="004f8f"/>
                 </a:solidFill>
                 <a:latin typeface="Arial"/>
                 <a:ea typeface="Arial Narrow"/>
               </a:rPr>
-              <a:t>Vorgehen	</a:t>
+              <a:t>Vorgehen</a:t>
             </a:r>
-            <a:endParaRPr lang="de-DE" sz="1400" b="0" strike="noStrike" spc="-1">
-              <a:solidFill>
-                <a:srgbClr val="004F8F"/>
-              </a:solidFill>
-              <a:latin typeface="Georgia"/>
-            </a:endParaRPr>
-          </a:p>
-        </p:txBody>
-      </p:sp>
-      <p:sp>
-        <p:nvSpPr>
-          <p:cNvPr id="73" name="TextShape 2"/>
-          <p:cNvSpPr txBox="1"/>
+            <a:r>
+              <a:rPr b="0" lang="de-DE" sz="1400" spc="-1" strike="noStrike">
+                <a:solidFill>
+                  <a:srgbClr val="004f8f"/>
+                </a:solidFill>
+                <a:latin typeface="Arial"/>
+                <a:ea typeface="Arial Narrow"/>
+              </a:rPr>
+              <a:t>	</a:t>
+            </a:r>
+            <a:endParaRPr b="0" lang="de-DE" sz="1400" spc="-1" strike="noStrike">
+              <a:latin typeface="Arial"/>
+            </a:endParaRPr>
+          </a:p>
+        </p:txBody>
+      </p:sp>
+      <p:sp>
+        <p:nvSpPr>
+          <p:cNvPr id="71" name="CustomShape 2"/>
+          <p:cNvSpPr/>
           <p:nvPr/>
         </p:nvSpPr>
         <p:spPr>
           <a:xfrm>
             <a:off x="628560" y="1080000"/>
-            <a:ext cx="8119440" cy="5039640"/>
+            <a:ext cx="8119080" cy="5039280"/>
           </a:xfrm>
           <a:prstGeom prst="rect">
             <a:avLst/>
@@ -4164,11 +3680,16 @@
             <a:noFill/>
           </a:ln>
         </p:spPr>
-        <p:txBody>
-          <a:bodyPr lIns="90000" tIns="45000" rIns="90000" bIns="45000"/>
-          <a:lstStyle/>
-          <a:p>
-            <a:pPr marL="343080" indent="-342720">
+        <p:style>
+          <a:lnRef idx="0"/>
+          <a:fillRef idx="0"/>
+          <a:effectRef idx="0"/>
+          <a:fontRef idx="minor"/>
+        </p:style>
+        <p:txBody>
+          <a:bodyPr lIns="90000" rIns="90000" tIns="45000" bIns="45000"/>
+          <a:p>
+            <a:pPr marL="343080" indent="-342360">
               <a:lnSpc>
                 <a:spcPct val="200000"/>
               </a:lnSpc>
@@ -4182,19 +3703,17 @@
               <a:buChar char="•"/>
             </a:pPr>
             <a:r>
-              <a:rPr lang="de-DE" sz="1800" b="0" strike="noStrike" spc="-1" dirty="0">
+              <a:rPr b="0" lang="de-DE" sz="1800" spc="-1" strike="noStrike">
                 <a:solidFill>
                   <a:srgbClr val="000000"/>
                 </a:solidFill>
                 <a:latin typeface="Arial"/>
+                <a:ea typeface="DejaVu Sans"/>
               </a:rPr>
               <a:t>Auswahl der Datensätze</a:t>
             </a:r>
-            <a:endParaRPr lang="de-DE" sz="1800" b="0" strike="noStrike" spc="-1" dirty="0">
-              <a:solidFill>
-                <a:srgbClr val="000000"/>
-              </a:solidFill>
-              <a:latin typeface="Arial Narrow"/>
+            <a:endParaRPr b="0" lang="de-DE" sz="1800" spc="-1" strike="noStrike">
+              <a:latin typeface="Arial"/>
             </a:endParaRPr>
           </a:p>
           <a:p>
@@ -4206,15 +3725,12 @@
                 <a:spcPts val="300"/>
               </a:spcBef>
             </a:pPr>
-            <a:endParaRPr lang="de-DE" sz="1800" b="0" strike="noStrike" spc="-1" dirty="0">
-              <a:solidFill>
-                <a:srgbClr val="000000"/>
-              </a:solidFill>
-              <a:latin typeface="Arial Narrow"/>
-            </a:endParaRPr>
-          </a:p>
-          <a:p>
-            <a:pPr marL="343080" indent="-342720">
+            <a:endParaRPr b="0" lang="de-DE" sz="1800" spc="-1" strike="noStrike">
+              <a:latin typeface="Arial"/>
+            </a:endParaRPr>
+          </a:p>
+          <a:p>
+            <a:pPr marL="343080" indent="-342360">
               <a:lnSpc>
                 <a:spcPct val="200000"/>
               </a:lnSpc>
@@ -4228,28 +3744,17 @@
               <a:buChar char="•"/>
             </a:pPr>
             <a:r>
-              <a:rPr lang="de-DE" sz="1800" b="0" strike="noStrike" spc="-1" dirty="0">
+              <a:rPr b="0" lang="de-DE" sz="1800" spc="-1" strike="noStrike">
                 <a:solidFill>
                   <a:srgbClr val="000000"/>
                 </a:solidFill>
                 <a:latin typeface="Arial"/>
+                <a:ea typeface="DejaVu Sans"/>
               </a:rPr>
-              <a:t>Data </a:t>
+              <a:t>Data Cleaning</a:t>
             </a:r>
-            <a:r>
-              <a:rPr lang="de-DE" sz="1800" b="0" strike="noStrike" spc="-1" dirty="0" err="1">
-                <a:solidFill>
-                  <a:srgbClr val="000000"/>
-                </a:solidFill>
-                <a:latin typeface="Arial"/>
-              </a:rPr>
-              <a:t>Cleaning</a:t>
-            </a:r>
-            <a:endParaRPr lang="de-DE" sz="1800" b="0" strike="noStrike" spc="-1" dirty="0">
-              <a:solidFill>
-                <a:srgbClr val="000000"/>
-              </a:solidFill>
-              <a:latin typeface="Arial Narrow"/>
+            <a:endParaRPr b="0" lang="de-DE" sz="1800" spc="-1" strike="noStrike">
+              <a:latin typeface="Arial"/>
             </a:endParaRPr>
           </a:p>
           <a:p>
@@ -4261,15 +3766,12 @@
                 <a:spcPts val="300"/>
               </a:spcBef>
             </a:pPr>
-            <a:endParaRPr lang="de-DE" sz="1800" b="0" strike="noStrike" spc="-1" dirty="0">
-              <a:solidFill>
-                <a:srgbClr val="000000"/>
-              </a:solidFill>
-              <a:latin typeface="Arial Narrow"/>
-            </a:endParaRPr>
-          </a:p>
-          <a:p>
-            <a:pPr marL="343080" indent="-342720">
+            <a:endParaRPr b="0" lang="de-DE" sz="1800" spc="-1" strike="noStrike">
+              <a:latin typeface="Arial"/>
+            </a:endParaRPr>
+          </a:p>
+          <a:p>
+            <a:pPr marL="343080" indent="-342360">
               <a:lnSpc>
                 <a:spcPct val="200000"/>
               </a:lnSpc>
@@ -4283,28 +3785,17 @@
               <a:buChar char="•"/>
             </a:pPr>
             <a:r>
-              <a:rPr lang="de-DE" sz="1800" b="0" strike="noStrike" spc="-1" dirty="0" err="1">
+              <a:rPr b="0" lang="de-DE" sz="1800" spc="-1" strike="noStrike">
                 <a:solidFill>
                   <a:srgbClr val="000000"/>
                 </a:solidFill>
                 <a:latin typeface="Arial"/>
+                <a:ea typeface="DejaVu Sans"/>
               </a:rPr>
-              <a:t>Merging</a:t>
+              <a:t>Merging der Daten</a:t>
             </a:r>
-            <a:r>
-              <a:rPr lang="de-DE" sz="1800" b="0" strike="noStrike" spc="-1" dirty="0">
-                <a:solidFill>
-                  <a:srgbClr val="000000"/>
-                </a:solidFill>
-                <a:latin typeface="Arial"/>
-              </a:rPr>
-              <a:t> der Daten</a:t>
-            </a:r>
-            <a:endParaRPr lang="de-DE" sz="1800" b="0" strike="noStrike" spc="-1" dirty="0">
-              <a:solidFill>
-                <a:srgbClr val="000000"/>
-              </a:solidFill>
-              <a:latin typeface="Arial Narrow"/>
+            <a:endParaRPr b="0" lang="de-DE" sz="1800" spc="-1" strike="noStrike">
+              <a:latin typeface="Arial"/>
             </a:endParaRPr>
           </a:p>
           <a:p>
@@ -4316,15 +3807,12 @@
                 <a:spcPts val="300"/>
               </a:spcBef>
             </a:pPr>
-            <a:endParaRPr lang="de-DE" sz="1800" b="0" strike="noStrike" spc="-1" dirty="0">
-              <a:solidFill>
-                <a:srgbClr val="000000"/>
-              </a:solidFill>
-              <a:latin typeface="Arial Narrow"/>
-            </a:endParaRPr>
-          </a:p>
-          <a:p>
-            <a:pPr marL="343080" indent="-342720">
+            <a:endParaRPr b="0" lang="de-DE" sz="1800" spc="-1" strike="noStrike">
+              <a:latin typeface="Arial"/>
+            </a:endParaRPr>
+          </a:p>
+          <a:p>
+            <a:pPr marL="343080" indent="-342360">
               <a:lnSpc>
                 <a:spcPct val="200000"/>
               </a:lnSpc>
@@ -4338,19 +3826,17 @@
               <a:buChar char="•"/>
             </a:pPr>
             <a:r>
-              <a:rPr lang="de-DE" sz="1800" b="0" strike="noStrike" spc="-1" dirty="0">
+              <a:rPr b="0" lang="de-DE" sz="1800" spc="-1" strike="noStrike">
                 <a:solidFill>
                   <a:srgbClr val="000000"/>
                 </a:solidFill>
                 <a:latin typeface="Arial"/>
+                <a:ea typeface="DejaVu Sans"/>
               </a:rPr>
               <a:t>Regression</a:t>
             </a:r>
-            <a:endParaRPr lang="de-DE" sz="1800" b="0" strike="noStrike" spc="-1" dirty="0">
-              <a:solidFill>
-                <a:srgbClr val="000000"/>
-              </a:solidFill>
-              <a:latin typeface="Arial Narrow"/>
+            <a:endParaRPr b="0" lang="de-DE" sz="1800" spc="-1" strike="noStrike">
+              <a:latin typeface="Arial"/>
             </a:endParaRPr>
           </a:p>
           <a:p>
@@ -4362,11 +3848,8 @@
                 <a:spcPts val="300"/>
               </a:spcBef>
             </a:pPr>
-            <a:endParaRPr lang="de-DE" sz="1800" b="0" strike="noStrike" spc="-1" dirty="0">
-              <a:solidFill>
-                <a:srgbClr val="000000"/>
-              </a:solidFill>
-              <a:latin typeface="Arial Narrow"/>
+            <a:endParaRPr b="0" lang="de-DE" sz="1800" spc="-1" strike="noStrike">
+              <a:latin typeface="Arial"/>
             </a:endParaRPr>
           </a:p>
           <a:p>
@@ -4378,25 +3861,22 @@
                 <a:spcPts val="300"/>
               </a:spcBef>
             </a:pPr>
-            <a:endParaRPr lang="de-DE" sz="1800" b="0" strike="noStrike" spc="-1" dirty="0">
-              <a:solidFill>
-                <a:srgbClr val="000000"/>
-              </a:solidFill>
-              <a:latin typeface="Arial Narrow"/>
-            </a:endParaRPr>
-          </a:p>
-        </p:txBody>
-      </p:sp>
-      <p:sp>
-        <p:nvSpPr>
-          <p:cNvPr id="74" name="TextShape 3"/>
-          <p:cNvSpPr txBox="1"/>
+            <a:endParaRPr b="0" lang="de-DE" sz="1800" spc="-1" strike="noStrike">
+              <a:latin typeface="Arial"/>
+            </a:endParaRPr>
+          </a:p>
+        </p:txBody>
+      </p:sp>
+      <p:sp>
+        <p:nvSpPr>
+          <p:cNvPr id="72" name="CustomShape 3"/>
+          <p:cNvSpPr/>
           <p:nvPr/>
         </p:nvSpPr>
         <p:spPr>
           <a:xfrm>
             <a:off x="8640000" y="6660000"/>
-            <a:ext cx="345600" cy="179640"/>
+            <a:ext cx="345240" cy="179280"/>
           </a:xfrm>
           <a:prstGeom prst="rect">
             <a:avLst/>
@@ -4406,41 +3886,46 @@
             <a:noFill/>
           </a:ln>
         </p:spPr>
-        <p:txBody>
-          <a:bodyPr lIns="0" tIns="0" rIns="0" bIns="0"/>
-          <a:lstStyle/>
+        <p:style>
+          <a:lnRef idx="0"/>
+          <a:fillRef idx="0"/>
+          <a:effectRef idx="0"/>
+          <a:fontRef idx="minor"/>
+        </p:style>
+        <p:txBody>
+          <a:bodyPr lIns="0" rIns="0" tIns="0" bIns="0"/>
           <a:p>
             <a:pPr algn="r">
               <a:lnSpc>
                 <a:spcPct val="100000"/>
               </a:lnSpc>
             </a:pPr>
-            <a:fld id="{9A099B21-45F5-4B3C-B31A-66CD8EA68A26}" type="slidenum">
-              <a:rPr lang="de-DE" sz="1000" b="0" strike="noStrike" spc="-1">
+            <a:fld id="{640DFC01-656C-47AC-9D69-4796D47EAFF5}" type="slidenum">
+              <a:rPr b="0" lang="de-DE" sz="1000" spc="-1" strike="noStrike">
                 <a:solidFill>
-                  <a:srgbClr val="00618F"/>
+                  <a:srgbClr val="00618f"/>
                 </a:solidFill>
                 <a:latin typeface="Arial Narrow"/>
                 <a:ea typeface="Georgia"/>
               </a:rPr>
-              <a:t>4</a:t>
+              <a:t>1</a:t>
             </a:fld>
-            <a:endParaRPr lang="de-DE" sz="1000" b="0" strike="noStrike" spc="-1">
-              <a:latin typeface="Times New Roman"/>
-            </a:endParaRPr>
-          </a:p>
-        </p:txBody>
-      </p:sp>
-      <p:sp>
-        <p:nvSpPr>
-          <p:cNvPr id="75" name="TextShape 4"/>
-          <p:cNvSpPr txBox="1"/>
+            <a:endParaRPr b="0" lang="de-DE" sz="1000" spc="-1" strike="noStrike">
+              <a:latin typeface="Arial"/>
+            </a:endParaRPr>
+          </a:p>
+        </p:txBody>
+      </p:sp>
+      <p:sp>
+        <p:nvSpPr>
+          <p:cNvPr id="73" name="CustomShape 4"/>
+          <p:cNvSpPr/>
           <p:nvPr/>
         </p:nvSpPr>
         <p:spPr>
           <a:xfrm>
             <a:off x="1116000" y="6654960"/>
-            <a:ext cx="7056000" cy="167760"/>
+            <a:ext cx="7055640" cy="167400"/>
           </a:xfrm>
           <a:prstGeom prst="rect">
             <a:avLst/>
@@ -4450,9 +3935,14 @@
             <a:noFill/>
           </a:ln>
         </p:spPr>
-        <p:txBody>
-          <a:bodyPr lIns="90000" tIns="0" rIns="90000" bIns="45000"/>
-          <a:lstStyle/>
+        <p:style>
+          <a:lnRef idx="0"/>
+          <a:fillRef idx="0"/>
+          <a:effectRef idx="0"/>
+          <a:fontRef idx="minor"/>
+        </p:style>
+        <p:txBody>
+          <a:bodyPr lIns="90000" rIns="90000" tIns="0" bIns="45000"/>
           <a:p>
             <a:pPr>
               <a:lnSpc>
@@ -4460,61 +3950,58 @@
               </a:lnSpc>
             </a:pPr>
             <a:r>
-              <a:rPr lang="de-DE" sz="1000" b="0" strike="noStrike" spc="-1">
+              <a:rPr b="0" lang="de-DE" sz="1000" spc="-1" strike="noStrike">
                 <a:solidFill>
-                  <a:srgbClr val="4D4B46"/>
+                  <a:srgbClr val="4d4b46"/>
                 </a:solidFill>
                 <a:latin typeface="Arial Narrow"/>
                 <a:ea typeface="Georgia"/>
               </a:rPr>
               <a:t>Data Science 1 – Mariella Zunker, Robin Mayer, Nils Nover</a:t>
             </a:r>
-            <a:endParaRPr lang="de-DE" sz="1000" b="0" strike="noStrike" spc="-1">
-              <a:latin typeface="Times New Roman"/>
+            <a:endParaRPr b="0" lang="de-DE" sz="1000" spc="-1" strike="noStrike">
+              <a:latin typeface="Arial"/>
             </a:endParaRPr>
           </a:p>
         </p:txBody>
       </p:sp>
     </p:spTree>
   </p:cSld>
-  <p:clrMapOvr>
-    <a:masterClrMapping/>
-  </p:clrMapOvr>
   <p:timing>
     <p:tnLst>
       <p:par>
-        <p:cTn id="1" dur="indefinite" restart="never" nodeType="tmRoot">
+        <p:cTn id="7" dur="indefinite" restart="never" nodeType="tmRoot">
           <p:childTnLst>
             <p:seq>
-              <p:cTn id="2" dur="indefinite" nodeType="mainSeq">
+              <p:cTn id="8" dur="indefinite" nodeType="mainSeq">
                 <p:childTnLst>
                   <p:par>
-                    <p:cTn id="3" fill="hold">
+                    <p:cTn id="9" fill="hold">
                       <p:stCondLst>
                         <p:cond delay="indefinite"/>
                       </p:stCondLst>
                       <p:childTnLst>
                         <p:par>
-                          <p:cTn id="4" fill="hold">
+                          <p:cTn id="10" fill="hold">
                             <p:stCondLst>
                               <p:cond delay="0"/>
                             </p:stCondLst>
                             <p:childTnLst>
                               <p:par>
-                                <p:cTn id="5" presetID="1" presetClass="entr" fill="hold" nodeType="clickEffect">
+                                <p:cTn id="11" nodeType="clickEffect" fill="hold" presetClass="entr" presetID="1">
                                   <p:stCondLst>
                                     <p:cond delay="0"/>
                                   </p:stCondLst>
                                   <p:childTnLst>
                                     <p:set>
                                       <p:cBhvr>
-                                        <p:cTn id="6" dur="1" fill="hold">
+                                        <p:cTn id="12" dur="1" fill="hold">
                                           <p:stCondLst>
                                             <p:cond delay="0"/>
                                           </p:stCondLst>
                                         </p:cTn>
                                         <p:tgtEl>
-                                          <p:spTgt spid="73">
+                                          <p:spTgt spid="71">
                                             <p:txEl>
                                               <p:pRg st="0" end="0"/>
                                             </p:txEl>
@@ -4538,32 +4025,32 @@
                     </p:cTn>
                   </p:par>
                   <p:par>
-                    <p:cTn id="7" fill="hold">
+                    <p:cTn id="13" fill="hold">
                       <p:stCondLst>
                         <p:cond delay="indefinite"/>
                       </p:stCondLst>
                       <p:childTnLst>
                         <p:par>
-                          <p:cTn id="8" fill="hold">
+                          <p:cTn id="14" fill="hold">
                             <p:stCondLst>
                               <p:cond delay="0"/>
                             </p:stCondLst>
                             <p:childTnLst>
                               <p:par>
-                                <p:cTn id="9" presetID="1" presetClass="entr" fill="hold" nodeType="clickEffect">
+                                <p:cTn id="15" nodeType="clickEffect" fill="hold" presetClass="entr" presetID="1">
                                   <p:stCondLst>
                                     <p:cond delay="0"/>
                                   </p:stCondLst>
                                   <p:childTnLst>
                                     <p:set>
                                       <p:cBhvr>
-                                        <p:cTn id="10" dur="1" fill="hold">
+                                        <p:cTn id="16" dur="1" fill="hold">
                                           <p:stCondLst>
                                             <p:cond delay="0"/>
                                           </p:stCondLst>
                                         </p:cTn>
                                         <p:tgtEl>
-                                          <p:spTgt spid="73">
+                                          <p:spTgt spid="71">
                                             <p:txEl>
                                               <p:pRg st="2" end="2"/>
                                             </p:txEl>
@@ -4587,32 +4074,32 @@
                     </p:cTn>
                   </p:par>
                   <p:par>
-                    <p:cTn id="11" fill="hold">
+                    <p:cTn id="17" fill="hold">
                       <p:stCondLst>
                         <p:cond delay="indefinite"/>
                       </p:stCondLst>
                       <p:childTnLst>
                         <p:par>
-                          <p:cTn id="12" fill="hold">
+                          <p:cTn id="18" fill="hold">
                             <p:stCondLst>
                               <p:cond delay="0"/>
                             </p:stCondLst>
                             <p:childTnLst>
                               <p:par>
-                                <p:cTn id="13" presetID="1" presetClass="entr" fill="hold" nodeType="clickEffect">
+                                <p:cTn id="19" nodeType="clickEffect" fill="hold" presetClass="entr" presetID="1">
                                   <p:stCondLst>
                                     <p:cond delay="0"/>
                                   </p:stCondLst>
                                   <p:childTnLst>
                                     <p:set>
                                       <p:cBhvr>
-                                        <p:cTn id="14" dur="1" fill="hold">
+                                        <p:cTn id="20" dur="1" fill="hold">
                                           <p:stCondLst>
                                             <p:cond delay="0"/>
                                           </p:stCondLst>
                                         </p:cTn>
                                         <p:tgtEl>
-                                          <p:spTgt spid="73">
+                                          <p:spTgt spid="71">
                                             <p:txEl>
                                               <p:pRg st="4" end="4"/>
                                             </p:txEl>
@@ -4636,32 +4123,32 @@
                     </p:cTn>
                   </p:par>
                   <p:par>
-                    <p:cTn id="15" fill="hold">
+                    <p:cTn id="21" fill="hold">
                       <p:stCondLst>
                         <p:cond delay="indefinite"/>
                       </p:stCondLst>
                       <p:childTnLst>
                         <p:par>
-                          <p:cTn id="16" fill="hold">
+                          <p:cTn id="22" fill="hold">
                             <p:stCondLst>
                               <p:cond delay="0"/>
                             </p:stCondLst>
                             <p:childTnLst>
                               <p:par>
-                                <p:cTn id="17" presetID="1" presetClass="entr" fill="hold" nodeType="clickEffect">
+                                <p:cTn id="23" nodeType="clickEffect" fill="hold" presetClass="entr" presetID="1">
                                   <p:stCondLst>
                                     <p:cond delay="0"/>
                                   </p:stCondLst>
                                   <p:childTnLst>
                                     <p:set>
                                       <p:cBhvr>
-                                        <p:cTn id="18" dur="1" fill="hold">
+                                        <p:cTn id="24" dur="1" fill="hold">
                                           <p:stCondLst>
                                             <p:cond delay="0"/>
                                           </p:stCondLst>
                                         </p:cTn>
                                         <p:tgtEl>
-                                          <p:spTgt spid="73">
+                                          <p:spTgt spid="71">
                                             <p:txEl>
                                               <p:pRg st="6" end="6"/>
                                             </p:txEl>
@@ -4687,14 +4174,14 @@
                 </p:childTnLst>
               </p:cTn>
               <p:prevCondLst>
-                <p:cond evt="onPrev" delay="0">
+                <p:cond delay="0" evt="onPrev">
                   <p:tgtEl>
                     <p:sldTgt/>
                   </p:tgtEl>
                 </p:cond>
               </p:prevCondLst>
               <p:nextCondLst>
-                <p:cond evt="onNext" delay="0">
+                <p:cond delay="0" evt="onNext">
                   <p:tgtEl>
                     <p:sldTgt/>
                   </p:tgtEl>
@@ -4710,7 +4197,7 @@
 </file>
 
 <file path=ppt/slides/slide5.xml><?xml version="1.0" encoding="utf-8"?>
-<p:sld xmlns:a="http://schemas.openxmlformats.org/drawingml/2006/main" xmlns:r="http://schemas.openxmlformats.org/officeDocument/2006/relationships" xmlns:p="http://schemas.openxmlformats.org/presentationml/2006/main">
+<p:sld xmlns:a="http://schemas.openxmlformats.org/drawingml/2006/main" xmlns:p="http://schemas.openxmlformats.org/presentationml/2006/main" xmlns:r="http://schemas.openxmlformats.org/officeDocument/2006/relationships" xmlns:p14="http://schemas.microsoft.com/office/powerpoint/2010/main" xmlns:p15="http://schemas.microsoft.com/office/powerpoint/2012/main" xmlns:mc="http://schemas.openxmlformats.org/markup-compatibility/2006">
   <p:cSld>
     <p:spTree>
       <p:nvGrpSpPr>
@@ -4728,14 +4215,14 @@
       </p:grpSpPr>
       <p:sp>
         <p:nvSpPr>
-          <p:cNvPr id="76" name="TextShape 1"/>
-          <p:cNvSpPr txBox="1"/>
+          <p:cNvPr id="74" name="CustomShape 1"/>
+          <p:cNvSpPr/>
           <p:nvPr/>
         </p:nvSpPr>
         <p:spPr>
           <a:xfrm>
             <a:off x="8640000" y="6660000"/>
-            <a:ext cx="345600" cy="179640"/>
+            <a:ext cx="345240" cy="179280"/>
           </a:xfrm>
           <a:prstGeom prst="rect">
             <a:avLst/>
@@ -4745,41 +4232,46 @@
             <a:noFill/>
           </a:ln>
         </p:spPr>
-        <p:txBody>
-          <a:bodyPr lIns="0" tIns="0" rIns="0" bIns="0"/>
-          <a:lstStyle/>
+        <p:style>
+          <a:lnRef idx="0"/>
+          <a:fillRef idx="0"/>
+          <a:effectRef idx="0"/>
+          <a:fontRef idx="minor"/>
+        </p:style>
+        <p:txBody>
+          <a:bodyPr lIns="0" rIns="0" tIns="0" bIns="0"/>
           <a:p>
             <a:pPr algn="r">
               <a:lnSpc>
                 <a:spcPct val="100000"/>
               </a:lnSpc>
             </a:pPr>
-            <a:fld id="{815CA843-8121-4B2F-9093-CFA99101DC3D}" type="slidenum">
-              <a:rPr lang="de-DE" sz="1000" b="0" strike="noStrike" spc="-1">
+            <a:fld id="{88D65C70-75C4-44FC-AD9F-4395F07D34CA}" type="slidenum">
+              <a:rPr b="0" lang="de-DE" sz="1000" spc="-1" strike="noStrike">
                 <a:solidFill>
-                  <a:srgbClr val="00618F"/>
+                  <a:srgbClr val="00618f"/>
                 </a:solidFill>
                 <a:latin typeface="Arial Narrow"/>
                 <a:ea typeface="Georgia"/>
               </a:rPr>
-              <a:t>5</a:t>
+              <a:t>1</a:t>
             </a:fld>
-            <a:endParaRPr lang="de-DE" sz="1000" b="0" strike="noStrike" spc="-1">
-              <a:latin typeface="Times New Roman"/>
-            </a:endParaRPr>
-          </a:p>
-        </p:txBody>
-      </p:sp>
-      <p:sp>
-        <p:nvSpPr>
-          <p:cNvPr id="77" name="TextShape 2"/>
-          <p:cNvSpPr txBox="1"/>
+            <a:endParaRPr b="0" lang="de-DE" sz="1000" spc="-1" strike="noStrike">
+              <a:latin typeface="Arial"/>
+            </a:endParaRPr>
+          </a:p>
+        </p:txBody>
+      </p:sp>
+      <p:sp>
+        <p:nvSpPr>
+          <p:cNvPr id="75" name="CustomShape 2"/>
+          <p:cNvSpPr/>
           <p:nvPr/>
         </p:nvSpPr>
         <p:spPr>
           <a:xfrm>
             <a:off x="1116000" y="6654960"/>
-            <a:ext cx="7056000" cy="167760"/>
+            <a:ext cx="7055640" cy="167400"/>
           </a:xfrm>
           <a:prstGeom prst="rect">
             <a:avLst/>
@@ -4789,9 +4281,14 @@
             <a:noFill/>
           </a:ln>
         </p:spPr>
-        <p:txBody>
-          <a:bodyPr lIns="90000" tIns="0" rIns="90000" bIns="45000"/>
-          <a:lstStyle/>
+        <p:style>
+          <a:lnRef idx="0"/>
+          <a:fillRef idx="0"/>
+          <a:effectRef idx="0"/>
+          <a:fontRef idx="minor"/>
+        </p:style>
+        <p:txBody>
+          <a:bodyPr lIns="90000" rIns="90000" tIns="0" bIns="45000"/>
           <a:p>
             <a:pPr>
               <a:lnSpc>
@@ -4799,31 +4296,31 @@
               </a:lnSpc>
             </a:pPr>
             <a:r>
-              <a:rPr lang="de-DE" sz="1000" b="0" strike="noStrike" spc="-1">
+              <a:rPr b="0" lang="de-DE" sz="1000" spc="-1" strike="noStrike">
                 <a:solidFill>
-                  <a:srgbClr val="4D4B46"/>
+                  <a:srgbClr val="4d4b46"/>
                 </a:solidFill>
                 <a:latin typeface="Arial Narrow"/>
                 <a:ea typeface="Georgia"/>
               </a:rPr>
               <a:t>Data Science 1 – Mariella Zunker, Robin Mayer, Nils Nover</a:t>
             </a:r>
-            <a:endParaRPr lang="de-DE" sz="1000" b="0" strike="noStrike" spc="-1">
-              <a:latin typeface="Times New Roman"/>
-            </a:endParaRPr>
-          </a:p>
-        </p:txBody>
-      </p:sp>
-      <p:sp>
-        <p:nvSpPr>
-          <p:cNvPr id="78" name="TextShape 3"/>
-          <p:cNvSpPr txBox="1"/>
+            <a:endParaRPr b="0" lang="de-DE" sz="1000" spc="-1" strike="noStrike">
+              <a:latin typeface="Arial"/>
+            </a:endParaRPr>
+          </a:p>
+        </p:txBody>
+      </p:sp>
+      <p:sp>
+        <p:nvSpPr>
+          <p:cNvPr id="76" name="CustomShape 3"/>
+          <p:cNvSpPr/>
           <p:nvPr/>
         </p:nvSpPr>
         <p:spPr>
           <a:xfrm>
             <a:off x="637560" y="116640"/>
-            <a:ext cx="6598440" cy="791640"/>
+            <a:ext cx="6598080" cy="791280"/>
           </a:xfrm>
           <a:prstGeom prst="rect">
             <a:avLst/>
@@ -4833,9 +4330,14 @@
             <a:noFill/>
           </a:ln>
         </p:spPr>
-        <p:txBody>
-          <a:bodyPr lIns="0" tIns="0" rIns="0" bIns="0" anchor="b"/>
-          <a:lstStyle/>
+        <p:style>
+          <a:lnRef idx="0"/>
+          <a:fillRef idx="0"/>
+          <a:effectRef idx="0"/>
+          <a:fontRef idx="minor"/>
+        </p:style>
+        <p:txBody>
+          <a:bodyPr lIns="0" rIns="0" tIns="0" bIns="0" anchor="b"/>
           <a:p>
             <a:pPr>
               <a:lnSpc>
@@ -4843,27 +4345,70 @@
               </a:lnSpc>
             </a:pPr>
             <a:r>
-              <a:rPr lang="de-DE" sz="1400" b="0" strike="noStrike" spc="-1">
+              <a:rPr b="0" lang="de-DE" sz="1400" spc="-1" strike="noStrike">
                 <a:solidFill>
-                  <a:srgbClr val="004F8F"/>
+                  <a:srgbClr val="004f8f"/>
                 </a:solidFill>
                 <a:latin typeface="Arial"/>
                 <a:ea typeface="Arial Narrow"/>
               </a:rPr>
               <a:t>Auswahl der Datensätze</a:t>
             </a:r>
-            <a:endParaRPr lang="de-DE" sz="1400" b="0" strike="noStrike" spc="-1">
-              <a:solidFill>
-                <a:srgbClr val="004F8F"/>
-              </a:solidFill>
-              <a:latin typeface="Georgia"/>
+            <a:endParaRPr b="0" lang="de-DE" sz="1400" spc="-1" strike="noStrike">
+              <a:latin typeface="Arial"/>
             </a:endParaRPr>
           </a:p>
         </p:txBody>
       </p:sp>
       <p:pic>
         <p:nvPicPr>
-          <p:cNvPr id="79" name="Grafik 78"/>
+          <p:cNvPr id="77" name="Grafik 78" descr=""/>
+          <p:cNvPicPr/>
+          <p:nvPr/>
+        </p:nvPicPr>
+        <p:blipFill>
+          <a:blip r:embed="rId1"/>
+          <a:stretch/>
+        </p:blipFill>
+        <p:spPr>
+          <a:xfrm>
+            <a:off x="1404000" y="1224000"/>
+            <a:ext cx="6011640" cy="1883520"/>
+          </a:xfrm>
+          <a:prstGeom prst="rect">
+            <a:avLst/>
+          </a:prstGeom>
+          <a:ln>
+            <a:noFill/>
+          </a:ln>
+        </p:spPr>
+      </p:pic>
+      <p:pic>
+        <p:nvPicPr>
+          <p:cNvPr id="78" name="Grafik 79" descr=""/>
+          <p:cNvPicPr/>
+          <p:nvPr/>
+        </p:nvPicPr>
+        <p:blipFill>
+          <a:blip r:embed="rId2"/>
+          <a:stretch/>
+        </p:blipFill>
+        <p:spPr>
+          <a:xfrm>
+            <a:off x="4315320" y="1800000"/>
+            <a:ext cx="436320" cy="536040"/>
+          </a:xfrm>
+          <a:prstGeom prst="rect">
+            <a:avLst/>
+          </a:prstGeom>
+          <a:ln>
+            <a:noFill/>
+          </a:ln>
+        </p:spPr>
+      </p:pic>
+      <p:pic>
+        <p:nvPicPr>
+          <p:cNvPr id="79" name="Grafik 80" descr=""/>
           <p:cNvPicPr/>
           <p:nvPr/>
         </p:nvPicPr>
@@ -4873,8 +4418,8 @@
         </p:blipFill>
         <p:spPr>
           <a:xfrm>
-            <a:off x="1404000" y="1224000"/>
-            <a:ext cx="6012000" cy="1883880"/>
+            <a:off x="1152000" y="4116240"/>
+            <a:ext cx="6947640" cy="1211400"/>
           </a:xfrm>
           <a:prstGeom prst="rect">
             <a:avLst/>
@@ -4886,7 +4431,7 @@
       </p:pic>
       <p:pic>
         <p:nvPicPr>
-          <p:cNvPr id="80" name="Grafik 79"/>
+          <p:cNvPr id="80" name="Grafik 81" descr=""/>
           <p:cNvPicPr/>
           <p:nvPr/>
         </p:nvPicPr>
@@ -4896,8 +4441,8 @@
         </p:blipFill>
         <p:spPr>
           <a:xfrm>
-            <a:off x="4315320" y="1800000"/>
-            <a:ext cx="436680" cy="536400"/>
+            <a:off x="4320000" y="4478760"/>
+            <a:ext cx="632880" cy="632880"/>
           </a:xfrm>
           <a:prstGeom prst="rect">
             <a:avLst/>
@@ -4909,7 +4454,7 @@
       </p:pic>
       <p:pic>
         <p:nvPicPr>
-          <p:cNvPr id="81" name="Grafik 80"/>
+          <p:cNvPr id="81" name="Picture 2" descr=""/>
           <p:cNvPicPr/>
           <p:nvPr/>
         </p:nvPicPr>
@@ -4919,8 +4464,8 @@
         </p:blipFill>
         <p:spPr>
           <a:xfrm>
-            <a:off x="1152000" y="4116240"/>
-            <a:ext cx="6948000" cy="1211760"/>
+            <a:off x="2267640" y="3211200"/>
+            <a:ext cx="1761840" cy="790200"/>
           </a:xfrm>
           <a:prstGeom prst="rect">
             <a:avLst/>
@@ -4932,7 +4477,7 @@
       </p:pic>
       <p:pic>
         <p:nvPicPr>
-          <p:cNvPr id="82" name="Grafik 81"/>
+          <p:cNvPr id="82" name="Picture 3" descr=""/>
           <p:cNvPicPr/>
           <p:nvPr/>
         </p:nvPicPr>
@@ -4942,8 +4487,8 @@
         </p:blipFill>
         <p:spPr>
           <a:xfrm>
-            <a:off x="4320000" y="4478760"/>
-            <a:ext cx="633240" cy="633240"/>
+            <a:off x="5220000" y="3177720"/>
+            <a:ext cx="1733040" cy="856800"/>
           </a:xfrm>
           <a:prstGeom prst="rect">
             <a:avLst/>
@@ -4955,186 +4500,69 @@
       </p:pic>
       <p:pic>
         <p:nvPicPr>
-          <p:cNvPr id="1026" name="Picture 2"/>
-          <p:cNvPicPr>
-            <a:picLocks noChangeAspect="1" noChangeArrowheads="1"/>
-          </p:cNvPicPr>
+          <p:cNvPr id="83" name="Grafik 1" descr=""/>
+          <p:cNvPicPr/>
           <p:nvPr/>
         </p:nvPicPr>
         <p:blipFill>
-          <a:blip r:embed="rId7">
-            <a:extLst>
-              <a:ext uri="{28A0092B-C50C-407E-A947-70E740481C1C}">
-                <a14:useLocalDpi xmlns:a14="http://schemas.microsoft.com/office/drawing/2010/main" val="0"/>
-              </a:ext>
-            </a:extLst>
-          </a:blip>
-          <a:srcRect/>
-          <a:stretch>
-            <a:fillRect/>
-          </a:stretch>
+          <a:blip r:embed="rId7"/>
+          <a:stretch/>
         </p:blipFill>
-        <p:spPr bwMode="auto">
-          <a:xfrm>
-            <a:off x="2267744" y="3211130"/>
-            <a:ext cx="1762125" cy="790575"/>
-          </a:xfrm>
-          <a:prstGeom prst="rect">
-            <a:avLst/>
-          </a:prstGeom>
-          <a:noFill/>
+        <p:spPr>
+          <a:xfrm>
+            <a:off x="3738240" y="3244680"/>
+            <a:ext cx="396360" cy="396360"/>
+          </a:xfrm>
+          <a:prstGeom prst="rect">
+            <a:avLst/>
+          </a:prstGeom>
           <a:ln>
             <a:noFill/>
           </a:ln>
-          <a:extLst>
-            <a:ext uri="{909E8E84-426E-40DD-AFC4-6F175D3DCCD1}">
-              <a14:hiddenFill xmlns:a14="http://schemas.microsoft.com/office/drawing/2010/main">
-                <a:solidFill>
-                  <a:schemeClr val="accent1"/>
-                </a:solidFill>
-              </a14:hiddenFill>
-            </a:ext>
-            <a:ext uri="{91240B29-F687-4F45-9708-019B960494DF}">
-              <a14:hiddenLine xmlns:a14="http://schemas.microsoft.com/office/drawing/2010/main" w="9525">
-                <a:solidFill>
-                  <a:schemeClr val="tx1"/>
-                </a:solidFill>
-                <a:miter lim="800000"/>
-                <a:headEnd/>
-                <a:tailEnd/>
-              </a14:hiddenLine>
-            </a:ext>
-          </a:extLst>
         </p:spPr>
       </p:pic>
       <p:pic>
         <p:nvPicPr>
-          <p:cNvPr id="1027" name="Picture 3"/>
-          <p:cNvPicPr>
-            <a:picLocks noChangeAspect="1" noChangeArrowheads="1"/>
-          </p:cNvPicPr>
+          <p:cNvPr id="84" name="Grafik 2" descr=""/>
+          <p:cNvPicPr/>
           <p:nvPr/>
         </p:nvPicPr>
         <p:blipFill>
-          <a:blip r:embed="rId8">
-            <a:extLst>
-              <a:ext uri="{28A0092B-C50C-407E-A947-70E740481C1C}">
-                <a14:useLocalDpi xmlns:a14="http://schemas.microsoft.com/office/drawing/2010/main" val="0"/>
-              </a:ext>
-            </a:extLst>
-          </a:blip>
-          <a:srcRect/>
-          <a:stretch>
-            <a:fillRect/>
-          </a:stretch>
+          <a:blip r:embed="rId8"/>
+          <a:srcRect l="0" t="0" r="0" b="17350"/>
+          <a:stretch/>
         </p:blipFill>
-        <p:spPr bwMode="auto">
-          <a:xfrm>
-            <a:off x="5220072" y="3177793"/>
-            <a:ext cx="1733550" cy="857250"/>
-          </a:xfrm>
-          <a:prstGeom prst="rect">
-            <a:avLst/>
-          </a:prstGeom>
-          <a:noFill/>
+        <p:spPr>
+          <a:xfrm>
+            <a:off x="7020360" y="3254400"/>
+            <a:ext cx="540360" cy="474480"/>
+          </a:xfrm>
+          <a:prstGeom prst="rect">
+            <a:avLst/>
+          </a:prstGeom>
           <a:ln>
             <a:noFill/>
           </a:ln>
-          <a:extLst>
-            <a:ext uri="{909E8E84-426E-40DD-AFC4-6F175D3DCCD1}">
-              <a14:hiddenFill xmlns:a14="http://schemas.microsoft.com/office/drawing/2010/main">
-                <a:solidFill>
-                  <a:schemeClr val="accent1"/>
-                </a:solidFill>
-              </a14:hiddenFill>
-            </a:ext>
-            <a:ext uri="{91240B29-F687-4F45-9708-019B960494DF}">
-              <a14:hiddenLine xmlns:a14="http://schemas.microsoft.com/office/drawing/2010/main" w="9525">
-                <a:solidFill>
-                  <a:schemeClr val="tx1"/>
-                </a:solidFill>
-                <a:miter lim="800000"/>
-                <a:headEnd/>
-                <a:tailEnd/>
-              </a14:hiddenLine>
-            </a:ext>
-          </a:extLst>
         </p:spPr>
       </p:pic>
-      <p:pic>
-        <p:nvPicPr>
-          <p:cNvPr id="2" name="Grafik 1"/>
-          <p:cNvPicPr>
-            <a:picLocks noChangeAspect="1"/>
-          </p:cNvPicPr>
-          <p:nvPr/>
-        </p:nvPicPr>
-        <p:blipFill>
-          <a:blip r:embed="rId9" cstate="print">
-            <a:extLst>
-              <a:ext uri="{28A0092B-C50C-407E-A947-70E740481C1C}">
-                <a14:useLocalDpi xmlns:a14="http://schemas.microsoft.com/office/drawing/2010/main" val="0"/>
-              </a:ext>
-            </a:extLst>
-          </a:blip>
-          <a:stretch>
-            <a:fillRect/>
-          </a:stretch>
-        </p:blipFill>
-        <p:spPr>
-          <a:xfrm>
-            <a:off x="3738386" y="3244597"/>
-            <a:ext cx="396788" cy="396788"/>
-          </a:xfrm>
-          <a:prstGeom prst="rect">
-            <a:avLst/>
-          </a:prstGeom>
-        </p:spPr>
-      </p:pic>
-      <p:pic>
-        <p:nvPicPr>
-          <p:cNvPr id="3" name="Grafik 2"/>
-          <p:cNvPicPr>
-            <a:picLocks noChangeAspect="1"/>
-          </p:cNvPicPr>
-          <p:nvPr/>
-        </p:nvPicPr>
-        <p:blipFill rotWithShape="1">
-          <a:blip r:embed="rId10" cstate="print">
-            <a:extLst>
-              <a:ext uri="{28A0092B-C50C-407E-A947-70E740481C1C}">
-                <a14:useLocalDpi xmlns:a14="http://schemas.microsoft.com/office/drawing/2010/main" val="0"/>
-              </a:ext>
-            </a:extLst>
-          </a:blip>
-          <a:srcRect b="17350"/>
-          <a:stretch/>
-        </p:blipFill>
-        <p:spPr>
-          <a:xfrm>
-            <a:off x="7020272" y="3254317"/>
-            <a:ext cx="540738" cy="474855"/>
-          </a:xfrm>
-          <a:prstGeom prst="rect">
-            <a:avLst/>
-          </a:prstGeom>
-        </p:spPr>
-      </p:pic>
-      <p:sp>
-        <p:nvSpPr>
-          <p:cNvPr id="4" name="Rechteck 3"/>
+      <p:sp>
+        <p:nvSpPr>
+          <p:cNvPr id="85" name="CustomShape 4"/>
           <p:cNvSpPr/>
           <p:nvPr/>
         </p:nvSpPr>
         <p:spPr>
           <a:xfrm>
-            <a:off x="2867020" y="1412775"/>
-            <a:ext cx="1332745" cy="658785"/>
+            <a:off x="2867040" y="1412640"/>
+            <a:ext cx="1332360" cy="658440"/>
           </a:xfrm>
           <a:prstGeom prst="rect">
             <a:avLst/>
           </a:prstGeom>
           <a:noFill/>
+          <a:ln>
+            <a:round/>
+          </a:ln>
         </p:spPr>
         <p:style>
           <a:lnRef idx="2">
@@ -5148,34 +4576,27 @@
           <a:effectRef idx="0">
             <a:schemeClr val="accent1"/>
           </a:effectRef>
-          <a:fontRef idx="minor">
-            <a:schemeClr val="lt1"/>
-          </a:fontRef>
+          <a:fontRef idx="minor"/>
         </p:style>
-        <p:txBody>
-          <a:bodyPr rtlCol="0" anchor="ctr"/>
-          <a:lstStyle/>
-          <a:p>
-            <a:pPr algn="ctr"/>
-            <a:endParaRPr lang="en-GB"/>
-          </a:p>
-        </p:txBody>
-      </p:sp>
-      <p:sp>
-        <p:nvSpPr>
-          <p:cNvPr id="14" name="Rechteck 13"/>
+      </p:sp>
+      <p:sp>
+        <p:nvSpPr>
+          <p:cNvPr id="86" name="CustomShape 5"/>
           <p:cNvSpPr/>
           <p:nvPr/>
         </p:nvSpPr>
         <p:spPr>
           <a:xfrm>
-            <a:off x="6393799" y="4154627"/>
-            <a:ext cx="808113" cy="344546"/>
+            <a:off x="6393960" y="4154760"/>
+            <a:ext cx="807840" cy="344160"/>
           </a:xfrm>
           <a:prstGeom prst="rect">
             <a:avLst/>
           </a:prstGeom>
           <a:noFill/>
+          <a:ln>
+            <a:round/>
+          </a:ln>
         </p:spPr>
         <p:style>
           <a:lnRef idx="2">
@@ -5189,59 +4610,46 @@
           <a:effectRef idx="0">
             <a:schemeClr val="accent1"/>
           </a:effectRef>
-          <a:fontRef idx="minor">
-            <a:schemeClr val="lt1"/>
-          </a:fontRef>
+          <a:fontRef idx="minor"/>
         </p:style>
-        <p:txBody>
-          <a:bodyPr rtlCol="0" anchor="ctr"/>
-          <a:lstStyle/>
-          <a:p>
-            <a:pPr algn="ctr"/>
-            <a:endParaRPr lang="en-GB"/>
-          </a:p>
-        </p:txBody>
       </p:sp>
     </p:spTree>
   </p:cSld>
-  <p:clrMapOvr>
-    <a:masterClrMapping/>
-  </p:clrMapOvr>
   <p:timing>
     <p:tnLst>
       <p:par>
-        <p:cTn id="1" dur="indefinite" restart="never" nodeType="tmRoot">
+        <p:cTn id="25" dur="indefinite" restart="never" nodeType="tmRoot">
           <p:childTnLst>
             <p:seq>
-              <p:cTn id="2" dur="indefinite" nodeType="mainSeq">
+              <p:cTn id="26" dur="indefinite" nodeType="mainSeq">
                 <p:childTnLst>
                   <p:par>
-                    <p:cTn id="3" fill="hold">
+                    <p:cTn id="27" fill="hold">
                       <p:stCondLst>
                         <p:cond delay="indefinite"/>
                       </p:stCondLst>
                       <p:childTnLst>
                         <p:par>
-                          <p:cTn id="4" fill="hold">
+                          <p:cTn id="28" fill="hold">
                             <p:stCondLst>
                               <p:cond delay="0"/>
                             </p:stCondLst>
                             <p:childTnLst>
                               <p:par>
-                                <p:cTn id="5" presetID="1" presetClass="entr" presetSubtype="0" fill="hold" nodeType="clickEffect">
+                                <p:cTn id="29" nodeType="clickEffect" fill="hold" presetClass="entr" presetID="1">
                                   <p:stCondLst>
                                     <p:cond delay="0"/>
                                   </p:stCondLst>
                                   <p:childTnLst>
                                     <p:set>
                                       <p:cBhvr>
-                                        <p:cTn id="6" dur="1" fill="hold">
+                                        <p:cTn id="30" dur="1" fill="hold">
                                           <p:stCondLst>
                                             <p:cond delay="0"/>
                                           </p:stCondLst>
                                         </p:cTn>
                                         <p:tgtEl>
-                                          <p:spTgt spid="2"/>
+                                          <p:spTgt spid="83"/>
                                         </p:tgtEl>
                                         <p:attrNameLst>
                                           <p:attrName>style.visibility</p:attrName>
@@ -5255,20 +4663,20 @@
                                 </p:cTn>
                               </p:par>
                               <p:par>
-                                <p:cTn id="7" presetID="1" presetClass="entr" presetSubtype="0" fill="hold" nodeType="withEffect">
+                                <p:cTn id="31" nodeType="withEffect" fill="hold" presetClass="entr" presetID="1">
                                   <p:stCondLst>
                                     <p:cond delay="0"/>
                                   </p:stCondLst>
                                   <p:childTnLst>
                                     <p:set>
                                       <p:cBhvr>
-                                        <p:cTn id="8" dur="1" fill="hold">
+                                        <p:cTn id="32" dur="1" fill="hold">
                                           <p:stCondLst>
                                             <p:cond delay="0"/>
                                           </p:stCondLst>
                                         </p:cTn>
                                         <p:tgtEl>
-                                          <p:spTgt spid="1026"/>
+                                          <p:spTgt spid="81"/>
                                         </p:tgtEl>
                                         <p:attrNameLst>
                                           <p:attrName>style.visibility</p:attrName>
@@ -5288,32 +4696,32 @@
                     </p:cTn>
                   </p:par>
                   <p:par>
-                    <p:cTn id="9" fill="hold">
+                    <p:cTn id="33" fill="hold">
                       <p:stCondLst>
                         <p:cond delay="indefinite"/>
                       </p:stCondLst>
                       <p:childTnLst>
                         <p:par>
-                          <p:cTn id="10" fill="hold">
+                          <p:cTn id="34" fill="hold">
                             <p:stCondLst>
                               <p:cond delay="0"/>
                             </p:stCondLst>
                             <p:childTnLst>
                               <p:par>
-                                <p:cTn id="11" presetID="1" presetClass="entr" presetSubtype="0" fill="hold" nodeType="clickEffect">
+                                <p:cTn id="35" nodeType="clickEffect" fill="hold" presetClass="entr" presetID="1">
                                   <p:stCondLst>
                                     <p:cond delay="0"/>
                                   </p:stCondLst>
                                   <p:childTnLst>
                                     <p:set>
                                       <p:cBhvr>
-                                        <p:cTn id="12" dur="1" fill="hold">
+                                        <p:cTn id="36" dur="1" fill="hold">
                                           <p:stCondLst>
                                             <p:cond delay="0"/>
                                           </p:stCondLst>
                                         </p:cTn>
                                         <p:tgtEl>
-                                          <p:spTgt spid="1027"/>
+                                          <p:spTgt spid="82"/>
                                         </p:tgtEl>
                                         <p:attrNameLst>
                                           <p:attrName>style.visibility</p:attrName>
@@ -5327,20 +4735,20 @@
                                 </p:cTn>
                               </p:par>
                               <p:par>
-                                <p:cTn id="13" presetID="1" presetClass="entr" presetSubtype="0" fill="hold" nodeType="withEffect">
+                                <p:cTn id="37" nodeType="withEffect" fill="hold" presetClass="entr" presetID="1">
                                   <p:stCondLst>
                                     <p:cond delay="0"/>
                                   </p:stCondLst>
                                   <p:childTnLst>
                                     <p:set>
                                       <p:cBhvr>
-                                        <p:cTn id="14" dur="1" fill="hold">
+                                        <p:cTn id="38" dur="1" fill="hold">
                                           <p:stCondLst>
                                             <p:cond delay="0"/>
                                           </p:stCondLst>
                                         </p:cTn>
                                         <p:tgtEl>
-                                          <p:spTgt spid="3"/>
+                                          <p:spTgt spid="84"/>
                                         </p:tgtEl>
                                         <p:attrNameLst>
                                           <p:attrName>style.visibility</p:attrName>
@@ -5360,32 +4768,32 @@
                     </p:cTn>
                   </p:par>
                   <p:par>
-                    <p:cTn id="15" fill="hold">
+                    <p:cTn id="39" fill="hold">
                       <p:stCondLst>
                         <p:cond delay="indefinite"/>
                       </p:stCondLst>
                       <p:childTnLst>
                         <p:par>
-                          <p:cTn id="16" fill="hold">
+                          <p:cTn id="40" fill="hold">
                             <p:stCondLst>
                               <p:cond delay="0"/>
                             </p:stCondLst>
                             <p:childTnLst>
                               <p:par>
-                                <p:cTn id="17" presetID="1" presetClass="entr" presetSubtype="0" fill="hold" grpId="0" nodeType="clickEffect">
+                                <p:cTn id="41" nodeType="clickEffect" fill="hold" presetClass="entr" presetID="1">
                                   <p:stCondLst>
                                     <p:cond delay="0"/>
                                   </p:stCondLst>
                                   <p:childTnLst>
                                     <p:set>
                                       <p:cBhvr>
-                                        <p:cTn id="18" dur="1" fill="hold">
+                                        <p:cTn id="42" dur="1" fill="hold">
                                           <p:stCondLst>
                                             <p:cond delay="0"/>
                                           </p:stCondLst>
                                         </p:cTn>
                                         <p:tgtEl>
-                                          <p:spTgt spid="14"/>
+                                          <p:spTgt spid="86"/>
                                         </p:tgtEl>
                                         <p:attrNameLst>
                                           <p:attrName>style.visibility</p:attrName>
@@ -5399,20 +4807,20 @@
                                 </p:cTn>
                               </p:par>
                               <p:par>
-                                <p:cTn id="19" presetID="1" presetClass="entr" presetSubtype="0" fill="hold" grpId="0" nodeType="withEffect">
+                                <p:cTn id="43" nodeType="withEffect" fill="hold" presetClass="entr" presetID="1">
                                   <p:stCondLst>
                                     <p:cond delay="0"/>
                                   </p:stCondLst>
                                   <p:childTnLst>
                                     <p:set>
                                       <p:cBhvr>
-                                        <p:cTn id="20" dur="1" fill="hold">
+                                        <p:cTn id="44" dur="1" fill="hold">
                                           <p:stCondLst>
                                             <p:cond delay="0"/>
                                           </p:stCondLst>
                                         </p:cTn>
                                         <p:tgtEl>
-                                          <p:spTgt spid="4"/>
+                                          <p:spTgt spid="85"/>
                                         </p:tgtEl>
                                         <p:attrNameLst>
                                           <p:attrName>style.visibility</p:attrName>
@@ -5434,14 +4842,14 @@
                 </p:childTnLst>
               </p:cTn>
               <p:prevCondLst>
-                <p:cond evt="onPrev" delay="0">
+                <p:cond delay="0" evt="onPrev">
                   <p:tgtEl>
                     <p:sldTgt/>
                   </p:tgtEl>
                 </p:cond>
               </p:prevCondLst>
               <p:nextCondLst>
-                <p:cond evt="onNext" delay="0">
+                <p:cond delay="0" evt="onNext">
                   <p:tgtEl>
                     <p:sldTgt/>
                   </p:tgtEl>
@@ -5452,16 +4860,12 @@
         </p:cTn>
       </p:par>
     </p:tnLst>
-    <p:bldLst>
-      <p:bldP spid="4" grpId="0" animBg="1"/>
-      <p:bldP spid="14" grpId="0" animBg="1"/>
-    </p:bldLst>
   </p:timing>
 </p:sld>
 </file>
 
 <file path=ppt/slides/slide6.xml><?xml version="1.0" encoding="utf-8"?>
-<p:sld xmlns:a="http://schemas.openxmlformats.org/drawingml/2006/main" xmlns:r="http://schemas.openxmlformats.org/officeDocument/2006/relationships" xmlns:p="http://schemas.openxmlformats.org/presentationml/2006/main">
+<p:sld xmlns:a="http://schemas.openxmlformats.org/drawingml/2006/main" xmlns:p="http://schemas.openxmlformats.org/presentationml/2006/main" xmlns:r="http://schemas.openxmlformats.org/officeDocument/2006/relationships" xmlns:p14="http://schemas.microsoft.com/office/powerpoint/2010/main" xmlns:p15="http://schemas.microsoft.com/office/powerpoint/2012/main" xmlns:mc="http://schemas.openxmlformats.org/markup-compatibility/2006">
   <p:cSld>
     <p:spTree>
       <p:nvGrpSpPr>
@@ -5479,14 +4883,14 @@
       </p:grpSpPr>
       <p:sp>
         <p:nvSpPr>
-          <p:cNvPr id="83" name="TextShape 1"/>
-          <p:cNvSpPr txBox="1"/>
+          <p:cNvPr id="87" name="CustomShape 1"/>
+          <p:cNvSpPr/>
           <p:nvPr/>
         </p:nvSpPr>
         <p:spPr>
           <a:xfrm>
             <a:off x="8640000" y="6660000"/>
-            <a:ext cx="345600" cy="179640"/>
+            <a:ext cx="345240" cy="179280"/>
           </a:xfrm>
           <a:prstGeom prst="rect">
             <a:avLst/>
@@ -5496,41 +4900,46 @@
             <a:noFill/>
           </a:ln>
         </p:spPr>
-        <p:txBody>
-          <a:bodyPr lIns="0" tIns="0" rIns="0" bIns="0"/>
-          <a:lstStyle/>
+        <p:style>
+          <a:lnRef idx="0"/>
+          <a:fillRef idx="0"/>
+          <a:effectRef idx="0"/>
+          <a:fontRef idx="minor"/>
+        </p:style>
+        <p:txBody>
+          <a:bodyPr lIns="0" rIns="0" tIns="0" bIns="0"/>
           <a:p>
             <a:pPr algn="r">
               <a:lnSpc>
                 <a:spcPct val="100000"/>
               </a:lnSpc>
             </a:pPr>
-            <a:fld id="{56F16DDE-0656-4784-A58A-5AEED2AF2E92}" type="slidenum">
-              <a:rPr lang="de-DE" sz="1000" b="0" strike="noStrike" spc="-1">
+            <a:fld id="{C2651FE9-C2BA-4281-9818-C6D4609FC628}" type="slidenum">
+              <a:rPr b="0" lang="de-DE" sz="1000" spc="-1" strike="noStrike">
                 <a:solidFill>
-                  <a:srgbClr val="00618F"/>
+                  <a:srgbClr val="00618f"/>
                 </a:solidFill>
                 <a:latin typeface="Arial Narrow"/>
                 <a:ea typeface="Georgia"/>
               </a:rPr>
-              <a:t>6</a:t>
+              <a:t>&lt;Foliennummer&gt;</a:t>
             </a:fld>
-            <a:endParaRPr lang="de-DE" sz="1000" b="0" strike="noStrike" spc="-1">
-              <a:latin typeface="Times New Roman"/>
-            </a:endParaRPr>
-          </a:p>
-        </p:txBody>
-      </p:sp>
-      <p:sp>
-        <p:nvSpPr>
-          <p:cNvPr id="84" name="TextShape 2"/>
-          <p:cNvSpPr txBox="1"/>
+            <a:endParaRPr b="0" lang="de-DE" sz="1000" spc="-1" strike="noStrike">
+              <a:latin typeface="Arial"/>
+            </a:endParaRPr>
+          </a:p>
+        </p:txBody>
+      </p:sp>
+      <p:sp>
+        <p:nvSpPr>
+          <p:cNvPr id="88" name="CustomShape 2"/>
+          <p:cNvSpPr/>
           <p:nvPr/>
         </p:nvSpPr>
         <p:spPr>
           <a:xfrm>
             <a:off x="1116000" y="6654960"/>
-            <a:ext cx="7056000" cy="167760"/>
+            <a:ext cx="7055640" cy="167400"/>
           </a:xfrm>
           <a:prstGeom prst="rect">
             <a:avLst/>
@@ -5540,9 +4949,14 @@
             <a:noFill/>
           </a:ln>
         </p:spPr>
-        <p:txBody>
-          <a:bodyPr lIns="90000" tIns="0" rIns="90000" bIns="45000"/>
-          <a:lstStyle/>
+        <p:style>
+          <a:lnRef idx="0"/>
+          <a:fillRef idx="0"/>
+          <a:effectRef idx="0"/>
+          <a:fontRef idx="minor"/>
+        </p:style>
+        <p:txBody>
+          <a:bodyPr lIns="90000" rIns="90000" tIns="0" bIns="45000"/>
           <a:p>
             <a:pPr>
               <a:lnSpc>
@@ -5550,31 +4964,31 @@
               </a:lnSpc>
             </a:pPr>
             <a:r>
-              <a:rPr lang="de-DE" sz="1000" b="0" strike="noStrike" spc="-1">
+              <a:rPr b="0" lang="de-DE" sz="1000" spc="-1" strike="noStrike">
                 <a:solidFill>
-                  <a:srgbClr val="4D4B46"/>
+                  <a:srgbClr val="4d4b46"/>
                 </a:solidFill>
                 <a:latin typeface="Arial Narrow"/>
                 <a:ea typeface="Georgia"/>
               </a:rPr>
               <a:t>Data Science 1 – Mariella Zunker, Robin Mayer, Nils Nover</a:t>
             </a:r>
-            <a:endParaRPr lang="de-DE" sz="1000" b="0" strike="noStrike" spc="-1">
-              <a:latin typeface="Times New Roman"/>
-            </a:endParaRPr>
-          </a:p>
-        </p:txBody>
-      </p:sp>
-      <p:sp>
-        <p:nvSpPr>
-          <p:cNvPr id="85" name="TextShape 3"/>
-          <p:cNvSpPr txBox="1"/>
+            <a:endParaRPr b="0" lang="de-DE" sz="1000" spc="-1" strike="noStrike">
+              <a:latin typeface="Arial"/>
+            </a:endParaRPr>
+          </a:p>
+        </p:txBody>
+      </p:sp>
+      <p:sp>
+        <p:nvSpPr>
+          <p:cNvPr id="89" name="CustomShape 3"/>
+          <p:cNvSpPr/>
           <p:nvPr/>
         </p:nvSpPr>
         <p:spPr>
           <a:xfrm>
             <a:off x="637560" y="116640"/>
-            <a:ext cx="6598440" cy="791640"/>
+            <a:ext cx="6598080" cy="791280"/>
           </a:xfrm>
           <a:prstGeom prst="rect">
             <a:avLst/>
@@ -5584,9 +4998,14 @@
             <a:noFill/>
           </a:ln>
         </p:spPr>
-        <p:txBody>
-          <a:bodyPr lIns="0" tIns="0" rIns="0" bIns="0" anchor="b"/>
-          <a:lstStyle/>
+        <p:style>
+          <a:lnRef idx="0"/>
+          <a:fillRef idx="0"/>
+          <a:effectRef idx="0"/>
+          <a:fontRef idx="minor"/>
+        </p:style>
+        <p:txBody>
+          <a:bodyPr lIns="0" rIns="0" tIns="0" bIns="0" anchor="b"/>
           <a:p>
             <a:pPr>
               <a:lnSpc>
@@ -5594,64 +5013,70 @@
               </a:lnSpc>
             </a:pPr>
             <a:r>
-              <a:rPr lang="de-DE" sz="1400" b="0" strike="noStrike" spc="-1" dirty="0">
+              <a:rPr b="0" lang="de-DE" sz="1400" spc="-1" strike="noStrike">
                 <a:solidFill>
-                  <a:srgbClr val="004F8F"/>
+                  <a:srgbClr val="004f8f"/>
                 </a:solidFill>
                 <a:latin typeface="Arial"/>
                 <a:ea typeface="Arial Narrow"/>
               </a:rPr>
-              <a:t>Data </a:t>
+              <a:t>Data Cleaning und Merging </a:t>
             </a:r>
-            <a:r>
-              <a:rPr lang="de-DE" sz="1400" b="0" strike="noStrike" spc="-1" dirty="0" err="1" smtClean="0">
-                <a:solidFill>
-                  <a:srgbClr val="004F8F"/>
-                </a:solidFill>
-                <a:latin typeface="Arial"/>
-                <a:ea typeface="Arial Narrow"/>
-              </a:rPr>
-              <a:t>Cleaning</a:t>
-            </a:r>
-            <a:r>
-              <a:rPr lang="de-DE" sz="1400" spc="-1" dirty="0">
-                <a:solidFill>
-                  <a:srgbClr val="004F8F"/>
-                </a:solidFill>
-                <a:ea typeface="Arial Narrow"/>
-              </a:rPr>
-              <a:t> und </a:t>
-            </a:r>
-            <a:r>
-              <a:rPr lang="de-DE" sz="1400" spc="-1" dirty="0" err="1">
-                <a:solidFill>
-                  <a:srgbClr val="004F8F"/>
-                </a:solidFill>
-                <a:ea typeface="Arial Narrow"/>
-              </a:rPr>
-              <a:t>Merging</a:t>
-            </a:r>
-            <a:r>
-              <a:rPr lang="de-DE" sz="1400" spc="-1" dirty="0">
-                <a:solidFill>
-                  <a:srgbClr val="004F8F"/>
-                </a:solidFill>
-                <a:ea typeface="Arial Narrow"/>
-              </a:rPr>
-              <a:t> </a:t>
-            </a:r>
-            <a:endParaRPr lang="de-DE" sz="1400" b="0" strike="noStrike" spc="-1" dirty="0">
-              <a:solidFill>
-                <a:srgbClr val="004F8F"/>
-              </a:solidFill>
-              <a:latin typeface="Georgia"/>
+            <a:endParaRPr b="0" lang="de-DE" sz="1400" spc="-1" strike="noStrike">
+              <a:latin typeface="Arial"/>
             </a:endParaRPr>
           </a:p>
         </p:txBody>
       </p:sp>
       <p:pic>
         <p:nvPicPr>
-          <p:cNvPr id="86" name="Grafik 85"/>
+          <p:cNvPr id="90" name="Grafik 85" descr=""/>
+          <p:cNvPicPr/>
+          <p:nvPr/>
+        </p:nvPicPr>
+        <p:blipFill>
+          <a:blip r:embed="rId1"/>
+          <a:stretch/>
+        </p:blipFill>
+        <p:spPr>
+          <a:xfrm>
+            <a:off x="3429360" y="1008000"/>
+            <a:ext cx="5570640" cy="2408760"/>
+          </a:xfrm>
+          <a:prstGeom prst="rect">
+            <a:avLst/>
+          </a:prstGeom>
+          <a:ln>
+            <a:noFill/>
+          </a:ln>
+        </p:spPr>
+      </p:pic>
+      <p:pic>
+        <p:nvPicPr>
+          <p:cNvPr id="91" name="Grafik 86" descr=""/>
+          <p:cNvPicPr/>
+          <p:nvPr/>
+        </p:nvPicPr>
+        <p:blipFill>
+          <a:blip r:embed="rId2"/>
+          <a:stretch/>
+        </p:blipFill>
+        <p:spPr>
+          <a:xfrm>
+            <a:off x="3456000" y="3672000"/>
+            <a:ext cx="5580000" cy="2522880"/>
+          </a:xfrm>
+          <a:prstGeom prst="rect">
+            <a:avLst/>
+          </a:prstGeom>
+          <a:ln>
+            <a:noFill/>
+          </a:ln>
+        </p:spPr>
+      </p:pic>
+      <p:pic>
+        <p:nvPicPr>
+          <p:cNvPr id="92" name="Grafik 87" descr=""/>
           <p:cNvPicPr/>
           <p:nvPr/>
         </p:nvPicPr>
@@ -5661,8 +5086,8 @@
         </p:blipFill>
         <p:spPr>
           <a:xfrm>
-            <a:off x="432000" y="1008000"/>
-            <a:ext cx="5571000" cy="2409120"/>
+            <a:off x="144000" y="1094400"/>
+            <a:ext cx="3326760" cy="2217600"/>
           </a:xfrm>
           <a:prstGeom prst="rect">
             <a:avLst/>
@@ -5674,7 +5099,7 @@
       </p:pic>
       <p:pic>
         <p:nvPicPr>
-          <p:cNvPr id="87" name="Grafik 86"/>
+          <p:cNvPr id="93" name="" descr=""/>
           <p:cNvPicPr/>
           <p:nvPr/>
         </p:nvPicPr>
@@ -5684,8 +5109,8 @@
         </p:blipFill>
         <p:spPr>
           <a:xfrm>
-            <a:off x="468000" y="3740760"/>
-            <a:ext cx="5580360" cy="2523240"/>
+            <a:off x="648000" y="4464000"/>
+            <a:ext cx="2447640" cy="990360"/>
           </a:xfrm>
           <a:prstGeom prst="rect">
             <a:avLst/>
@@ -5695,50 +5120,58 @@
           </a:ln>
         </p:spPr>
       </p:pic>
-      <p:pic>
-        <p:nvPicPr>
-          <p:cNvPr id="88" name="Grafik 87"/>
-          <p:cNvPicPr/>
+      <p:sp>
+        <p:nvSpPr>
+          <p:cNvPr id="94" name="TextShape 4"/>
+          <p:cNvSpPr txBox="1"/>
           <p:nvPr/>
-        </p:nvPicPr>
-        <p:blipFill>
-          <a:blip r:embed="rId5"/>
-          <a:stretch/>
-        </p:blipFill>
-        <p:spPr>
-          <a:xfrm>
-            <a:off x="5960880" y="2592000"/>
-            <a:ext cx="3327120" cy="2217960"/>
-          </a:xfrm>
-          <a:prstGeom prst="rect">
-            <a:avLst/>
-          </a:prstGeom>
+        </p:nvSpPr>
+        <p:spPr>
+          <a:xfrm>
+            <a:off x="612360" y="4176000"/>
+            <a:ext cx="2303640" cy="261000"/>
+          </a:xfrm>
+          <a:prstGeom prst="rect">
+            <a:avLst/>
+          </a:prstGeom>
+          <a:noFill/>
           <a:ln>
             <a:noFill/>
           </a:ln>
         </p:spPr>
-      </p:pic>
+        <p:txBody>
+          <a:bodyPr lIns="90000" rIns="90000" tIns="45000" bIns="45000"/>
+          <a:p>
+            <a:r>
+              <a:rPr b="0" lang="de-DE" sz="1200" spc="-1" strike="noStrike">
+                <a:latin typeface="Arial"/>
+              </a:rPr>
+              <a:t>Ergebnisse des Matchings</a:t>
+            </a:r>
+            <a:endParaRPr b="0" lang="de-DE" sz="1200" spc="-1" strike="noStrike">
+              <a:latin typeface="Arial"/>
+            </a:endParaRPr>
+          </a:p>
+        </p:txBody>
+      </p:sp>
     </p:spTree>
   </p:cSld>
-  <p:clrMapOvr>
-    <a:masterClrMapping/>
-  </p:clrMapOvr>
   <p:timing>
     <p:tnLst>
       <p:par>
-        <p:cTn id="1" dur="indefinite" restart="never" nodeType="tmRoot">
+        <p:cTn id="45" dur="indefinite" restart="never" nodeType="tmRoot">
           <p:childTnLst>
             <p:seq>
-              <p:cTn id="2" dur="indefinite" nodeType="mainSeq"/>
+              <p:cTn id="46" dur="indefinite" nodeType="mainSeq"/>
               <p:prevCondLst>
-                <p:cond evt="onPrev" delay="0">
+                <p:cond delay="0" evt="onPrev">
                   <p:tgtEl>
                     <p:sldTgt/>
                   </p:tgtEl>
                 </p:cond>
               </p:prevCondLst>
               <p:nextCondLst>
-                <p:cond evt="onNext" delay="0">
+                <p:cond delay="0" evt="onNext">
                   <p:tgtEl>
                     <p:sldTgt/>
                   </p:tgtEl>
@@ -5754,7 +5187,7 @@
 </file>
 
 <file path=ppt/slides/slide7.xml><?xml version="1.0" encoding="utf-8"?>
-<p:sld xmlns:a="http://schemas.openxmlformats.org/drawingml/2006/main" xmlns:r="http://schemas.openxmlformats.org/officeDocument/2006/relationships" xmlns:p="http://schemas.openxmlformats.org/presentationml/2006/main">
+<p:sld xmlns:a="http://schemas.openxmlformats.org/drawingml/2006/main" xmlns:p="http://schemas.openxmlformats.org/presentationml/2006/main" xmlns:r="http://schemas.openxmlformats.org/officeDocument/2006/relationships" xmlns:p14="http://schemas.microsoft.com/office/powerpoint/2010/main" xmlns:p15="http://schemas.microsoft.com/office/powerpoint/2012/main" xmlns:mc="http://schemas.openxmlformats.org/markup-compatibility/2006">
   <p:cSld>
     <p:spTree>
       <p:nvGrpSpPr>
@@ -5772,14 +5205,14 @@
       </p:grpSpPr>
       <p:sp>
         <p:nvSpPr>
-          <p:cNvPr id="92" name="TextShape 1"/>
-          <p:cNvSpPr txBox="1"/>
+          <p:cNvPr id="95" name="CustomShape 1"/>
+          <p:cNvSpPr/>
           <p:nvPr/>
         </p:nvSpPr>
         <p:spPr>
           <a:xfrm>
             <a:off x="8640000" y="6660000"/>
-            <a:ext cx="345600" cy="179640"/>
+            <a:ext cx="345240" cy="179280"/>
           </a:xfrm>
           <a:prstGeom prst="rect">
             <a:avLst/>
@@ -5789,41 +5222,46 @@
             <a:noFill/>
           </a:ln>
         </p:spPr>
-        <p:txBody>
-          <a:bodyPr lIns="0" tIns="0" rIns="0" bIns="0"/>
-          <a:lstStyle/>
+        <p:style>
+          <a:lnRef idx="0"/>
+          <a:fillRef idx="0"/>
+          <a:effectRef idx="0"/>
+          <a:fontRef idx="minor"/>
+        </p:style>
+        <p:txBody>
+          <a:bodyPr lIns="0" rIns="0" tIns="0" bIns="0"/>
           <a:p>
             <a:pPr algn="r">
               <a:lnSpc>
                 <a:spcPct val="100000"/>
               </a:lnSpc>
             </a:pPr>
-            <a:fld id="{0B73737F-D045-4E7F-8337-1B8DD21CD54E}" type="slidenum">
-              <a:rPr lang="de-DE" sz="1000" b="0" strike="noStrike" spc="-1">
+            <a:fld id="{834CDFA2-B9EC-4FE3-8C3C-68D6CE9F037A}" type="slidenum">
+              <a:rPr b="0" lang="de-DE" sz="1000" spc="-1" strike="noStrike">
                 <a:solidFill>
-                  <a:srgbClr val="00618F"/>
+                  <a:srgbClr val="00618f"/>
                 </a:solidFill>
                 <a:latin typeface="Arial Narrow"/>
                 <a:ea typeface="Georgia"/>
               </a:rPr>
-              <a:t>7</a:t>
+              <a:t>&lt;Foliennummer&gt;</a:t>
             </a:fld>
-            <a:endParaRPr lang="de-DE" sz="1000" b="0" strike="noStrike" spc="-1">
-              <a:latin typeface="Times New Roman"/>
-            </a:endParaRPr>
-          </a:p>
-        </p:txBody>
-      </p:sp>
-      <p:sp>
-        <p:nvSpPr>
-          <p:cNvPr id="93" name="TextShape 2"/>
-          <p:cNvSpPr txBox="1"/>
+            <a:endParaRPr b="0" lang="de-DE" sz="1000" spc="-1" strike="noStrike">
+              <a:latin typeface="Arial"/>
+            </a:endParaRPr>
+          </a:p>
+        </p:txBody>
+      </p:sp>
+      <p:sp>
+        <p:nvSpPr>
+          <p:cNvPr id="96" name="CustomShape 2"/>
+          <p:cNvSpPr/>
           <p:nvPr/>
         </p:nvSpPr>
         <p:spPr>
           <a:xfrm>
             <a:off x="1116000" y="6654960"/>
-            <a:ext cx="7056000" cy="167760"/>
+            <a:ext cx="7055640" cy="167400"/>
           </a:xfrm>
           <a:prstGeom prst="rect">
             <a:avLst/>
@@ -5833,9 +5271,14 @@
             <a:noFill/>
           </a:ln>
         </p:spPr>
-        <p:txBody>
-          <a:bodyPr lIns="90000" tIns="0" rIns="90000" bIns="45000"/>
-          <a:lstStyle/>
+        <p:style>
+          <a:lnRef idx="0"/>
+          <a:fillRef idx="0"/>
+          <a:effectRef idx="0"/>
+          <a:fontRef idx="minor"/>
+        </p:style>
+        <p:txBody>
+          <a:bodyPr lIns="90000" rIns="90000" tIns="0" bIns="45000"/>
           <a:p>
             <a:pPr>
               <a:lnSpc>
@@ -5843,31 +5286,31 @@
               </a:lnSpc>
             </a:pPr>
             <a:r>
-              <a:rPr lang="de-DE" sz="1000" b="0" strike="noStrike" spc="-1">
+              <a:rPr b="0" lang="de-DE" sz="1000" spc="-1" strike="noStrike">
                 <a:solidFill>
-                  <a:srgbClr val="4D4B46"/>
+                  <a:srgbClr val="4d4b46"/>
                 </a:solidFill>
                 <a:latin typeface="Arial Narrow"/>
                 <a:ea typeface="Georgia"/>
               </a:rPr>
               <a:t>Data Science 1 – Mariella Zunker, Robin Mayer, Nils Nover</a:t>
             </a:r>
-            <a:endParaRPr lang="de-DE" sz="1000" b="0" strike="noStrike" spc="-1">
-              <a:latin typeface="Times New Roman"/>
-            </a:endParaRPr>
-          </a:p>
-        </p:txBody>
-      </p:sp>
-      <p:sp>
-        <p:nvSpPr>
-          <p:cNvPr id="94" name="TextShape 3"/>
-          <p:cNvSpPr txBox="1"/>
+            <a:endParaRPr b="0" lang="de-DE" sz="1000" spc="-1" strike="noStrike">
+              <a:latin typeface="Arial"/>
+            </a:endParaRPr>
+          </a:p>
+        </p:txBody>
+      </p:sp>
+      <p:sp>
+        <p:nvSpPr>
+          <p:cNvPr id="97" name="CustomShape 3"/>
+          <p:cNvSpPr/>
           <p:nvPr/>
         </p:nvSpPr>
         <p:spPr>
           <a:xfrm>
             <a:off x="637560" y="116640"/>
-            <a:ext cx="6598440" cy="791640"/>
+            <a:ext cx="6598080" cy="791280"/>
           </a:xfrm>
           <a:prstGeom prst="rect">
             <a:avLst/>
@@ -5877,9 +5320,14 @@
             <a:noFill/>
           </a:ln>
         </p:spPr>
-        <p:txBody>
-          <a:bodyPr lIns="0" tIns="0" rIns="0" bIns="0" anchor="b"/>
-          <a:lstStyle/>
+        <p:style>
+          <a:lnRef idx="0"/>
+          <a:fillRef idx="0"/>
+          <a:effectRef idx="0"/>
+          <a:fontRef idx="minor"/>
+        </p:style>
+        <p:txBody>
+          <a:bodyPr lIns="0" rIns="0" tIns="0" bIns="0" anchor="b"/>
           <a:p>
             <a:pPr>
               <a:lnSpc>
@@ -5887,27 +5335,70 @@
               </a:lnSpc>
             </a:pPr>
             <a:r>
-              <a:rPr lang="de-DE" sz="1400" b="0" strike="noStrike" spc="-1">
+              <a:rPr b="0" lang="de-DE" sz="1400" spc="-1" strike="noStrike">
                 <a:solidFill>
-                  <a:srgbClr val="004F8F"/>
+                  <a:srgbClr val="004f8f"/>
                 </a:solidFill>
                 <a:latin typeface="Arial"/>
                 <a:ea typeface="Arial Narrow"/>
               </a:rPr>
               <a:t>Regression</a:t>
             </a:r>
-            <a:endParaRPr lang="de-DE" sz="1400" b="0" strike="noStrike" spc="-1">
-              <a:solidFill>
-                <a:srgbClr val="004F8F"/>
-              </a:solidFill>
-              <a:latin typeface="Georgia"/>
+            <a:endParaRPr b="0" lang="de-DE" sz="1400" spc="-1" strike="noStrike">
+              <a:latin typeface="Arial"/>
             </a:endParaRPr>
           </a:p>
         </p:txBody>
       </p:sp>
       <p:pic>
         <p:nvPicPr>
-          <p:cNvPr id="95" name="Grafik 94"/>
+          <p:cNvPr id="98" name="Grafik 94" descr=""/>
+          <p:cNvPicPr/>
+          <p:nvPr/>
+        </p:nvPicPr>
+        <p:blipFill>
+          <a:blip r:embed="rId1"/>
+          <a:stretch/>
+        </p:blipFill>
+        <p:spPr>
+          <a:xfrm>
+            <a:off x="344880" y="1670040"/>
+            <a:ext cx="3542760" cy="2361600"/>
+          </a:xfrm>
+          <a:prstGeom prst="rect">
+            <a:avLst/>
+          </a:prstGeom>
+          <a:ln>
+            <a:noFill/>
+          </a:ln>
+        </p:spPr>
+      </p:pic>
+      <p:pic>
+        <p:nvPicPr>
+          <p:cNvPr id="99" name="Grafik 95" descr=""/>
+          <p:cNvPicPr/>
+          <p:nvPr/>
+        </p:nvPicPr>
+        <p:blipFill>
+          <a:blip r:embed="rId2"/>
+          <a:stretch/>
+        </p:blipFill>
+        <p:spPr>
+          <a:xfrm>
+            <a:off x="4824000" y="1692000"/>
+            <a:ext cx="3563640" cy="2375640"/>
+          </a:xfrm>
+          <a:prstGeom prst="rect">
+            <a:avLst/>
+          </a:prstGeom>
+          <a:ln>
+            <a:noFill/>
+          </a:ln>
+        </p:spPr>
+      </p:pic>
+      <p:pic>
+        <p:nvPicPr>
+          <p:cNvPr id="100" name="Grafik 96" descr=""/>
           <p:cNvPicPr/>
           <p:nvPr/>
         </p:nvPicPr>
@@ -5917,8 +5408,8 @@
         </p:blipFill>
         <p:spPr>
           <a:xfrm>
-            <a:off x="344880" y="1670040"/>
-            <a:ext cx="3543120" cy="2361960"/>
+            <a:off x="2592000" y="3996000"/>
+            <a:ext cx="3679200" cy="2452680"/>
           </a:xfrm>
           <a:prstGeom prst="rect">
             <a:avLst/>
@@ -5928,73 +5419,24 @@
           </a:ln>
         </p:spPr>
       </p:pic>
-      <p:pic>
-        <p:nvPicPr>
-          <p:cNvPr id="96" name="Grafik 95"/>
-          <p:cNvPicPr/>
-          <p:nvPr/>
-        </p:nvPicPr>
-        <p:blipFill>
-          <a:blip r:embed="rId4"/>
-          <a:stretch/>
-        </p:blipFill>
-        <p:spPr>
-          <a:xfrm>
-            <a:off x="4824000" y="1692000"/>
-            <a:ext cx="3564000" cy="2376000"/>
-          </a:xfrm>
-          <a:prstGeom prst="rect">
-            <a:avLst/>
-          </a:prstGeom>
-          <a:ln>
-            <a:noFill/>
-          </a:ln>
-        </p:spPr>
-      </p:pic>
-      <p:pic>
-        <p:nvPicPr>
-          <p:cNvPr id="97" name="Grafik 96"/>
-          <p:cNvPicPr/>
-          <p:nvPr/>
-        </p:nvPicPr>
-        <p:blipFill>
-          <a:blip r:embed="rId5"/>
-          <a:stretch/>
-        </p:blipFill>
-        <p:spPr>
-          <a:xfrm>
-            <a:off x="2592000" y="3996000"/>
-            <a:ext cx="3679560" cy="2453040"/>
-          </a:xfrm>
-          <a:prstGeom prst="rect">
-            <a:avLst/>
-          </a:prstGeom>
-          <a:ln>
-            <a:noFill/>
-          </a:ln>
-        </p:spPr>
-      </p:pic>
     </p:spTree>
   </p:cSld>
-  <p:clrMapOvr>
-    <a:masterClrMapping/>
-  </p:clrMapOvr>
   <p:timing>
     <p:tnLst>
       <p:par>
-        <p:cTn id="1" dur="indefinite" restart="never" nodeType="tmRoot">
+        <p:cTn id="47" dur="indefinite" restart="never" nodeType="tmRoot">
           <p:childTnLst>
             <p:seq>
-              <p:cTn id="2" dur="indefinite" nodeType="mainSeq"/>
+              <p:cTn id="48" dur="indefinite" nodeType="mainSeq"/>
               <p:prevCondLst>
-                <p:cond evt="onPrev" delay="0">
+                <p:cond delay="0" evt="onPrev">
                   <p:tgtEl>
                     <p:sldTgt/>
                   </p:tgtEl>
                 </p:cond>
               </p:prevCondLst>
               <p:nextCondLst>
-                <p:cond evt="onNext" delay="0">
+                <p:cond delay="0" evt="onNext">
                   <p:tgtEl>
                     <p:sldTgt/>
                   </p:tgtEl>
@@ -6010,7 +5452,7 @@
 </file>
 
 <file path=ppt/slides/slide8.xml><?xml version="1.0" encoding="utf-8"?>
-<p:sld xmlns:a="http://schemas.openxmlformats.org/drawingml/2006/main" xmlns:r="http://schemas.openxmlformats.org/officeDocument/2006/relationships" xmlns:p="http://schemas.openxmlformats.org/presentationml/2006/main">
+<p:sld xmlns:a="http://schemas.openxmlformats.org/drawingml/2006/main" xmlns:p="http://schemas.openxmlformats.org/presentationml/2006/main" xmlns:r="http://schemas.openxmlformats.org/officeDocument/2006/relationships" xmlns:p14="http://schemas.microsoft.com/office/powerpoint/2010/main" xmlns:p15="http://schemas.microsoft.com/office/powerpoint/2012/main" xmlns:mc="http://schemas.openxmlformats.org/markup-compatibility/2006">
   <p:cSld>
     <p:spTree>
       <p:nvGrpSpPr>
@@ -6028,14 +5470,14 @@
       </p:grpSpPr>
       <p:sp>
         <p:nvSpPr>
-          <p:cNvPr id="98" name="TextShape 1"/>
-          <p:cNvSpPr txBox="1"/>
+          <p:cNvPr id="101" name="CustomShape 1"/>
+          <p:cNvSpPr/>
           <p:nvPr/>
         </p:nvSpPr>
         <p:spPr>
           <a:xfrm>
             <a:off x="637560" y="116640"/>
-            <a:ext cx="6598440" cy="791640"/>
+            <a:ext cx="6598080" cy="791280"/>
           </a:xfrm>
           <a:prstGeom prst="rect">
             <a:avLst/>
@@ -6045,29 +5487,23 @@
             <a:noFill/>
           </a:ln>
         </p:spPr>
-        <p:txBody>
-          <a:bodyPr lIns="0" tIns="0" rIns="0" bIns="0" anchor="b"/>
-          <a:lstStyle/>
-          <a:p>
-            <a:endParaRPr lang="de-DE" sz="1400" b="0" strike="noStrike" spc="-1">
-              <a:solidFill>
-                <a:srgbClr val="004F8F"/>
-              </a:solidFill>
-              <a:latin typeface="Georgia"/>
-            </a:endParaRPr>
-          </a:p>
-        </p:txBody>
-      </p:sp>
-      <p:sp>
-        <p:nvSpPr>
-          <p:cNvPr id="99" name="TextShape 2"/>
-          <p:cNvSpPr txBox="1"/>
+        <p:style>
+          <a:lnRef idx="0"/>
+          <a:fillRef idx="0"/>
+          <a:effectRef idx="0"/>
+          <a:fontRef idx="minor"/>
+        </p:style>
+      </p:sp>
+      <p:sp>
+        <p:nvSpPr>
+          <p:cNvPr id="102" name="CustomShape 2"/>
+          <p:cNvSpPr/>
           <p:nvPr/>
         </p:nvSpPr>
         <p:spPr>
           <a:xfrm>
             <a:off x="611640" y="2853000"/>
-            <a:ext cx="8119440" cy="5039640"/>
+            <a:ext cx="8119080" cy="5039280"/>
           </a:xfrm>
           <a:prstGeom prst="rect">
             <a:avLst/>
@@ -6077,11 +5513,16 @@
             <a:noFill/>
           </a:ln>
         </p:spPr>
-        <p:txBody>
-          <a:bodyPr lIns="90000" tIns="45000" rIns="90000" bIns="45000"/>
-          <a:lstStyle/>
-          <a:p>
-            <a:pPr marL="343080" indent="-342720" algn="ctr">
+        <p:style>
+          <a:lnRef idx="0"/>
+          <a:fillRef idx="0"/>
+          <a:effectRef idx="0"/>
+          <a:fontRef idx="minor"/>
+        </p:style>
+        <p:txBody>
+          <a:bodyPr lIns="90000" rIns="90000" tIns="45000" bIns="45000"/>
+          <a:p>
+            <a:pPr marL="343080" indent="-342360" algn="ctr">
               <a:lnSpc>
                 <a:spcPct val="100000"/>
               </a:lnSpc>
@@ -6090,33 +5531,31 @@
               </a:spcBef>
             </a:pPr>
             <a:r>
-              <a:rPr lang="de-DE" sz="2400" b="0" strike="noStrike" spc="-1" dirty="0" smtClean="0">
+              <a:rPr b="0" lang="de-DE" sz="2400" spc="-1" strike="noStrike">
                 <a:solidFill>
                   <a:srgbClr val="000000"/>
                 </a:solidFill>
                 <a:latin typeface="Arial"/>
+                <a:ea typeface="DejaVu Sans"/>
               </a:rPr>
               <a:t>Vielen Dank für Ihre Aufmerksamkeit</a:t>
             </a:r>
-            <a:endParaRPr lang="de-DE" sz="2400" b="0" strike="noStrike" spc="-1" dirty="0">
-              <a:solidFill>
-                <a:srgbClr val="000000"/>
-              </a:solidFill>
-              <a:latin typeface="Arial Narrow"/>
-            </a:endParaRPr>
-          </a:p>
-        </p:txBody>
-      </p:sp>
-      <p:sp>
-        <p:nvSpPr>
-          <p:cNvPr id="100" name="TextShape 3"/>
-          <p:cNvSpPr txBox="1"/>
+            <a:endParaRPr b="0" lang="de-DE" sz="2400" spc="-1" strike="noStrike">
+              <a:latin typeface="Arial"/>
+            </a:endParaRPr>
+          </a:p>
+        </p:txBody>
+      </p:sp>
+      <p:sp>
+        <p:nvSpPr>
+          <p:cNvPr id="103" name="CustomShape 3"/>
+          <p:cNvSpPr/>
           <p:nvPr/>
         </p:nvSpPr>
         <p:spPr>
           <a:xfrm>
             <a:off x="8640000" y="6660000"/>
-            <a:ext cx="345600" cy="179640"/>
+            <a:ext cx="345240" cy="179280"/>
           </a:xfrm>
           <a:prstGeom prst="rect">
             <a:avLst/>
@@ -6126,41 +5565,46 @@
             <a:noFill/>
           </a:ln>
         </p:spPr>
-        <p:txBody>
-          <a:bodyPr lIns="0" tIns="0" rIns="0" bIns="0"/>
-          <a:lstStyle/>
+        <p:style>
+          <a:lnRef idx="0"/>
+          <a:fillRef idx="0"/>
+          <a:effectRef idx="0"/>
+          <a:fontRef idx="minor"/>
+        </p:style>
+        <p:txBody>
+          <a:bodyPr lIns="0" rIns="0" tIns="0" bIns="0"/>
           <a:p>
             <a:pPr algn="r">
               <a:lnSpc>
                 <a:spcPct val="100000"/>
               </a:lnSpc>
             </a:pPr>
-            <a:fld id="{05C09C8A-B7D0-4F9C-B768-9BD199953623}" type="slidenum">
-              <a:rPr lang="de-DE" sz="1000" b="0" strike="noStrike" spc="-1">
+            <a:fld id="{C517F5CF-BF33-4B68-B4B9-19DBD6BB376B}" type="slidenum">
+              <a:rPr b="0" lang="de-DE" sz="1000" spc="-1" strike="noStrike">
                 <a:solidFill>
-                  <a:srgbClr val="00618F"/>
+                  <a:srgbClr val="00618f"/>
                 </a:solidFill>
                 <a:latin typeface="Arial Narrow"/>
                 <a:ea typeface="Georgia"/>
               </a:rPr>
-              <a:t>8</a:t>
+              <a:t>&lt;Foliennummer&gt;</a:t>
             </a:fld>
-            <a:endParaRPr lang="de-DE" sz="1000" b="0" strike="noStrike" spc="-1">
-              <a:latin typeface="Times New Roman"/>
-            </a:endParaRPr>
-          </a:p>
-        </p:txBody>
-      </p:sp>
-      <p:sp>
-        <p:nvSpPr>
-          <p:cNvPr id="101" name="TextShape 4"/>
-          <p:cNvSpPr txBox="1"/>
+            <a:endParaRPr b="0" lang="de-DE" sz="1000" spc="-1" strike="noStrike">
+              <a:latin typeface="Arial"/>
+            </a:endParaRPr>
+          </a:p>
+        </p:txBody>
+      </p:sp>
+      <p:sp>
+        <p:nvSpPr>
+          <p:cNvPr id="104" name="CustomShape 4"/>
+          <p:cNvSpPr/>
           <p:nvPr/>
         </p:nvSpPr>
         <p:spPr>
           <a:xfrm>
             <a:off x="1116000" y="6654960"/>
-            <a:ext cx="7056000" cy="167760"/>
+            <a:ext cx="7055640" cy="167400"/>
           </a:xfrm>
           <a:prstGeom prst="rect">
             <a:avLst/>
@@ -6170,9 +5614,14 @@
             <a:noFill/>
           </a:ln>
         </p:spPr>
-        <p:txBody>
-          <a:bodyPr lIns="90000" tIns="0" rIns="90000" bIns="45000"/>
-          <a:lstStyle/>
+        <p:style>
+          <a:lnRef idx="0"/>
+          <a:fillRef idx="0"/>
+          <a:effectRef idx="0"/>
+          <a:fontRef idx="minor"/>
+        </p:style>
+        <p:txBody>
+          <a:bodyPr lIns="90000" rIns="90000" tIns="0" bIns="45000"/>
           <a:p>
             <a:pPr>
               <a:lnSpc>
@@ -6180,42 +5629,39 @@
               </a:lnSpc>
             </a:pPr>
             <a:r>
-              <a:rPr lang="de-DE" sz="1000" b="0" strike="noStrike" spc="-1">
+              <a:rPr b="0" lang="de-DE" sz="1000" spc="-1" strike="noStrike">
                 <a:solidFill>
-                  <a:srgbClr val="4D4B46"/>
+                  <a:srgbClr val="4d4b46"/>
                 </a:solidFill>
                 <a:latin typeface="Arial Narrow"/>
                 <a:ea typeface="Georgia"/>
               </a:rPr>
               <a:t>Data Science 1 – Mariella Zunker, Robin Mayer, Nils Nover</a:t>
             </a:r>
-            <a:endParaRPr lang="de-DE" sz="1000" b="0" strike="noStrike" spc="-1">
-              <a:latin typeface="Times New Roman"/>
+            <a:endParaRPr b="0" lang="de-DE" sz="1000" spc="-1" strike="noStrike">
+              <a:latin typeface="Arial"/>
             </a:endParaRPr>
           </a:p>
         </p:txBody>
       </p:sp>
     </p:spTree>
   </p:cSld>
-  <p:clrMapOvr>
-    <a:masterClrMapping/>
-  </p:clrMapOvr>
   <p:timing>
     <p:tnLst>
       <p:par>
-        <p:cTn id="1" dur="indefinite" restart="never" nodeType="tmRoot">
+        <p:cTn id="49" dur="indefinite" restart="never" nodeType="tmRoot">
           <p:childTnLst>
             <p:seq>
-              <p:cTn id="2" dur="indefinite" nodeType="mainSeq"/>
+              <p:cTn id="50" dur="indefinite" nodeType="mainSeq"/>
               <p:prevCondLst>
-                <p:cond evt="onPrev" delay="0">
+                <p:cond delay="0" evt="onPrev">
                   <p:tgtEl>
                     <p:sldTgt/>
                   </p:tgtEl>
                 </p:cond>
               </p:prevCondLst>
               <p:nextCondLst>
-                <p:cond evt="onNext" delay="0">
+                <p:cond delay="0" evt="onNext">
                   <p:tgtEl>
                     <p:sldTgt/>
                   </p:tgtEl>
@@ -6241,34 +5687,34 @@
         <a:sysClr val="window" lastClr="FFFFFF"/>
       </a:lt1>
       <a:dk2>
-        <a:srgbClr val="4D4B46"/>
+        <a:srgbClr val="4d4b46"/>
       </a:dk2>
       <a:lt2>
-        <a:srgbClr val="F8F6F5"/>
+        <a:srgbClr val="f8f6f5"/>
       </a:lt2>
       <a:accent1>
-        <a:srgbClr val="00618F"/>
+        <a:srgbClr val="00618f"/>
       </a:accent1>
       <a:accent2>
-        <a:srgbClr val="E4E3DD"/>
+        <a:srgbClr val="e4e3dd"/>
       </a:accent2>
       <a:accent3>
-        <a:srgbClr val="A5AB52"/>
+        <a:srgbClr val="a5ab52"/>
       </a:accent3>
       <a:accent4>
-        <a:srgbClr val="4D4B46"/>
+        <a:srgbClr val="4d4b46"/>
       </a:accent4>
       <a:accent5>
-        <a:srgbClr val="B3062C"/>
+        <a:srgbClr val="b3062c"/>
       </a:accent5>
       <a:accent6>
-        <a:srgbClr val="C96215"/>
+        <a:srgbClr val="c96215"/>
       </a:accent6>
       <a:hlink>
-        <a:srgbClr val="48A9DA"/>
+        <a:srgbClr val="48a9da"/>
       </a:hlink>
       <a:folHlink>
-        <a:srgbClr val="00618F"/>
+        <a:srgbClr val="00618f"/>
       </a:folHlink>
     </a:clrScheme>
     <a:fontScheme name="Office">
@@ -6450,8 +5896,6 @@
       </a:bgFillStyleLst>
     </a:fmtScheme>
   </a:themeElements>
-  <a:objectDefaults/>
-  <a:extraClrSchemeLst/>
 </a:theme>
 </file>
 
@@ -6466,34 +5910,34 @@
         <a:sysClr val="window" lastClr="FFFFFF"/>
       </a:lt1>
       <a:dk2>
-        <a:srgbClr val="4D4B46"/>
+        <a:srgbClr val="4d4b46"/>
       </a:dk2>
       <a:lt2>
-        <a:srgbClr val="F8F6F5"/>
+        <a:srgbClr val="f8f6f5"/>
       </a:lt2>
       <a:accent1>
-        <a:srgbClr val="00618F"/>
+        <a:srgbClr val="00618f"/>
       </a:accent1>
       <a:accent2>
-        <a:srgbClr val="E4E3DD"/>
+        <a:srgbClr val="e4e3dd"/>
       </a:accent2>
       <a:accent3>
-        <a:srgbClr val="A5AB52"/>
+        <a:srgbClr val="a5ab52"/>
       </a:accent3>
       <a:accent4>
-        <a:srgbClr val="4D4B46"/>
+        <a:srgbClr val="4d4b46"/>
       </a:accent4>
       <a:accent5>
-        <a:srgbClr val="B3062C"/>
+        <a:srgbClr val="b3062c"/>
       </a:accent5>
       <a:accent6>
-        <a:srgbClr val="C96215"/>
+        <a:srgbClr val="c96215"/>
       </a:accent6>
       <a:hlink>
-        <a:srgbClr val="48A9DA"/>
+        <a:srgbClr val="48a9da"/>
       </a:hlink>
       <a:folHlink>
-        <a:srgbClr val="00618F"/>
+        <a:srgbClr val="00618f"/>
       </a:folHlink>
     </a:clrScheme>
     <a:fontScheme name="Office">
@@ -6675,7 +6119,5 @@
       </a:bgFillStyleLst>
     </a:fmtScheme>
   </a:themeElements>
-  <a:objectDefaults/>
-  <a:extraClrSchemeLst/>
 </a:theme>
 </file>